--- a/fig/Presentation1.pptx
+++ b/fig/Presentation1.pptx
@@ -7,6 +7,8 @@
   <p:sldIdLst>
     <p:sldId id="256" r:id="rId2"/>
     <p:sldId id="257" r:id="rId3"/>
+    <p:sldId id="258" r:id="rId4"/>
+    <p:sldId id="259" r:id="rId5"/>
   </p:sldIdLst>
   <p:sldSz cx="12192000" cy="6858000"/>
   <p:notesSz cx="6858000" cy="9144000"/>
@@ -105,6 +107,11 @@
       </a:defRPr>
     </a:lvl9pPr>
   </p:defaultTextStyle>
+  <p:extLst>
+    <p:ext uri="{EFAFB233-063F-42B5-8137-9DF3F51BA10A}">
+      <p15:sldGuideLst xmlns:p15="http://schemas.microsoft.com/office/powerpoint/2012/main"/>
+    </p:ext>
+  </p:extLst>
 </p:presentation>
 </file>
 
@@ -4236,6 +4243,6355 @@
 </p:sld>
 </file>
 
+<file path=ppt/slides/slide3.xml><?xml version="1.0" encoding="utf-8"?>
+<p:sld xmlns:a="http://schemas.openxmlformats.org/drawingml/2006/main" xmlns:r="http://schemas.openxmlformats.org/officeDocument/2006/relationships" xmlns:p="http://schemas.openxmlformats.org/presentationml/2006/main">
+  <p:cSld>
+    <p:spTree>
+      <p:nvGrpSpPr>
+        <p:cNvPr id="1" name=""/>
+        <p:cNvGrpSpPr/>
+        <p:nvPr/>
+      </p:nvGrpSpPr>
+      <p:grpSpPr>
+        <a:xfrm>
+          <a:off x="0" y="0"/>
+          <a:ext cx="0" cy="0"/>
+          <a:chOff x="0" y="0"/>
+          <a:chExt cx="0" cy="0"/>
+        </a:xfrm>
+      </p:grpSpPr>
+      <p:sp>
+        <p:nvSpPr>
+          <p:cNvPr id="3" name="TextBox 2">
+            <a:extLst>
+              <a:ext uri="{FF2B5EF4-FFF2-40B4-BE49-F238E27FC236}">
+                <a16:creationId xmlns:a16="http://schemas.microsoft.com/office/drawing/2014/main" id="{A21C02EE-5A9B-4F98-905B-C445B66B446F}"/>
+              </a:ext>
+            </a:extLst>
+          </p:cNvPr>
+          <p:cNvSpPr txBox="1"/>
+          <p:nvPr/>
+        </p:nvSpPr>
+        <p:spPr>
+          <a:xfrm>
+            <a:off x="374754" y="1304144"/>
+            <a:ext cx="1665841" cy="584775"/>
+          </a:xfrm>
+          <a:prstGeom prst="rect">
+            <a:avLst/>
+          </a:prstGeom>
+          <a:noFill/>
+        </p:spPr>
+        <p:txBody>
+          <a:bodyPr wrap="none" rtlCol="0">
+            <a:spAutoFit/>
+          </a:bodyPr>
+          <a:lstStyle/>
+          <a:p>
+            <a:r>
+              <a:rPr lang="en-US" sz="3200" dirty="0">
+                <a:latin typeface="Courier New" panose="02070309020205020404" pitchFamily="49" charset="0"/>
+                <a:cs typeface="Courier New" panose="02070309020205020404" pitchFamily="49" charset="0"/>
+              </a:rPr>
+              <a:t>filter</a:t>
+            </a:r>
+          </a:p>
+        </p:txBody>
+      </p:sp>
+      <p:graphicFrame>
+        <p:nvGraphicFramePr>
+          <p:cNvPr id="4" name="Table 4">
+            <a:extLst>
+              <a:ext uri="{FF2B5EF4-FFF2-40B4-BE49-F238E27FC236}">
+                <a16:creationId xmlns:a16="http://schemas.microsoft.com/office/drawing/2014/main" id="{9A099858-4B95-4DBC-93E2-4D07BBAAA88E}"/>
+              </a:ext>
+            </a:extLst>
+          </p:cNvPr>
+          <p:cNvGraphicFramePr>
+            <a:graphicFrameLocks noGrp="1"/>
+          </p:cNvGraphicFramePr>
+          <p:nvPr>
+            <p:extLst>
+              <p:ext uri="{D42A27DB-BD31-4B8C-83A1-F6EECF244321}">
+                <p14:modId xmlns:p14="http://schemas.microsoft.com/office/powerpoint/2010/main" val="1493840288"/>
+              </p:ext>
+            </p:extLst>
+          </p:nvPr>
+        </p:nvGraphicFramePr>
+        <p:xfrm>
+          <a:off x="2181901" y="514449"/>
+          <a:ext cx="1190886" cy="1828800"/>
+        </p:xfrm>
+        <a:graphic>
+          <a:graphicData uri="http://schemas.openxmlformats.org/drawingml/2006/table">
+            <a:tbl>
+              <a:tblPr firstRow="1" bandRow="1">
+                <a:tableStyleId>{5C22544A-7EE6-4342-B048-85BDC9FD1C3A}</a:tableStyleId>
+              </a:tblPr>
+              <a:tblGrid>
+                <a:gridCol w="1190886">
+                  <a:extLst>
+                    <a:ext uri="{9D8B030D-6E8A-4147-A177-3AD203B41FA5}">
+                      <a16:colId xmlns:a16="http://schemas.microsoft.com/office/drawing/2014/main" val="1786286647"/>
+                    </a:ext>
+                  </a:extLst>
+                </a:gridCol>
+              </a:tblGrid>
+              <a:tr h="145947">
+                <a:tc>
+                  <a:txBody>
+                    <a:bodyPr/>
+                    <a:lstStyle/>
+                    <a:p>
+                      <a:endParaRPr lang="en-US" dirty="0"/>
+                    </a:p>
+                  </a:txBody>
+                  <a:tcPr>
+                    <a:lnL w="12700" cap="flat" cmpd="sng" algn="ctr">
+                      <a:solidFill>
+                        <a:schemeClr val="tx1"/>
+                      </a:solidFill>
+                      <a:prstDash val="solid"/>
+                      <a:round/>
+                      <a:headEnd type="none" w="med" len="med"/>
+                      <a:tailEnd type="none" w="med" len="med"/>
+                    </a:lnL>
+                    <a:lnR w="12700" cap="flat" cmpd="sng" algn="ctr">
+                      <a:solidFill>
+                        <a:schemeClr val="tx1"/>
+                      </a:solidFill>
+                      <a:prstDash val="solid"/>
+                      <a:round/>
+                      <a:headEnd type="none" w="med" len="med"/>
+                      <a:tailEnd type="none" w="med" len="med"/>
+                    </a:lnR>
+                    <a:lnT w="12700" cap="flat" cmpd="sng" algn="ctr">
+                      <a:solidFill>
+                        <a:schemeClr val="tx1"/>
+                      </a:solidFill>
+                      <a:prstDash val="solid"/>
+                      <a:round/>
+                      <a:headEnd type="none" w="med" len="med"/>
+                      <a:tailEnd type="none" w="med" len="med"/>
+                    </a:lnT>
+                    <a:lnB w="12700" cap="flat" cmpd="sng" algn="ctr">
+                      <a:solidFill>
+                        <a:schemeClr val="tx1"/>
+                      </a:solidFill>
+                      <a:prstDash val="solid"/>
+                      <a:round/>
+                      <a:headEnd type="none" w="med" len="med"/>
+                      <a:tailEnd type="none" w="med" len="med"/>
+                    </a:lnB>
+                    <a:noFill/>
+                  </a:tcPr>
+                </a:tc>
+                <a:extLst>
+                  <a:ext uri="{0D108BD9-81ED-4DB2-BD59-A6C34878D82A}">
+                    <a16:rowId xmlns:a16="http://schemas.microsoft.com/office/drawing/2014/main" val="2023011616"/>
+                  </a:ext>
+                </a:extLst>
+              </a:tr>
+              <a:tr h="145947">
+                <a:tc>
+                  <a:txBody>
+                    <a:bodyPr/>
+                    <a:lstStyle/>
+                    <a:p>
+                      <a:endParaRPr lang="en-US" dirty="0"/>
+                    </a:p>
+                  </a:txBody>
+                  <a:tcPr>
+                    <a:lnL w="12700" cap="flat" cmpd="sng" algn="ctr">
+                      <a:solidFill>
+                        <a:schemeClr val="tx1"/>
+                      </a:solidFill>
+                      <a:prstDash val="solid"/>
+                      <a:round/>
+                      <a:headEnd type="none" w="med" len="med"/>
+                      <a:tailEnd type="none" w="med" len="med"/>
+                    </a:lnL>
+                    <a:lnR w="12700" cap="flat" cmpd="sng" algn="ctr">
+                      <a:solidFill>
+                        <a:schemeClr val="tx1"/>
+                      </a:solidFill>
+                      <a:prstDash val="solid"/>
+                      <a:round/>
+                      <a:headEnd type="none" w="med" len="med"/>
+                      <a:tailEnd type="none" w="med" len="med"/>
+                    </a:lnR>
+                    <a:lnT w="12700" cap="flat" cmpd="sng" algn="ctr">
+                      <a:solidFill>
+                        <a:schemeClr val="tx1"/>
+                      </a:solidFill>
+                      <a:prstDash val="solid"/>
+                      <a:round/>
+                      <a:headEnd type="none" w="med" len="med"/>
+                      <a:tailEnd type="none" w="med" len="med"/>
+                    </a:lnT>
+                    <a:lnB w="12700" cap="flat" cmpd="sng" algn="ctr">
+                      <a:solidFill>
+                        <a:schemeClr val="tx1"/>
+                      </a:solidFill>
+                      <a:prstDash val="solid"/>
+                      <a:round/>
+                      <a:headEnd type="none" w="med" len="med"/>
+                      <a:tailEnd type="none" w="med" len="med"/>
+                    </a:lnB>
+                    <a:noFill/>
+                  </a:tcPr>
+                </a:tc>
+                <a:extLst>
+                  <a:ext uri="{0D108BD9-81ED-4DB2-BD59-A6C34878D82A}">
+                    <a16:rowId xmlns:a16="http://schemas.microsoft.com/office/drawing/2014/main" val="2180935315"/>
+                  </a:ext>
+                </a:extLst>
+              </a:tr>
+              <a:tr h="145947">
+                <a:tc>
+                  <a:txBody>
+                    <a:bodyPr/>
+                    <a:lstStyle/>
+                    <a:p>
+                      <a:endParaRPr lang="en-US"/>
+                    </a:p>
+                  </a:txBody>
+                  <a:tcPr>
+                    <a:lnL w="12700" cap="flat" cmpd="sng" algn="ctr">
+                      <a:solidFill>
+                        <a:schemeClr val="tx1"/>
+                      </a:solidFill>
+                      <a:prstDash val="solid"/>
+                      <a:round/>
+                      <a:headEnd type="none" w="med" len="med"/>
+                      <a:tailEnd type="none" w="med" len="med"/>
+                    </a:lnL>
+                    <a:lnR w="12700" cap="flat" cmpd="sng" algn="ctr">
+                      <a:solidFill>
+                        <a:schemeClr val="tx1"/>
+                      </a:solidFill>
+                      <a:prstDash val="solid"/>
+                      <a:round/>
+                      <a:headEnd type="none" w="med" len="med"/>
+                      <a:tailEnd type="none" w="med" len="med"/>
+                    </a:lnR>
+                    <a:lnT w="12700" cap="flat" cmpd="sng" algn="ctr">
+                      <a:solidFill>
+                        <a:schemeClr val="tx1"/>
+                      </a:solidFill>
+                      <a:prstDash val="solid"/>
+                      <a:round/>
+                      <a:headEnd type="none" w="med" len="med"/>
+                      <a:tailEnd type="none" w="med" len="med"/>
+                    </a:lnT>
+                    <a:lnB w="12700" cap="flat" cmpd="sng" algn="ctr">
+                      <a:solidFill>
+                        <a:schemeClr val="tx1"/>
+                      </a:solidFill>
+                      <a:prstDash val="solid"/>
+                      <a:round/>
+                      <a:headEnd type="none" w="med" len="med"/>
+                      <a:tailEnd type="none" w="med" len="med"/>
+                    </a:lnB>
+                    <a:noFill/>
+                  </a:tcPr>
+                </a:tc>
+                <a:extLst>
+                  <a:ext uri="{0D108BD9-81ED-4DB2-BD59-A6C34878D82A}">
+                    <a16:rowId xmlns:a16="http://schemas.microsoft.com/office/drawing/2014/main" val="2615780617"/>
+                  </a:ext>
+                </a:extLst>
+              </a:tr>
+              <a:tr h="145947">
+                <a:tc>
+                  <a:txBody>
+                    <a:bodyPr/>
+                    <a:lstStyle/>
+                    <a:p>
+                      <a:endParaRPr lang="en-US" dirty="0"/>
+                    </a:p>
+                  </a:txBody>
+                  <a:tcPr>
+                    <a:lnL w="12700" cap="flat" cmpd="sng" algn="ctr">
+                      <a:solidFill>
+                        <a:schemeClr val="tx1"/>
+                      </a:solidFill>
+                      <a:prstDash val="solid"/>
+                      <a:round/>
+                      <a:headEnd type="none" w="med" len="med"/>
+                      <a:tailEnd type="none" w="med" len="med"/>
+                    </a:lnL>
+                    <a:lnR w="12700" cap="flat" cmpd="sng" algn="ctr">
+                      <a:solidFill>
+                        <a:schemeClr val="tx1"/>
+                      </a:solidFill>
+                      <a:prstDash val="solid"/>
+                      <a:round/>
+                      <a:headEnd type="none" w="med" len="med"/>
+                      <a:tailEnd type="none" w="med" len="med"/>
+                    </a:lnR>
+                    <a:lnT w="12700" cap="flat" cmpd="sng" algn="ctr">
+                      <a:solidFill>
+                        <a:schemeClr val="tx1"/>
+                      </a:solidFill>
+                      <a:prstDash val="solid"/>
+                      <a:round/>
+                      <a:headEnd type="none" w="med" len="med"/>
+                      <a:tailEnd type="none" w="med" len="med"/>
+                    </a:lnT>
+                    <a:lnB w="12700" cap="flat" cmpd="sng" algn="ctr">
+                      <a:solidFill>
+                        <a:schemeClr val="tx1"/>
+                      </a:solidFill>
+                      <a:prstDash val="solid"/>
+                      <a:round/>
+                      <a:headEnd type="none" w="med" len="med"/>
+                      <a:tailEnd type="none" w="med" len="med"/>
+                    </a:lnB>
+                    <a:noFill/>
+                  </a:tcPr>
+                </a:tc>
+                <a:extLst>
+                  <a:ext uri="{0D108BD9-81ED-4DB2-BD59-A6C34878D82A}">
+                    <a16:rowId xmlns:a16="http://schemas.microsoft.com/office/drawing/2014/main" val="719889441"/>
+                  </a:ext>
+                </a:extLst>
+              </a:tr>
+              <a:tr h="145947">
+                <a:tc>
+                  <a:txBody>
+                    <a:bodyPr/>
+                    <a:lstStyle/>
+                    <a:p>
+                      <a:endParaRPr lang="en-US" dirty="0"/>
+                    </a:p>
+                  </a:txBody>
+                  <a:tcPr>
+                    <a:lnL w="12700" cap="flat" cmpd="sng" algn="ctr">
+                      <a:solidFill>
+                        <a:schemeClr val="tx1"/>
+                      </a:solidFill>
+                      <a:prstDash val="solid"/>
+                      <a:round/>
+                      <a:headEnd type="none" w="med" len="med"/>
+                      <a:tailEnd type="none" w="med" len="med"/>
+                    </a:lnL>
+                    <a:lnR w="12700" cap="flat" cmpd="sng" algn="ctr">
+                      <a:solidFill>
+                        <a:schemeClr val="tx1"/>
+                      </a:solidFill>
+                      <a:prstDash val="solid"/>
+                      <a:round/>
+                      <a:headEnd type="none" w="med" len="med"/>
+                      <a:tailEnd type="none" w="med" len="med"/>
+                    </a:lnR>
+                    <a:lnT w="12700" cap="flat" cmpd="sng" algn="ctr">
+                      <a:solidFill>
+                        <a:schemeClr val="tx1"/>
+                      </a:solidFill>
+                      <a:prstDash val="solid"/>
+                      <a:round/>
+                      <a:headEnd type="none" w="med" len="med"/>
+                      <a:tailEnd type="none" w="med" len="med"/>
+                    </a:lnT>
+                    <a:lnB w="12700" cap="flat" cmpd="sng" algn="ctr">
+                      <a:solidFill>
+                        <a:schemeClr val="tx1"/>
+                      </a:solidFill>
+                      <a:prstDash val="solid"/>
+                      <a:round/>
+                      <a:headEnd type="none" w="med" len="med"/>
+                      <a:tailEnd type="none" w="med" len="med"/>
+                    </a:lnB>
+                    <a:noFill/>
+                  </a:tcPr>
+                </a:tc>
+                <a:extLst>
+                  <a:ext uri="{0D108BD9-81ED-4DB2-BD59-A6C34878D82A}">
+                    <a16:rowId xmlns:a16="http://schemas.microsoft.com/office/drawing/2014/main" val="546262901"/>
+                  </a:ext>
+                </a:extLst>
+              </a:tr>
+            </a:tbl>
+          </a:graphicData>
+        </a:graphic>
+      </p:graphicFrame>
+      <p:graphicFrame>
+        <p:nvGraphicFramePr>
+          <p:cNvPr id="6" name="Table 4">
+            <a:extLst>
+              <a:ext uri="{FF2B5EF4-FFF2-40B4-BE49-F238E27FC236}">
+                <a16:creationId xmlns:a16="http://schemas.microsoft.com/office/drawing/2014/main" id="{BFFE06A7-7663-4BFC-A931-3B4575DD4F7A}"/>
+              </a:ext>
+            </a:extLst>
+          </p:cNvPr>
+          <p:cNvGraphicFramePr>
+            <a:graphicFrameLocks noGrp="1"/>
+          </p:cNvGraphicFramePr>
+          <p:nvPr>
+            <p:extLst>
+              <p:ext uri="{D42A27DB-BD31-4B8C-83A1-F6EECF244321}">
+                <p14:modId xmlns:p14="http://schemas.microsoft.com/office/powerpoint/2010/main" val="2963149474"/>
+              </p:ext>
+            </p:extLst>
+          </p:nvPr>
+        </p:nvGraphicFramePr>
+        <p:xfrm>
+          <a:off x="7713853" y="894320"/>
+          <a:ext cx="1249182" cy="1169361"/>
+        </p:xfrm>
+        <a:graphic>
+          <a:graphicData uri="http://schemas.openxmlformats.org/drawingml/2006/table">
+            <a:tbl>
+              <a:tblPr firstRow="1" bandRow="1">
+                <a:tableStyleId>{5C22544A-7EE6-4342-B048-85BDC9FD1C3A}</a:tableStyleId>
+              </a:tblPr>
+              <a:tblGrid>
+                <a:gridCol w="1249182">
+                  <a:extLst>
+                    <a:ext uri="{9D8B030D-6E8A-4147-A177-3AD203B41FA5}">
+                      <a16:colId xmlns:a16="http://schemas.microsoft.com/office/drawing/2014/main" val="1786286647"/>
+                    </a:ext>
+                  </a:extLst>
+                </a:gridCol>
+              </a:tblGrid>
+              <a:tr h="145947">
+                <a:tc>
+                  <a:txBody>
+                    <a:bodyPr/>
+                    <a:lstStyle/>
+                    <a:p>
+                      <a:endParaRPr lang="en-US" dirty="0"/>
+                    </a:p>
+                  </a:txBody>
+                  <a:tcPr>
+                    <a:lnL w="12700" cap="flat" cmpd="sng" algn="ctr">
+                      <a:solidFill>
+                        <a:schemeClr val="tx1"/>
+                      </a:solidFill>
+                      <a:prstDash val="solid"/>
+                      <a:round/>
+                      <a:headEnd type="none" w="med" len="med"/>
+                      <a:tailEnd type="none" w="med" len="med"/>
+                    </a:lnL>
+                    <a:lnR w="12700" cap="flat" cmpd="sng" algn="ctr">
+                      <a:solidFill>
+                        <a:schemeClr val="tx1"/>
+                      </a:solidFill>
+                      <a:prstDash val="solid"/>
+                      <a:round/>
+                      <a:headEnd type="none" w="med" len="med"/>
+                      <a:tailEnd type="none" w="med" len="med"/>
+                    </a:lnR>
+                    <a:lnT w="12700" cap="flat" cmpd="sng" algn="ctr">
+                      <a:solidFill>
+                        <a:schemeClr val="tx1"/>
+                      </a:solidFill>
+                      <a:prstDash val="solid"/>
+                      <a:round/>
+                      <a:headEnd type="none" w="med" len="med"/>
+                      <a:tailEnd type="none" w="med" len="med"/>
+                    </a:lnT>
+                    <a:lnB w="12700" cap="flat" cmpd="sng" algn="ctr">
+                      <a:solidFill>
+                        <a:schemeClr val="tx1"/>
+                      </a:solidFill>
+                      <a:prstDash val="solid"/>
+                      <a:round/>
+                      <a:headEnd type="none" w="med" len="med"/>
+                      <a:tailEnd type="none" w="med" len="med"/>
+                    </a:lnB>
+                    <a:solidFill>
+                      <a:srgbClr val="FFC000"/>
+                    </a:solidFill>
+                  </a:tcPr>
+                </a:tc>
+                <a:extLst>
+                  <a:ext uri="{0D108BD9-81ED-4DB2-BD59-A6C34878D82A}">
+                    <a16:rowId xmlns:a16="http://schemas.microsoft.com/office/drawing/2014/main" val="2023011616"/>
+                  </a:ext>
+                </a:extLst>
+              </a:tr>
+              <a:tr h="145947">
+                <a:tc>
+                  <a:txBody>
+                    <a:bodyPr/>
+                    <a:lstStyle/>
+                    <a:p>
+                      <a:endParaRPr lang="en-US" dirty="0"/>
+                    </a:p>
+                  </a:txBody>
+                  <a:tcPr>
+                    <a:lnL w="12700" cap="flat" cmpd="sng" algn="ctr">
+                      <a:solidFill>
+                        <a:schemeClr val="tx1"/>
+                      </a:solidFill>
+                      <a:prstDash val="solid"/>
+                      <a:round/>
+                      <a:headEnd type="none" w="med" len="med"/>
+                      <a:tailEnd type="none" w="med" len="med"/>
+                    </a:lnL>
+                    <a:lnR w="12700" cap="flat" cmpd="sng" algn="ctr">
+                      <a:solidFill>
+                        <a:schemeClr val="tx1"/>
+                      </a:solidFill>
+                      <a:prstDash val="solid"/>
+                      <a:round/>
+                      <a:headEnd type="none" w="med" len="med"/>
+                      <a:tailEnd type="none" w="med" len="med"/>
+                    </a:lnR>
+                    <a:lnT w="12700" cap="flat" cmpd="sng" algn="ctr">
+                      <a:solidFill>
+                        <a:schemeClr val="tx1"/>
+                      </a:solidFill>
+                      <a:prstDash val="solid"/>
+                      <a:round/>
+                      <a:headEnd type="none" w="med" len="med"/>
+                      <a:tailEnd type="none" w="med" len="med"/>
+                    </a:lnT>
+                    <a:lnB w="12700" cap="flat" cmpd="sng" algn="ctr">
+                      <a:solidFill>
+                        <a:schemeClr val="tx1"/>
+                      </a:solidFill>
+                      <a:prstDash val="solid"/>
+                      <a:round/>
+                      <a:headEnd type="none" w="med" len="med"/>
+                      <a:tailEnd type="none" w="med" len="med"/>
+                    </a:lnB>
+                    <a:solidFill>
+                      <a:srgbClr val="FFC000"/>
+                    </a:solidFill>
+                  </a:tcPr>
+                </a:tc>
+                <a:extLst>
+                  <a:ext uri="{0D108BD9-81ED-4DB2-BD59-A6C34878D82A}">
+                    <a16:rowId xmlns:a16="http://schemas.microsoft.com/office/drawing/2014/main" val="2180935315"/>
+                  </a:ext>
+                </a:extLst>
+              </a:tr>
+              <a:tr h="437841">
+                <a:tc>
+                  <a:txBody>
+                    <a:bodyPr/>
+                    <a:lstStyle/>
+                    <a:p>
+                      <a:endParaRPr lang="en-US" dirty="0"/>
+                    </a:p>
+                  </a:txBody>
+                  <a:tcPr>
+                    <a:lnL w="12700" cap="flat" cmpd="sng" algn="ctr">
+                      <a:solidFill>
+                        <a:schemeClr val="tx1"/>
+                      </a:solidFill>
+                      <a:prstDash val="solid"/>
+                      <a:round/>
+                      <a:headEnd type="none" w="med" len="med"/>
+                      <a:tailEnd type="none" w="med" len="med"/>
+                    </a:lnL>
+                    <a:lnR w="12700" cap="flat" cmpd="sng" algn="ctr">
+                      <a:solidFill>
+                        <a:schemeClr val="tx1"/>
+                      </a:solidFill>
+                      <a:prstDash val="solid"/>
+                      <a:round/>
+                      <a:headEnd type="none" w="med" len="med"/>
+                      <a:tailEnd type="none" w="med" len="med"/>
+                    </a:lnR>
+                    <a:lnT w="12700" cap="flat" cmpd="sng" algn="ctr">
+                      <a:solidFill>
+                        <a:schemeClr val="tx1"/>
+                      </a:solidFill>
+                      <a:prstDash val="solid"/>
+                      <a:round/>
+                      <a:headEnd type="none" w="med" len="med"/>
+                      <a:tailEnd type="none" w="med" len="med"/>
+                    </a:lnT>
+                    <a:lnB w="12700" cap="flat" cmpd="sng" algn="ctr">
+                      <a:solidFill>
+                        <a:schemeClr val="tx1"/>
+                      </a:solidFill>
+                      <a:prstDash val="solid"/>
+                      <a:round/>
+                      <a:headEnd type="none" w="med" len="med"/>
+                      <a:tailEnd type="none" w="med" len="med"/>
+                    </a:lnB>
+                    <a:solidFill>
+                      <a:srgbClr val="FFC000"/>
+                    </a:solidFill>
+                  </a:tcPr>
+                </a:tc>
+                <a:extLst>
+                  <a:ext uri="{0D108BD9-81ED-4DB2-BD59-A6C34878D82A}">
+                    <a16:rowId xmlns:a16="http://schemas.microsoft.com/office/drawing/2014/main" val="2615780617"/>
+                  </a:ext>
+                </a:extLst>
+              </a:tr>
+            </a:tbl>
+          </a:graphicData>
+        </a:graphic>
+      </p:graphicFrame>
+      <p:sp>
+        <p:nvSpPr>
+          <p:cNvPr id="7" name="Arrow: Right 6">
+            <a:extLst>
+              <a:ext uri="{FF2B5EF4-FFF2-40B4-BE49-F238E27FC236}">
+                <a16:creationId xmlns:a16="http://schemas.microsoft.com/office/drawing/2014/main" id="{E51E1A50-BC56-4481-BA94-ABFC0AF22673}"/>
+              </a:ext>
+            </a:extLst>
+          </p:cNvPr>
+          <p:cNvSpPr/>
+          <p:nvPr/>
+        </p:nvSpPr>
+        <p:spPr>
+          <a:xfrm>
+            <a:off x="3460496" y="1428849"/>
+            <a:ext cx="1190886" cy="235059"/>
+          </a:xfrm>
+          <a:prstGeom prst="rightArrow">
+            <a:avLst/>
+          </a:prstGeom>
+        </p:spPr>
+        <p:style>
+          <a:lnRef idx="2">
+            <a:schemeClr val="accent1">
+              <a:shade val="50000"/>
+            </a:schemeClr>
+          </a:lnRef>
+          <a:fillRef idx="1">
+            <a:schemeClr val="accent1"/>
+          </a:fillRef>
+          <a:effectRef idx="0">
+            <a:schemeClr val="accent1"/>
+          </a:effectRef>
+          <a:fontRef idx="minor">
+            <a:schemeClr val="lt1"/>
+          </a:fontRef>
+        </p:style>
+        <p:txBody>
+          <a:bodyPr rtlCol="0" anchor="ctr"/>
+          <a:lstStyle/>
+          <a:p>
+            <a:pPr algn="ctr"/>
+            <a:endParaRPr lang="en-US"/>
+          </a:p>
+        </p:txBody>
+      </p:sp>
+      <p:sp>
+        <p:nvSpPr>
+          <p:cNvPr id="8" name="Arrow: Right 7">
+            <a:extLst>
+              <a:ext uri="{FF2B5EF4-FFF2-40B4-BE49-F238E27FC236}">
+                <a16:creationId xmlns:a16="http://schemas.microsoft.com/office/drawing/2014/main" id="{47941FF4-097C-4A78-9405-DA9A77277AB9}"/>
+              </a:ext>
+            </a:extLst>
+          </p:cNvPr>
+          <p:cNvSpPr/>
+          <p:nvPr/>
+        </p:nvSpPr>
+        <p:spPr>
+          <a:xfrm>
+            <a:off x="6223683" y="1479001"/>
+            <a:ext cx="1190886" cy="235059"/>
+          </a:xfrm>
+          <a:prstGeom prst="rightArrow">
+            <a:avLst/>
+          </a:prstGeom>
+        </p:spPr>
+        <p:style>
+          <a:lnRef idx="2">
+            <a:schemeClr val="accent1">
+              <a:shade val="50000"/>
+            </a:schemeClr>
+          </a:lnRef>
+          <a:fillRef idx="1">
+            <a:schemeClr val="accent1"/>
+          </a:fillRef>
+          <a:effectRef idx="0">
+            <a:schemeClr val="accent1"/>
+          </a:effectRef>
+          <a:fontRef idx="minor">
+            <a:schemeClr val="lt1"/>
+          </a:fontRef>
+        </p:style>
+        <p:txBody>
+          <a:bodyPr rtlCol="0" anchor="ctr"/>
+          <a:lstStyle/>
+          <a:p>
+            <a:pPr algn="ctr"/>
+            <a:endParaRPr lang="en-US" dirty="0">
+              <a:highlight>
+                <a:srgbClr val="FFFF00"/>
+              </a:highlight>
+            </a:endParaRPr>
+          </a:p>
+        </p:txBody>
+      </p:sp>
+      <p:graphicFrame>
+        <p:nvGraphicFramePr>
+          <p:cNvPr id="5" name="Table 4">
+            <a:extLst>
+              <a:ext uri="{FF2B5EF4-FFF2-40B4-BE49-F238E27FC236}">
+                <a16:creationId xmlns:a16="http://schemas.microsoft.com/office/drawing/2014/main" id="{265BD55A-FA04-459D-8CBA-769F0C42D5AF}"/>
+              </a:ext>
+            </a:extLst>
+          </p:cNvPr>
+          <p:cNvGraphicFramePr>
+            <a:graphicFrameLocks noGrp="1"/>
+          </p:cNvGraphicFramePr>
+          <p:nvPr>
+            <p:extLst>
+              <p:ext uri="{D42A27DB-BD31-4B8C-83A1-F6EECF244321}">
+                <p14:modId xmlns:p14="http://schemas.microsoft.com/office/powerpoint/2010/main" val="135961104"/>
+              </p:ext>
+            </p:extLst>
+          </p:nvPr>
+        </p:nvGraphicFramePr>
+        <p:xfrm>
+          <a:off x="4792688" y="474816"/>
+          <a:ext cx="1190886" cy="1828800"/>
+        </p:xfrm>
+        <a:graphic>
+          <a:graphicData uri="http://schemas.openxmlformats.org/drawingml/2006/table">
+            <a:tbl>
+              <a:tblPr firstRow="1" bandRow="1">
+                <a:tableStyleId>{5C22544A-7EE6-4342-B048-85BDC9FD1C3A}</a:tableStyleId>
+              </a:tblPr>
+              <a:tblGrid>
+                <a:gridCol w="1190886">
+                  <a:extLst>
+                    <a:ext uri="{9D8B030D-6E8A-4147-A177-3AD203B41FA5}">
+                      <a16:colId xmlns:a16="http://schemas.microsoft.com/office/drawing/2014/main" val="1786286647"/>
+                    </a:ext>
+                  </a:extLst>
+                </a:gridCol>
+              </a:tblGrid>
+              <a:tr h="145947">
+                <a:tc>
+                  <a:txBody>
+                    <a:bodyPr/>
+                    <a:lstStyle/>
+                    <a:p>
+                      <a:endParaRPr lang="en-US" dirty="0"/>
+                    </a:p>
+                  </a:txBody>
+                  <a:tcPr>
+                    <a:lnL w="12700" cap="flat" cmpd="sng" algn="ctr">
+                      <a:solidFill>
+                        <a:schemeClr val="tx1"/>
+                      </a:solidFill>
+                      <a:prstDash val="solid"/>
+                      <a:round/>
+                      <a:headEnd type="none" w="med" len="med"/>
+                      <a:tailEnd type="none" w="med" len="med"/>
+                    </a:lnL>
+                    <a:lnR w="12700" cap="flat" cmpd="sng" algn="ctr">
+                      <a:solidFill>
+                        <a:schemeClr val="tx1"/>
+                      </a:solidFill>
+                      <a:prstDash val="solid"/>
+                      <a:round/>
+                      <a:headEnd type="none" w="med" len="med"/>
+                      <a:tailEnd type="none" w="med" len="med"/>
+                    </a:lnR>
+                    <a:lnT w="12700" cap="flat" cmpd="sng" algn="ctr">
+                      <a:solidFill>
+                        <a:schemeClr val="tx1"/>
+                      </a:solidFill>
+                      <a:prstDash val="solid"/>
+                      <a:round/>
+                      <a:headEnd type="none" w="med" len="med"/>
+                      <a:tailEnd type="none" w="med" len="med"/>
+                    </a:lnT>
+                    <a:lnB w="12700" cap="flat" cmpd="sng" algn="ctr">
+                      <a:solidFill>
+                        <a:schemeClr val="tx1"/>
+                      </a:solidFill>
+                      <a:prstDash val="solid"/>
+                      <a:round/>
+                      <a:headEnd type="none" w="med" len="med"/>
+                      <a:tailEnd type="none" w="med" len="med"/>
+                    </a:lnB>
+                    <a:solidFill>
+                      <a:srgbClr val="FFC000"/>
+                    </a:solidFill>
+                  </a:tcPr>
+                </a:tc>
+                <a:extLst>
+                  <a:ext uri="{0D108BD9-81ED-4DB2-BD59-A6C34878D82A}">
+                    <a16:rowId xmlns:a16="http://schemas.microsoft.com/office/drawing/2014/main" val="2023011616"/>
+                  </a:ext>
+                </a:extLst>
+              </a:tr>
+              <a:tr h="145947">
+                <a:tc>
+                  <a:txBody>
+                    <a:bodyPr/>
+                    <a:lstStyle/>
+                    <a:p>
+                      <a:endParaRPr lang="en-US" dirty="0"/>
+                    </a:p>
+                  </a:txBody>
+                  <a:tcPr>
+                    <a:lnL w="12700" cap="flat" cmpd="sng" algn="ctr">
+                      <a:solidFill>
+                        <a:schemeClr val="tx1"/>
+                      </a:solidFill>
+                      <a:prstDash val="solid"/>
+                      <a:round/>
+                      <a:headEnd type="none" w="med" len="med"/>
+                      <a:tailEnd type="none" w="med" len="med"/>
+                    </a:lnL>
+                    <a:lnR w="12700" cap="flat" cmpd="sng" algn="ctr">
+                      <a:solidFill>
+                        <a:schemeClr val="tx1"/>
+                      </a:solidFill>
+                      <a:prstDash val="solid"/>
+                      <a:round/>
+                      <a:headEnd type="none" w="med" len="med"/>
+                      <a:tailEnd type="none" w="med" len="med"/>
+                    </a:lnR>
+                    <a:lnT w="12700" cap="flat" cmpd="sng" algn="ctr">
+                      <a:solidFill>
+                        <a:schemeClr val="tx1"/>
+                      </a:solidFill>
+                      <a:prstDash val="solid"/>
+                      <a:round/>
+                      <a:headEnd type="none" w="med" len="med"/>
+                      <a:tailEnd type="none" w="med" len="med"/>
+                    </a:lnT>
+                    <a:lnB w="12700" cap="flat" cmpd="sng" algn="ctr">
+                      <a:solidFill>
+                        <a:schemeClr val="tx1"/>
+                      </a:solidFill>
+                      <a:prstDash val="solid"/>
+                      <a:round/>
+                      <a:headEnd type="none" w="med" len="med"/>
+                      <a:tailEnd type="none" w="med" len="med"/>
+                    </a:lnB>
+                    <a:noFill/>
+                  </a:tcPr>
+                </a:tc>
+                <a:extLst>
+                  <a:ext uri="{0D108BD9-81ED-4DB2-BD59-A6C34878D82A}">
+                    <a16:rowId xmlns:a16="http://schemas.microsoft.com/office/drawing/2014/main" val="2180935315"/>
+                  </a:ext>
+                </a:extLst>
+              </a:tr>
+              <a:tr h="145947">
+                <a:tc>
+                  <a:txBody>
+                    <a:bodyPr/>
+                    <a:lstStyle/>
+                    <a:p>
+                      <a:endParaRPr lang="en-US" dirty="0"/>
+                    </a:p>
+                  </a:txBody>
+                  <a:tcPr>
+                    <a:lnL w="12700" cap="flat" cmpd="sng" algn="ctr">
+                      <a:solidFill>
+                        <a:schemeClr val="tx1"/>
+                      </a:solidFill>
+                      <a:prstDash val="solid"/>
+                      <a:round/>
+                      <a:headEnd type="none" w="med" len="med"/>
+                      <a:tailEnd type="none" w="med" len="med"/>
+                    </a:lnL>
+                    <a:lnR w="12700" cap="flat" cmpd="sng" algn="ctr">
+                      <a:solidFill>
+                        <a:schemeClr val="tx1"/>
+                      </a:solidFill>
+                      <a:prstDash val="solid"/>
+                      <a:round/>
+                      <a:headEnd type="none" w="med" len="med"/>
+                      <a:tailEnd type="none" w="med" len="med"/>
+                    </a:lnR>
+                    <a:lnT w="12700" cap="flat" cmpd="sng" algn="ctr">
+                      <a:solidFill>
+                        <a:schemeClr val="tx1"/>
+                      </a:solidFill>
+                      <a:prstDash val="solid"/>
+                      <a:round/>
+                      <a:headEnd type="none" w="med" len="med"/>
+                      <a:tailEnd type="none" w="med" len="med"/>
+                    </a:lnT>
+                    <a:lnB w="12700" cap="flat" cmpd="sng" algn="ctr">
+                      <a:solidFill>
+                        <a:schemeClr val="tx1"/>
+                      </a:solidFill>
+                      <a:prstDash val="solid"/>
+                      <a:round/>
+                      <a:headEnd type="none" w="med" len="med"/>
+                      <a:tailEnd type="none" w="med" len="med"/>
+                    </a:lnB>
+                    <a:solidFill>
+                      <a:srgbClr val="FFC000"/>
+                    </a:solidFill>
+                  </a:tcPr>
+                </a:tc>
+                <a:extLst>
+                  <a:ext uri="{0D108BD9-81ED-4DB2-BD59-A6C34878D82A}">
+                    <a16:rowId xmlns:a16="http://schemas.microsoft.com/office/drawing/2014/main" val="2615780617"/>
+                  </a:ext>
+                </a:extLst>
+              </a:tr>
+              <a:tr h="145947">
+                <a:tc>
+                  <a:txBody>
+                    <a:bodyPr/>
+                    <a:lstStyle/>
+                    <a:p>
+                      <a:endParaRPr lang="en-US" dirty="0"/>
+                    </a:p>
+                  </a:txBody>
+                  <a:tcPr>
+                    <a:lnL w="12700" cap="flat" cmpd="sng" algn="ctr">
+                      <a:solidFill>
+                        <a:schemeClr val="tx1"/>
+                      </a:solidFill>
+                      <a:prstDash val="solid"/>
+                      <a:round/>
+                      <a:headEnd type="none" w="med" len="med"/>
+                      <a:tailEnd type="none" w="med" len="med"/>
+                    </a:lnL>
+                    <a:lnR w="12700" cap="flat" cmpd="sng" algn="ctr">
+                      <a:solidFill>
+                        <a:schemeClr val="tx1"/>
+                      </a:solidFill>
+                      <a:prstDash val="solid"/>
+                      <a:round/>
+                      <a:headEnd type="none" w="med" len="med"/>
+                      <a:tailEnd type="none" w="med" len="med"/>
+                    </a:lnR>
+                    <a:lnT w="12700" cap="flat" cmpd="sng" algn="ctr">
+                      <a:solidFill>
+                        <a:schemeClr val="tx1"/>
+                      </a:solidFill>
+                      <a:prstDash val="solid"/>
+                      <a:round/>
+                      <a:headEnd type="none" w="med" len="med"/>
+                      <a:tailEnd type="none" w="med" len="med"/>
+                    </a:lnT>
+                    <a:lnB w="12700" cap="flat" cmpd="sng" algn="ctr">
+                      <a:solidFill>
+                        <a:schemeClr val="tx1"/>
+                      </a:solidFill>
+                      <a:prstDash val="solid"/>
+                      <a:round/>
+                      <a:headEnd type="none" w="med" len="med"/>
+                      <a:tailEnd type="none" w="med" len="med"/>
+                    </a:lnB>
+                    <a:solidFill>
+                      <a:srgbClr val="FFC000"/>
+                    </a:solidFill>
+                  </a:tcPr>
+                </a:tc>
+                <a:extLst>
+                  <a:ext uri="{0D108BD9-81ED-4DB2-BD59-A6C34878D82A}">
+                    <a16:rowId xmlns:a16="http://schemas.microsoft.com/office/drawing/2014/main" val="719889441"/>
+                  </a:ext>
+                </a:extLst>
+              </a:tr>
+              <a:tr h="145947">
+                <a:tc>
+                  <a:txBody>
+                    <a:bodyPr/>
+                    <a:lstStyle/>
+                    <a:p>
+                      <a:endParaRPr lang="en-US" dirty="0"/>
+                    </a:p>
+                  </a:txBody>
+                  <a:tcPr>
+                    <a:lnL w="12700" cap="flat" cmpd="sng" algn="ctr">
+                      <a:solidFill>
+                        <a:schemeClr val="tx1"/>
+                      </a:solidFill>
+                      <a:prstDash val="solid"/>
+                      <a:round/>
+                      <a:headEnd type="none" w="med" len="med"/>
+                      <a:tailEnd type="none" w="med" len="med"/>
+                    </a:lnL>
+                    <a:lnR w="12700" cap="flat" cmpd="sng" algn="ctr">
+                      <a:solidFill>
+                        <a:schemeClr val="tx1"/>
+                      </a:solidFill>
+                      <a:prstDash val="solid"/>
+                      <a:round/>
+                      <a:headEnd type="none" w="med" len="med"/>
+                      <a:tailEnd type="none" w="med" len="med"/>
+                    </a:lnR>
+                    <a:lnT w="12700" cap="flat" cmpd="sng" algn="ctr">
+                      <a:solidFill>
+                        <a:schemeClr val="tx1"/>
+                      </a:solidFill>
+                      <a:prstDash val="solid"/>
+                      <a:round/>
+                      <a:headEnd type="none" w="med" len="med"/>
+                      <a:tailEnd type="none" w="med" len="med"/>
+                    </a:lnT>
+                    <a:lnB w="12700" cap="flat" cmpd="sng" algn="ctr">
+                      <a:solidFill>
+                        <a:schemeClr val="tx1"/>
+                      </a:solidFill>
+                      <a:prstDash val="solid"/>
+                      <a:round/>
+                      <a:headEnd type="none" w="med" len="med"/>
+                      <a:tailEnd type="none" w="med" len="med"/>
+                    </a:lnB>
+                    <a:noFill/>
+                  </a:tcPr>
+                </a:tc>
+                <a:extLst>
+                  <a:ext uri="{0D108BD9-81ED-4DB2-BD59-A6C34878D82A}">
+                    <a16:rowId xmlns:a16="http://schemas.microsoft.com/office/drawing/2014/main" val="546262901"/>
+                  </a:ext>
+                </a:extLst>
+              </a:tr>
+            </a:tbl>
+          </a:graphicData>
+        </a:graphic>
+      </p:graphicFrame>
+      <p:sp>
+        <p:nvSpPr>
+          <p:cNvPr id="11" name="TextBox 10">
+            <a:extLst>
+              <a:ext uri="{FF2B5EF4-FFF2-40B4-BE49-F238E27FC236}">
+                <a16:creationId xmlns:a16="http://schemas.microsoft.com/office/drawing/2014/main" id="{3FAFD5E1-6CD7-4F10-B7BA-33F59462FE4F}"/>
+              </a:ext>
+            </a:extLst>
+          </p:cNvPr>
+          <p:cNvSpPr txBox="1"/>
+          <p:nvPr/>
+        </p:nvSpPr>
+        <p:spPr>
+          <a:xfrm>
+            <a:off x="374753" y="3305319"/>
+            <a:ext cx="1665841" cy="584775"/>
+          </a:xfrm>
+          <a:prstGeom prst="rect">
+            <a:avLst/>
+          </a:prstGeom>
+          <a:noFill/>
+        </p:spPr>
+        <p:txBody>
+          <a:bodyPr wrap="none" rtlCol="0">
+            <a:spAutoFit/>
+          </a:bodyPr>
+          <a:lstStyle/>
+          <a:p>
+            <a:r>
+              <a:rPr lang="en-US" sz="3200" dirty="0">
+                <a:latin typeface="Courier New" panose="02070309020205020404" pitchFamily="49" charset="0"/>
+                <a:cs typeface="Courier New" panose="02070309020205020404" pitchFamily="49" charset="0"/>
+              </a:rPr>
+              <a:t>select</a:t>
+            </a:r>
+          </a:p>
+        </p:txBody>
+      </p:sp>
+      <p:graphicFrame>
+        <p:nvGraphicFramePr>
+          <p:cNvPr id="2" name="Table 2">
+            <a:extLst>
+              <a:ext uri="{FF2B5EF4-FFF2-40B4-BE49-F238E27FC236}">
+                <a16:creationId xmlns:a16="http://schemas.microsoft.com/office/drawing/2014/main" id="{D1BD120A-90EA-4BFF-9B55-CEA0F58482FE}"/>
+              </a:ext>
+            </a:extLst>
+          </p:cNvPr>
+          <p:cNvGraphicFramePr>
+            <a:graphicFrameLocks noGrp="1"/>
+          </p:cNvGraphicFramePr>
+          <p:nvPr>
+            <p:extLst>
+              <p:ext uri="{D42A27DB-BD31-4B8C-83A1-F6EECF244321}">
+                <p14:modId xmlns:p14="http://schemas.microsoft.com/office/powerpoint/2010/main" val="1917307951"/>
+              </p:ext>
+            </p:extLst>
+          </p:nvPr>
+        </p:nvGraphicFramePr>
+        <p:xfrm>
+          <a:off x="4639102" y="2944569"/>
+          <a:ext cx="1565640" cy="1199075"/>
+        </p:xfrm>
+        <a:graphic>
+          <a:graphicData uri="http://schemas.openxmlformats.org/drawingml/2006/table">
+            <a:tbl>
+              <a:tblPr firstRow="1" bandRow="1">
+                <a:tableStyleId>{5C22544A-7EE6-4342-B048-85BDC9FD1C3A}</a:tableStyleId>
+              </a:tblPr>
+              <a:tblGrid>
+                <a:gridCol w="313128">
+                  <a:extLst>
+                    <a:ext uri="{9D8B030D-6E8A-4147-A177-3AD203B41FA5}">
+                      <a16:colId xmlns:a16="http://schemas.microsoft.com/office/drawing/2014/main" val="3333571149"/>
+                    </a:ext>
+                  </a:extLst>
+                </a:gridCol>
+                <a:gridCol w="313128">
+                  <a:extLst>
+                    <a:ext uri="{9D8B030D-6E8A-4147-A177-3AD203B41FA5}">
+                      <a16:colId xmlns:a16="http://schemas.microsoft.com/office/drawing/2014/main" val="1769296144"/>
+                    </a:ext>
+                  </a:extLst>
+                </a:gridCol>
+                <a:gridCol w="313128">
+                  <a:extLst>
+                    <a:ext uri="{9D8B030D-6E8A-4147-A177-3AD203B41FA5}">
+                      <a16:colId xmlns:a16="http://schemas.microsoft.com/office/drawing/2014/main" val="2391312541"/>
+                    </a:ext>
+                  </a:extLst>
+                </a:gridCol>
+                <a:gridCol w="313128">
+                  <a:extLst>
+                    <a:ext uri="{9D8B030D-6E8A-4147-A177-3AD203B41FA5}">
+                      <a16:colId xmlns:a16="http://schemas.microsoft.com/office/drawing/2014/main" val="3518580238"/>
+                    </a:ext>
+                  </a:extLst>
+                </a:gridCol>
+                <a:gridCol w="313128">
+                  <a:extLst>
+                    <a:ext uri="{9D8B030D-6E8A-4147-A177-3AD203B41FA5}">
+                      <a16:colId xmlns:a16="http://schemas.microsoft.com/office/drawing/2014/main" val="901743186"/>
+                    </a:ext>
+                  </a:extLst>
+                </a:gridCol>
+              </a:tblGrid>
+              <a:tr h="1199075">
+                <a:tc>
+                  <a:txBody>
+                    <a:bodyPr/>
+                    <a:lstStyle/>
+                    <a:p>
+                      <a:endParaRPr lang="en-US" dirty="0"/>
+                    </a:p>
+                  </a:txBody>
+                  <a:tcPr>
+                    <a:lnL w="12700" cap="flat" cmpd="sng" algn="ctr">
+                      <a:solidFill>
+                        <a:schemeClr val="tx1"/>
+                      </a:solidFill>
+                      <a:prstDash val="solid"/>
+                      <a:round/>
+                      <a:headEnd type="none" w="med" len="med"/>
+                      <a:tailEnd type="none" w="med" len="med"/>
+                    </a:lnL>
+                    <a:lnR w="12700" cap="flat" cmpd="sng" algn="ctr">
+                      <a:solidFill>
+                        <a:schemeClr val="tx1"/>
+                      </a:solidFill>
+                      <a:prstDash val="solid"/>
+                      <a:round/>
+                      <a:headEnd type="none" w="med" len="med"/>
+                      <a:tailEnd type="none" w="med" len="med"/>
+                    </a:lnR>
+                    <a:lnT w="12700" cap="flat" cmpd="sng" algn="ctr">
+                      <a:solidFill>
+                        <a:schemeClr val="tx1"/>
+                      </a:solidFill>
+                      <a:prstDash val="solid"/>
+                      <a:round/>
+                      <a:headEnd type="none" w="med" len="med"/>
+                      <a:tailEnd type="none" w="med" len="med"/>
+                    </a:lnT>
+                    <a:lnB w="12700" cap="flat" cmpd="sng" algn="ctr">
+                      <a:solidFill>
+                        <a:schemeClr val="tx1"/>
+                      </a:solidFill>
+                      <a:prstDash val="solid"/>
+                      <a:round/>
+                      <a:headEnd type="none" w="med" len="med"/>
+                      <a:tailEnd type="none" w="med" len="med"/>
+                    </a:lnB>
+                    <a:noFill/>
+                  </a:tcPr>
+                </a:tc>
+                <a:tc>
+                  <a:txBody>
+                    <a:bodyPr/>
+                    <a:lstStyle/>
+                    <a:p>
+                      <a:endParaRPr lang="en-US" dirty="0"/>
+                    </a:p>
+                  </a:txBody>
+                  <a:tcPr>
+                    <a:lnL w="12700" cap="flat" cmpd="sng" algn="ctr">
+                      <a:solidFill>
+                        <a:schemeClr val="tx1"/>
+                      </a:solidFill>
+                      <a:prstDash val="solid"/>
+                      <a:round/>
+                      <a:headEnd type="none" w="med" len="med"/>
+                      <a:tailEnd type="none" w="med" len="med"/>
+                    </a:lnL>
+                    <a:lnR w="12700" cap="flat" cmpd="sng" algn="ctr">
+                      <a:solidFill>
+                        <a:schemeClr val="tx1"/>
+                      </a:solidFill>
+                      <a:prstDash val="solid"/>
+                      <a:round/>
+                      <a:headEnd type="none" w="med" len="med"/>
+                      <a:tailEnd type="none" w="med" len="med"/>
+                    </a:lnR>
+                    <a:lnT w="12700" cap="flat" cmpd="sng" algn="ctr">
+                      <a:solidFill>
+                        <a:schemeClr val="tx1"/>
+                      </a:solidFill>
+                      <a:prstDash val="solid"/>
+                      <a:round/>
+                      <a:headEnd type="none" w="med" len="med"/>
+                      <a:tailEnd type="none" w="med" len="med"/>
+                    </a:lnT>
+                    <a:lnB w="12700" cap="flat" cmpd="sng" algn="ctr">
+                      <a:solidFill>
+                        <a:schemeClr val="tx1"/>
+                      </a:solidFill>
+                      <a:prstDash val="solid"/>
+                      <a:round/>
+                      <a:headEnd type="none" w="med" len="med"/>
+                      <a:tailEnd type="none" w="med" len="med"/>
+                    </a:lnB>
+                    <a:noFill/>
+                  </a:tcPr>
+                </a:tc>
+                <a:tc>
+                  <a:txBody>
+                    <a:bodyPr/>
+                    <a:lstStyle/>
+                    <a:p>
+                      <a:endParaRPr lang="en-US" dirty="0"/>
+                    </a:p>
+                  </a:txBody>
+                  <a:tcPr>
+                    <a:lnL w="12700" cap="flat" cmpd="sng" algn="ctr">
+                      <a:solidFill>
+                        <a:schemeClr val="tx1"/>
+                      </a:solidFill>
+                      <a:prstDash val="solid"/>
+                      <a:round/>
+                      <a:headEnd type="none" w="med" len="med"/>
+                      <a:tailEnd type="none" w="med" len="med"/>
+                    </a:lnL>
+                    <a:lnR w="12700" cap="flat" cmpd="sng" algn="ctr">
+                      <a:solidFill>
+                        <a:schemeClr val="tx1"/>
+                      </a:solidFill>
+                      <a:prstDash val="solid"/>
+                      <a:round/>
+                      <a:headEnd type="none" w="med" len="med"/>
+                      <a:tailEnd type="none" w="med" len="med"/>
+                    </a:lnR>
+                    <a:lnT w="12700" cap="flat" cmpd="sng" algn="ctr">
+                      <a:solidFill>
+                        <a:schemeClr val="tx1"/>
+                      </a:solidFill>
+                      <a:prstDash val="solid"/>
+                      <a:round/>
+                      <a:headEnd type="none" w="med" len="med"/>
+                      <a:tailEnd type="none" w="med" len="med"/>
+                    </a:lnT>
+                    <a:lnB w="12700" cap="flat" cmpd="sng" algn="ctr">
+                      <a:solidFill>
+                        <a:schemeClr val="tx1"/>
+                      </a:solidFill>
+                      <a:prstDash val="solid"/>
+                      <a:round/>
+                      <a:headEnd type="none" w="med" len="med"/>
+                      <a:tailEnd type="none" w="med" len="med"/>
+                    </a:lnB>
+                    <a:solidFill>
+                      <a:srgbClr val="FFC000"/>
+                    </a:solidFill>
+                  </a:tcPr>
+                </a:tc>
+                <a:tc>
+                  <a:txBody>
+                    <a:bodyPr/>
+                    <a:lstStyle/>
+                    <a:p>
+                      <a:endParaRPr lang="en-US" dirty="0"/>
+                    </a:p>
+                  </a:txBody>
+                  <a:tcPr>
+                    <a:lnL w="12700" cap="flat" cmpd="sng" algn="ctr">
+                      <a:solidFill>
+                        <a:schemeClr val="tx1"/>
+                      </a:solidFill>
+                      <a:prstDash val="solid"/>
+                      <a:round/>
+                      <a:headEnd type="none" w="med" len="med"/>
+                      <a:tailEnd type="none" w="med" len="med"/>
+                    </a:lnL>
+                    <a:lnR w="12700" cap="flat" cmpd="sng" algn="ctr">
+                      <a:solidFill>
+                        <a:schemeClr val="tx1"/>
+                      </a:solidFill>
+                      <a:prstDash val="solid"/>
+                      <a:round/>
+                      <a:headEnd type="none" w="med" len="med"/>
+                      <a:tailEnd type="none" w="med" len="med"/>
+                    </a:lnR>
+                    <a:lnT w="12700" cap="flat" cmpd="sng" algn="ctr">
+                      <a:solidFill>
+                        <a:schemeClr val="tx1"/>
+                      </a:solidFill>
+                      <a:prstDash val="solid"/>
+                      <a:round/>
+                      <a:headEnd type="none" w="med" len="med"/>
+                      <a:tailEnd type="none" w="med" len="med"/>
+                    </a:lnT>
+                    <a:lnB w="12700" cap="flat" cmpd="sng" algn="ctr">
+                      <a:solidFill>
+                        <a:schemeClr val="tx1"/>
+                      </a:solidFill>
+                      <a:prstDash val="solid"/>
+                      <a:round/>
+                      <a:headEnd type="none" w="med" len="med"/>
+                      <a:tailEnd type="none" w="med" len="med"/>
+                    </a:lnB>
+                    <a:noFill/>
+                  </a:tcPr>
+                </a:tc>
+                <a:tc>
+                  <a:txBody>
+                    <a:bodyPr/>
+                    <a:lstStyle/>
+                    <a:p>
+                      <a:endParaRPr lang="en-US" dirty="0"/>
+                    </a:p>
+                  </a:txBody>
+                  <a:tcPr>
+                    <a:lnL w="12700" cap="flat" cmpd="sng" algn="ctr">
+                      <a:solidFill>
+                        <a:schemeClr val="tx1"/>
+                      </a:solidFill>
+                      <a:prstDash val="solid"/>
+                      <a:round/>
+                      <a:headEnd type="none" w="med" len="med"/>
+                      <a:tailEnd type="none" w="med" len="med"/>
+                    </a:lnL>
+                    <a:lnR w="12700" cap="flat" cmpd="sng" algn="ctr">
+                      <a:solidFill>
+                        <a:schemeClr val="tx1"/>
+                      </a:solidFill>
+                      <a:prstDash val="solid"/>
+                      <a:round/>
+                      <a:headEnd type="none" w="med" len="med"/>
+                      <a:tailEnd type="none" w="med" len="med"/>
+                    </a:lnR>
+                    <a:lnT w="12700" cap="flat" cmpd="sng" algn="ctr">
+                      <a:solidFill>
+                        <a:schemeClr val="tx1"/>
+                      </a:solidFill>
+                      <a:prstDash val="solid"/>
+                      <a:round/>
+                      <a:headEnd type="none" w="med" len="med"/>
+                      <a:tailEnd type="none" w="med" len="med"/>
+                    </a:lnT>
+                    <a:lnB w="12700" cap="flat" cmpd="sng" algn="ctr">
+                      <a:solidFill>
+                        <a:schemeClr val="tx1"/>
+                      </a:solidFill>
+                      <a:prstDash val="solid"/>
+                      <a:round/>
+                      <a:headEnd type="none" w="med" len="med"/>
+                      <a:tailEnd type="none" w="med" len="med"/>
+                    </a:lnB>
+                    <a:solidFill>
+                      <a:srgbClr val="FFC000"/>
+                    </a:solidFill>
+                  </a:tcPr>
+                </a:tc>
+                <a:extLst>
+                  <a:ext uri="{0D108BD9-81ED-4DB2-BD59-A6C34878D82A}">
+                    <a16:rowId xmlns:a16="http://schemas.microsoft.com/office/drawing/2014/main" val="3252616606"/>
+                  </a:ext>
+                </a:extLst>
+              </a:tr>
+            </a:tbl>
+          </a:graphicData>
+        </a:graphic>
+      </p:graphicFrame>
+      <p:graphicFrame>
+        <p:nvGraphicFramePr>
+          <p:cNvPr id="15" name="Table 2">
+            <a:extLst>
+              <a:ext uri="{FF2B5EF4-FFF2-40B4-BE49-F238E27FC236}">
+                <a16:creationId xmlns:a16="http://schemas.microsoft.com/office/drawing/2014/main" id="{8DF30846-18FE-439D-A7B3-498BBF12EE51}"/>
+              </a:ext>
+            </a:extLst>
+          </p:cNvPr>
+          <p:cNvGraphicFramePr>
+            <a:graphicFrameLocks noGrp="1"/>
+          </p:cNvGraphicFramePr>
+          <p:nvPr>
+            <p:extLst>
+              <p:ext uri="{D42A27DB-BD31-4B8C-83A1-F6EECF244321}">
+                <p14:modId xmlns:p14="http://schemas.microsoft.com/office/powerpoint/2010/main" val="1644438731"/>
+              </p:ext>
+            </p:extLst>
+          </p:nvPr>
+        </p:nvGraphicFramePr>
+        <p:xfrm>
+          <a:off x="2256850" y="2998168"/>
+          <a:ext cx="1565640" cy="1199075"/>
+        </p:xfrm>
+        <a:graphic>
+          <a:graphicData uri="http://schemas.openxmlformats.org/drawingml/2006/table">
+            <a:tbl>
+              <a:tblPr firstRow="1" bandRow="1">
+                <a:tableStyleId>{5C22544A-7EE6-4342-B048-85BDC9FD1C3A}</a:tableStyleId>
+              </a:tblPr>
+              <a:tblGrid>
+                <a:gridCol w="313128">
+                  <a:extLst>
+                    <a:ext uri="{9D8B030D-6E8A-4147-A177-3AD203B41FA5}">
+                      <a16:colId xmlns:a16="http://schemas.microsoft.com/office/drawing/2014/main" val="3333571149"/>
+                    </a:ext>
+                  </a:extLst>
+                </a:gridCol>
+                <a:gridCol w="313128">
+                  <a:extLst>
+                    <a:ext uri="{9D8B030D-6E8A-4147-A177-3AD203B41FA5}">
+                      <a16:colId xmlns:a16="http://schemas.microsoft.com/office/drawing/2014/main" val="1769296144"/>
+                    </a:ext>
+                  </a:extLst>
+                </a:gridCol>
+                <a:gridCol w="313128">
+                  <a:extLst>
+                    <a:ext uri="{9D8B030D-6E8A-4147-A177-3AD203B41FA5}">
+                      <a16:colId xmlns:a16="http://schemas.microsoft.com/office/drawing/2014/main" val="2391312541"/>
+                    </a:ext>
+                  </a:extLst>
+                </a:gridCol>
+                <a:gridCol w="313128">
+                  <a:extLst>
+                    <a:ext uri="{9D8B030D-6E8A-4147-A177-3AD203B41FA5}">
+                      <a16:colId xmlns:a16="http://schemas.microsoft.com/office/drawing/2014/main" val="3518580238"/>
+                    </a:ext>
+                  </a:extLst>
+                </a:gridCol>
+                <a:gridCol w="313128">
+                  <a:extLst>
+                    <a:ext uri="{9D8B030D-6E8A-4147-A177-3AD203B41FA5}">
+                      <a16:colId xmlns:a16="http://schemas.microsoft.com/office/drawing/2014/main" val="901743186"/>
+                    </a:ext>
+                  </a:extLst>
+                </a:gridCol>
+              </a:tblGrid>
+              <a:tr h="1199075">
+                <a:tc>
+                  <a:txBody>
+                    <a:bodyPr/>
+                    <a:lstStyle/>
+                    <a:p>
+                      <a:endParaRPr lang="en-US" dirty="0"/>
+                    </a:p>
+                  </a:txBody>
+                  <a:tcPr>
+                    <a:lnL w="12700" cap="flat" cmpd="sng" algn="ctr">
+                      <a:solidFill>
+                        <a:schemeClr val="tx1"/>
+                      </a:solidFill>
+                      <a:prstDash val="solid"/>
+                      <a:round/>
+                      <a:headEnd type="none" w="med" len="med"/>
+                      <a:tailEnd type="none" w="med" len="med"/>
+                    </a:lnL>
+                    <a:lnR w="12700" cap="flat" cmpd="sng" algn="ctr">
+                      <a:solidFill>
+                        <a:schemeClr val="tx1"/>
+                      </a:solidFill>
+                      <a:prstDash val="solid"/>
+                      <a:round/>
+                      <a:headEnd type="none" w="med" len="med"/>
+                      <a:tailEnd type="none" w="med" len="med"/>
+                    </a:lnR>
+                    <a:lnT w="12700" cap="flat" cmpd="sng" algn="ctr">
+                      <a:solidFill>
+                        <a:schemeClr val="tx1"/>
+                      </a:solidFill>
+                      <a:prstDash val="solid"/>
+                      <a:round/>
+                      <a:headEnd type="none" w="med" len="med"/>
+                      <a:tailEnd type="none" w="med" len="med"/>
+                    </a:lnT>
+                    <a:lnB w="12700" cap="flat" cmpd="sng" algn="ctr">
+                      <a:solidFill>
+                        <a:schemeClr val="tx1"/>
+                      </a:solidFill>
+                      <a:prstDash val="solid"/>
+                      <a:round/>
+                      <a:headEnd type="none" w="med" len="med"/>
+                      <a:tailEnd type="none" w="med" len="med"/>
+                    </a:lnB>
+                    <a:noFill/>
+                  </a:tcPr>
+                </a:tc>
+                <a:tc>
+                  <a:txBody>
+                    <a:bodyPr/>
+                    <a:lstStyle/>
+                    <a:p>
+                      <a:endParaRPr lang="en-US" dirty="0"/>
+                    </a:p>
+                  </a:txBody>
+                  <a:tcPr>
+                    <a:lnL w="12700" cap="flat" cmpd="sng" algn="ctr">
+                      <a:solidFill>
+                        <a:schemeClr val="tx1"/>
+                      </a:solidFill>
+                      <a:prstDash val="solid"/>
+                      <a:round/>
+                      <a:headEnd type="none" w="med" len="med"/>
+                      <a:tailEnd type="none" w="med" len="med"/>
+                    </a:lnL>
+                    <a:lnR w="12700" cap="flat" cmpd="sng" algn="ctr">
+                      <a:solidFill>
+                        <a:schemeClr val="tx1"/>
+                      </a:solidFill>
+                      <a:prstDash val="solid"/>
+                      <a:round/>
+                      <a:headEnd type="none" w="med" len="med"/>
+                      <a:tailEnd type="none" w="med" len="med"/>
+                    </a:lnR>
+                    <a:lnT w="12700" cap="flat" cmpd="sng" algn="ctr">
+                      <a:solidFill>
+                        <a:schemeClr val="tx1"/>
+                      </a:solidFill>
+                      <a:prstDash val="solid"/>
+                      <a:round/>
+                      <a:headEnd type="none" w="med" len="med"/>
+                      <a:tailEnd type="none" w="med" len="med"/>
+                    </a:lnT>
+                    <a:lnB w="12700" cap="flat" cmpd="sng" algn="ctr">
+                      <a:solidFill>
+                        <a:schemeClr val="tx1"/>
+                      </a:solidFill>
+                      <a:prstDash val="solid"/>
+                      <a:round/>
+                      <a:headEnd type="none" w="med" len="med"/>
+                      <a:tailEnd type="none" w="med" len="med"/>
+                    </a:lnB>
+                    <a:noFill/>
+                  </a:tcPr>
+                </a:tc>
+                <a:tc>
+                  <a:txBody>
+                    <a:bodyPr/>
+                    <a:lstStyle/>
+                    <a:p>
+                      <a:endParaRPr lang="en-US" dirty="0"/>
+                    </a:p>
+                  </a:txBody>
+                  <a:tcPr>
+                    <a:lnL w="12700" cap="flat" cmpd="sng" algn="ctr">
+                      <a:solidFill>
+                        <a:schemeClr val="tx1"/>
+                      </a:solidFill>
+                      <a:prstDash val="solid"/>
+                      <a:round/>
+                      <a:headEnd type="none" w="med" len="med"/>
+                      <a:tailEnd type="none" w="med" len="med"/>
+                    </a:lnL>
+                    <a:lnR w="12700" cap="flat" cmpd="sng" algn="ctr">
+                      <a:solidFill>
+                        <a:schemeClr val="tx1"/>
+                      </a:solidFill>
+                      <a:prstDash val="solid"/>
+                      <a:round/>
+                      <a:headEnd type="none" w="med" len="med"/>
+                      <a:tailEnd type="none" w="med" len="med"/>
+                    </a:lnR>
+                    <a:lnT w="12700" cap="flat" cmpd="sng" algn="ctr">
+                      <a:solidFill>
+                        <a:schemeClr val="tx1"/>
+                      </a:solidFill>
+                      <a:prstDash val="solid"/>
+                      <a:round/>
+                      <a:headEnd type="none" w="med" len="med"/>
+                      <a:tailEnd type="none" w="med" len="med"/>
+                    </a:lnT>
+                    <a:lnB w="12700" cap="flat" cmpd="sng" algn="ctr">
+                      <a:solidFill>
+                        <a:schemeClr val="tx1"/>
+                      </a:solidFill>
+                      <a:prstDash val="solid"/>
+                      <a:round/>
+                      <a:headEnd type="none" w="med" len="med"/>
+                      <a:tailEnd type="none" w="med" len="med"/>
+                    </a:lnB>
+                    <a:noFill/>
+                  </a:tcPr>
+                </a:tc>
+                <a:tc>
+                  <a:txBody>
+                    <a:bodyPr/>
+                    <a:lstStyle/>
+                    <a:p>
+                      <a:endParaRPr lang="en-US" dirty="0"/>
+                    </a:p>
+                  </a:txBody>
+                  <a:tcPr>
+                    <a:lnL w="12700" cap="flat" cmpd="sng" algn="ctr">
+                      <a:solidFill>
+                        <a:schemeClr val="tx1"/>
+                      </a:solidFill>
+                      <a:prstDash val="solid"/>
+                      <a:round/>
+                      <a:headEnd type="none" w="med" len="med"/>
+                      <a:tailEnd type="none" w="med" len="med"/>
+                    </a:lnL>
+                    <a:lnR w="12700" cap="flat" cmpd="sng" algn="ctr">
+                      <a:solidFill>
+                        <a:schemeClr val="tx1"/>
+                      </a:solidFill>
+                      <a:prstDash val="solid"/>
+                      <a:round/>
+                      <a:headEnd type="none" w="med" len="med"/>
+                      <a:tailEnd type="none" w="med" len="med"/>
+                    </a:lnR>
+                    <a:lnT w="12700" cap="flat" cmpd="sng" algn="ctr">
+                      <a:solidFill>
+                        <a:schemeClr val="tx1"/>
+                      </a:solidFill>
+                      <a:prstDash val="solid"/>
+                      <a:round/>
+                      <a:headEnd type="none" w="med" len="med"/>
+                      <a:tailEnd type="none" w="med" len="med"/>
+                    </a:lnT>
+                    <a:lnB w="12700" cap="flat" cmpd="sng" algn="ctr">
+                      <a:solidFill>
+                        <a:schemeClr val="tx1"/>
+                      </a:solidFill>
+                      <a:prstDash val="solid"/>
+                      <a:round/>
+                      <a:headEnd type="none" w="med" len="med"/>
+                      <a:tailEnd type="none" w="med" len="med"/>
+                    </a:lnB>
+                    <a:noFill/>
+                  </a:tcPr>
+                </a:tc>
+                <a:tc>
+                  <a:txBody>
+                    <a:bodyPr/>
+                    <a:lstStyle/>
+                    <a:p>
+                      <a:endParaRPr lang="en-US" dirty="0"/>
+                    </a:p>
+                  </a:txBody>
+                  <a:tcPr>
+                    <a:lnL w="12700" cap="flat" cmpd="sng" algn="ctr">
+                      <a:solidFill>
+                        <a:schemeClr val="tx1"/>
+                      </a:solidFill>
+                      <a:prstDash val="solid"/>
+                      <a:round/>
+                      <a:headEnd type="none" w="med" len="med"/>
+                      <a:tailEnd type="none" w="med" len="med"/>
+                    </a:lnL>
+                    <a:lnR w="12700" cap="flat" cmpd="sng" algn="ctr">
+                      <a:solidFill>
+                        <a:schemeClr val="tx1"/>
+                      </a:solidFill>
+                      <a:prstDash val="solid"/>
+                      <a:round/>
+                      <a:headEnd type="none" w="med" len="med"/>
+                      <a:tailEnd type="none" w="med" len="med"/>
+                    </a:lnR>
+                    <a:lnT w="12700" cap="flat" cmpd="sng" algn="ctr">
+                      <a:solidFill>
+                        <a:schemeClr val="tx1"/>
+                      </a:solidFill>
+                      <a:prstDash val="solid"/>
+                      <a:round/>
+                      <a:headEnd type="none" w="med" len="med"/>
+                      <a:tailEnd type="none" w="med" len="med"/>
+                    </a:lnT>
+                    <a:lnB w="12700" cap="flat" cmpd="sng" algn="ctr">
+                      <a:solidFill>
+                        <a:schemeClr val="tx1"/>
+                      </a:solidFill>
+                      <a:prstDash val="solid"/>
+                      <a:round/>
+                      <a:headEnd type="none" w="med" len="med"/>
+                      <a:tailEnd type="none" w="med" len="med"/>
+                    </a:lnB>
+                    <a:noFill/>
+                  </a:tcPr>
+                </a:tc>
+                <a:extLst>
+                  <a:ext uri="{0D108BD9-81ED-4DB2-BD59-A6C34878D82A}">
+                    <a16:rowId xmlns:a16="http://schemas.microsoft.com/office/drawing/2014/main" val="3252616606"/>
+                  </a:ext>
+                </a:extLst>
+              </a:tr>
+            </a:tbl>
+          </a:graphicData>
+        </a:graphic>
+      </p:graphicFrame>
+      <p:graphicFrame>
+        <p:nvGraphicFramePr>
+          <p:cNvPr id="16" name="Table 2">
+            <a:extLst>
+              <a:ext uri="{FF2B5EF4-FFF2-40B4-BE49-F238E27FC236}">
+                <a16:creationId xmlns:a16="http://schemas.microsoft.com/office/drawing/2014/main" id="{79F901A5-D44A-4780-B7E6-CE31FF307B36}"/>
+              </a:ext>
+            </a:extLst>
+          </p:cNvPr>
+          <p:cNvGraphicFramePr>
+            <a:graphicFrameLocks noGrp="1"/>
+          </p:cNvGraphicFramePr>
+          <p:nvPr>
+            <p:extLst>
+              <p:ext uri="{D42A27DB-BD31-4B8C-83A1-F6EECF244321}">
+                <p14:modId xmlns:p14="http://schemas.microsoft.com/office/powerpoint/2010/main" val="820619298"/>
+              </p:ext>
+            </p:extLst>
+          </p:nvPr>
+        </p:nvGraphicFramePr>
+        <p:xfrm>
+          <a:off x="7757407" y="2983316"/>
+          <a:ext cx="745929" cy="1199075"/>
+        </p:xfrm>
+        <a:graphic>
+          <a:graphicData uri="http://schemas.openxmlformats.org/drawingml/2006/table">
+            <a:tbl>
+              <a:tblPr firstRow="1" bandRow="1">
+                <a:tableStyleId>{5C22544A-7EE6-4342-B048-85BDC9FD1C3A}</a:tableStyleId>
+              </a:tblPr>
+              <a:tblGrid>
+                <a:gridCol w="382251">
+                  <a:extLst>
+                    <a:ext uri="{9D8B030D-6E8A-4147-A177-3AD203B41FA5}">
+                      <a16:colId xmlns:a16="http://schemas.microsoft.com/office/drawing/2014/main" val="3333571149"/>
+                    </a:ext>
+                  </a:extLst>
+                </a:gridCol>
+                <a:gridCol w="363678">
+                  <a:extLst>
+                    <a:ext uri="{9D8B030D-6E8A-4147-A177-3AD203B41FA5}">
+                      <a16:colId xmlns:a16="http://schemas.microsoft.com/office/drawing/2014/main" val="1769296144"/>
+                    </a:ext>
+                  </a:extLst>
+                </a:gridCol>
+              </a:tblGrid>
+              <a:tr h="1199075">
+                <a:tc>
+                  <a:txBody>
+                    <a:bodyPr/>
+                    <a:lstStyle/>
+                    <a:p>
+                      <a:endParaRPr lang="en-US" dirty="0"/>
+                    </a:p>
+                  </a:txBody>
+                  <a:tcPr>
+                    <a:lnL w="12700" cap="flat" cmpd="sng" algn="ctr">
+                      <a:solidFill>
+                        <a:schemeClr val="tx1"/>
+                      </a:solidFill>
+                      <a:prstDash val="solid"/>
+                      <a:round/>
+                      <a:headEnd type="none" w="med" len="med"/>
+                      <a:tailEnd type="none" w="med" len="med"/>
+                    </a:lnL>
+                    <a:lnR w="12700" cap="flat" cmpd="sng" algn="ctr">
+                      <a:solidFill>
+                        <a:schemeClr val="tx1"/>
+                      </a:solidFill>
+                      <a:prstDash val="solid"/>
+                      <a:round/>
+                      <a:headEnd type="none" w="med" len="med"/>
+                      <a:tailEnd type="none" w="med" len="med"/>
+                    </a:lnR>
+                    <a:lnT w="12700" cap="flat" cmpd="sng" algn="ctr">
+                      <a:solidFill>
+                        <a:schemeClr val="tx1"/>
+                      </a:solidFill>
+                      <a:prstDash val="solid"/>
+                      <a:round/>
+                      <a:headEnd type="none" w="med" len="med"/>
+                      <a:tailEnd type="none" w="med" len="med"/>
+                    </a:lnT>
+                    <a:lnB w="12700" cap="flat" cmpd="sng" algn="ctr">
+                      <a:solidFill>
+                        <a:schemeClr val="tx1"/>
+                      </a:solidFill>
+                      <a:prstDash val="solid"/>
+                      <a:round/>
+                      <a:headEnd type="none" w="med" len="med"/>
+                      <a:tailEnd type="none" w="med" len="med"/>
+                    </a:lnB>
+                    <a:solidFill>
+                      <a:srgbClr val="FFC000"/>
+                    </a:solidFill>
+                  </a:tcPr>
+                </a:tc>
+                <a:tc>
+                  <a:txBody>
+                    <a:bodyPr/>
+                    <a:lstStyle/>
+                    <a:p>
+                      <a:endParaRPr lang="en-US" dirty="0"/>
+                    </a:p>
+                  </a:txBody>
+                  <a:tcPr>
+                    <a:lnL w="12700" cap="flat" cmpd="sng" algn="ctr">
+                      <a:solidFill>
+                        <a:schemeClr val="tx1"/>
+                      </a:solidFill>
+                      <a:prstDash val="solid"/>
+                      <a:round/>
+                      <a:headEnd type="none" w="med" len="med"/>
+                      <a:tailEnd type="none" w="med" len="med"/>
+                    </a:lnL>
+                    <a:lnR w="12700" cap="flat" cmpd="sng" algn="ctr">
+                      <a:solidFill>
+                        <a:schemeClr val="tx1"/>
+                      </a:solidFill>
+                      <a:prstDash val="solid"/>
+                      <a:round/>
+                      <a:headEnd type="none" w="med" len="med"/>
+                      <a:tailEnd type="none" w="med" len="med"/>
+                    </a:lnR>
+                    <a:lnT w="12700" cap="flat" cmpd="sng" algn="ctr">
+                      <a:solidFill>
+                        <a:schemeClr val="tx1"/>
+                      </a:solidFill>
+                      <a:prstDash val="solid"/>
+                      <a:round/>
+                      <a:headEnd type="none" w="med" len="med"/>
+                      <a:tailEnd type="none" w="med" len="med"/>
+                    </a:lnT>
+                    <a:lnB w="12700" cap="flat" cmpd="sng" algn="ctr">
+                      <a:solidFill>
+                        <a:schemeClr val="tx1"/>
+                      </a:solidFill>
+                      <a:prstDash val="solid"/>
+                      <a:round/>
+                      <a:headEnd type="none" w="med" len="med"/>
+                      <a:tailEnd type="none" w="med" len="med"/>
+                    </a:lnB>
+                    <a:solidFill>
+                      <a:srgbClr val="FFC000"/>
+                    </a:solidFill>
+                  </a:tcPr>
+                </a:tc>
+                <a:extLst>
+                  <a:ext uri="{0D108BD9-81ED-4DB2-BD59-A6C34878D82A}">
+                    <a16:rowId xmlns:a16="http://schemas.microsoft.com/office/drawing/2014/main" val="3252616606"/>
+                  </a:ext>
+                </a:extLst>
+              </a:tr>
+            </a:tbl>
+          </a:graphicData>
+        </a:graphic>
+      </p:graphicFrame>
+      <p:sp>
+        <p:nvSpPr>
+          <p:cNvPr id="17" name="Arrow: Right 16">
+            <a:extLst>
+              <a:ext uri="{FF2B5EF4-FFF2-40B4-BE49-F238E27FC236}">
+                <a16:creationId xmlns:a16="http://schemas.microsoft.com/office/drawing/2014/main" id="{7D9ED3AA-BCDB-4925-88CC-153606333E19}"/>
+              </a:ext>
+            </a:extLst>
+          </p:cNvPr>
+          <p:cNvSpPr/>
+          <p:nvPr/>
+        </p:nvSpPr>
+        <p:spPr>
+          <a:xfrm>
+            <a:off x="3865661" y="3461478"/>
+            <a:ext cx="696477" cy="235059"/>
+          </a:xfrm>
+          <a:prstGeom prst="rightArrow">
+            <a:avLst/>
+          </a:prstGeom>
+        </p:spPr>
+        <p:style>
+          <a:lnRef idx="2">
+            <a:schemeClr val="accent1">
+              <a:shade val="50000"/>
+            </a:schemeClr>
+          </a:lnRef>
+          <a:fillRef idx="1">
+            <a:schemeClr val="accent1"/>
+          </a:fillRef>
+          <a:effectRef idx="0">
+            <a:schemeClr val="accent1"/>
+          </a:effectRef>
+          <a:fontRef idx="minor">
+            <a:schemeClr val="lt1"/>
+          </a:fontRef>
+        </p:style>
+        <p:txBody>
+          <a:bodyPr rtlCol="0" anchor="ctr"/>
+          <a:lstStyle/>
+          <a:p>
+            <a:pPr algn="ctr"/>
+            <a:endParaRPr lang="en-US"/>
+          </a:p>
+        </p:txBody>
+      </p:sp>
+      <p:sp>
+        <p:nvSpPr>
+          <p:cNvPr id="19" name="Arrow: Right 18">
+            <a:extLst>
+              <a:ext uri="{FF2B5EF4-FFF2-40B4-BE49-F238E27FC236}">
+                <a16:creationId xmlns:a16="http://schemas.microsoft.com/office/drawing/2014/main" id="{82EB1307-1C86-475D-AC3E-D58C3556D1E2}"/>
+              </a:ext>
+            </a:extLst>
+          </p:cNvPr>
+          <p:cNvSpPr/>
+          <p:nvPr/>
+        </p:nvSpPr>
+        <p:spPr>
+          <a:xfrm>
+            <a:off x="6358327" y="3426578"/>
+            <a:ext cx="1190886" cy="235059"/>
+          </a:xfrm>
+          <a:prstGeom prst="rightArrow">
+            <a:avLst/>
+          </a:prstGeom>
+        </p:spPr>
+        <p:style>
+          <a:lnRef idx="2">
+            <a:schemeClr val="accent1">
+              <a:shade val="50000"/>
+            </a:schemeClr>
+          </a:lnRef>
+          <a:fillRef idx="1">
+            <a:schemeClr val="accent1"/>
+          </a:fillRef>
+          <a:effectRef idx="0">
+            <a:schemeClr val="accent1"/>
+          </a:effectRef>
+          <a:fontRef idx="minor">
+            <a:schemeClr val="lt1"/>
+          </a:fontRef>
+        </p:style>
+        <p:txBody>
+          <a:bodyPr rtlCol="0" anchor="ctr"/>
+          <a:lstStyle/>
+          <a:p>
+            <a:pPr algn="ctr"/>
+            <a:endParaRPr lang="en-US" dirty="0">
+              <a:highlight>
+                <a:srgbClr val="FFFF00"/>
+              </a:highlight>
+            </a:endParaRPr>
+          </a:p>
+        </p:txBody>
+      </p:sp>
+      <p:graphicFrame>
+        <p:nvGraphicFramePr>
+          <p:cNvPr id="20" name="Table 2">
+            <a:extLst>
+              <a:ext uri="{FF2B5EF4-FFF2-40B4-BE49-F238E27FC236}">
+                <a16:creationId xmlns:a16="http://schemas.microsoft.com/office/drawing/2014/main" id="{0D7B4ABD-0F3C-4417-8C2A-70CF5AD5C0F3}"/>
+              </a:ext>
+            </a:extLst>
+          </p:cNvPr>
+          <p:cNvGraphicFramePr>
+            <a:graphicFrameLocks noGrp="1"/>
+          </p:cNvGraphicFramePr>
+          <p:nvPr>
+            <p:extLst>
+              <p:ext uri="{D42A27DB-BD31-4B8C-83A1-F6EECF244321}">
+                <p14:modId xmlns:p14="http://schemas.microsoft.com/office/powerpoint/2010/main" val="1339250015"/>
+              </p:ext>
+            </p:extLst>
+          </p:nvPr>
+        </p:nvGraphicFramePr>
+        <p:xfrm>
+          <a:off x="2256850" y="4931965"/>
+          <a:ext cx="1565640" cy="1199075"/>
+        </p:xfrm>
+        <a:graphic>
+          <a:graphicData uri="http://schemas.openxmlformats.org/drawingml/2006/table">
+            <a:tbl>
+              <a:tblPr firstRow="1" bandRow="1">
+                <a:tableStyleId>{5C22544A-7EE6-4342-B048-85BDC9FD1C3A}</a:tableStyleId>
+              </a:tblPr>
+              <a:tblGrid>
+                <a:gridCol w="313128">
+                  <a:extLst>
+                    <a:ext uri="{9D8B030D-6E8A-4147-A177-3AD203B41FA5}">
+                      <a16:colId xmlns:a16="http://schemas.microsoft.com/office/drawing/2014/main" val="3333571149"/>
+                    </a:ext>
+                  </a:extLst>
+                </a:gridCol>
+                <a:gridCol w="313128">
+                  <a:extLst>
+                    <a:ext uri="{9D8B030D-6E8A-4147-A177-3AD203B41FA5}">
+                      <a16:colId xmlns:a16="http://schemas.microsoft.com/office/drawing/2014/main" val="1769296144"/>
+                    </a:ext>
+                  </a:extLst>
+                </a:gridCol>
+                <a:gridCol w="313128">
+                  <a:extLst>
+                    <a:ext uri="{9D8B030D-6E8A-4147-A177-3AD203B41FA5}">
+                      <a16:colId xmlns:a16="http://schemas.microsoft.com/office/drawing/2014/main" val="2391312541"/>
+                    </a:ext>
+                  </a:extLst>
+                </a:gridCol>
+                <a:gridCol w="313128">
+                  <a:extLst>
+                    <a:ext uri="{9D8B030D-6E8A-4147-A177-3AD203B41FA5}">
+                      <a16:colId xmlns:a16="http://schemas.microsoft.com/office/drawing/2014/main" val="3518580238"/>
+                    </a:ext>
+                  </a:extLst>
+                </a:gridCol>
+                <a:gridCol w="313128">
+                  <a:extLst>
+                    <a:ext uri="{9D8B030D-6E8A-4147-A177-3AD203B41FA5}">
+                      <a16:colId xmlns:a16="http://schemas.microsoft.com/office/drawing/2014/main" val="901743186"/>
+                    </a:ext>
+                  </a:extLst>
+                </a:gridCol>
+              </a:tblGrid>
+              <a:tr h="1199075">
+                <a:tc>
+                  <a:txBody>
+                    <a:bodyPr/>
+                    <a:lstStyle/>
+                    <a:p>
+                      <a:endParaRPr lang="en-US" dirty="0"/>
+                    </a:p>
+                  </a:txBody>
+                  <a:tcPr>
+                    <a:lnL w="12700" cap="flat" cmpd="sng" algn="ctr">
+                      <a:solidFill>
+                        <a:schemeClr val="tx1"/>
+                      </a:solidFill>
+                      <a:prstDash val="solid"/>
+                      <a:round/>
+                      <a:headEnd type="none" w="med" len="med"/>
+                      <a:tailEnd type="none" w="med" len="med"/>
+                    </a:lnL>
+                    <a:lnR w="12700" cap="flat" cmpd="sng" algn="ctr">
+                      <a:solidFill>
+                        <a:schemeClr val="tx1"/>
+                      </a:solidFill>
+                      <a:prstDash val="solid"/>
+                      <a:round/>
+                      <a:headEnd type="none" w="med" len="med"/>
+                      <a:tailEnd type="none" w="med" len="med"/>
+                    </a:lnR>
+                    <a:lnT w="12700" cap="flat" cmpd="sng" algn="ctr">
+                      <a:solidFill>
+                        <a:schemeClr val="tx1"/>
+                      </a:solidFill>
+                      <a:prstDash val="solid"/>
+                      <a:round/>
+                      <a:headEnd type="none" w="med" len="med"/>
+                      <a:tailEnd type="none" w="med" len="med"/>
+                    </a:lnT>
+                    <a:lnB w="12700" cap="flat" cmpd="sng" algn="ctr">
+                      <a:solidFill>
+                        <a:schemeClr val="tx1"/>
+                      </a:solidFill>
+                      <a:prstDash val="solid"/>
+                      <a:round/>
+                      <a:headEnd type="none" w="med" len="med"/>
+                      <a:tailEnd type="none" w="med" len="med"/>
+                    </a:lnB>
+                    <a:noFill/>
+                  </a:tcPr>
+                </a:tc>
+                <a:tc>
+                  <a:txBody>
+                    <a:bodyPr/>
+                    <a:lstStyle/>
+                    <a:p>
+                      <a:endParaRPr lang="en-US" dirty="0"/>
+                    </a:p>
+                  </a:txBody>
+                  <a:tcPr>
+                    <a:lnL w="12700" cap="flat" cmpd="sng" algn="ctr">
+                      <a:solidFill>
+                        <a:schemeClr val="tx1"/>
+                      </a:solidFill>
+                      <a:prstDash val="solid"/>
+                      <a:round/>
+                      <a:headEnd type="none" w="med" len="med"/>
+                      <a:tailEnd type="none" w="med" len="med"/>
+                    </a:lnL>
+                    <a:lnR w="12700" cap="flat" cmpd="sng" algn="ctr">
+                      <a:solidFill>
+                        <a:schemeClr val="tx1"/>
+                      </a:solidFill>
+                      <a:prstDash val="solid"/>
+                      <a:round/>
+                      <a:headEnd type="none" w="med" len="med"/>
+                      <a:tailEnd type="none" w="med" len="med"/>
+                    </a:lnR>
+                    <a:lnT w="12700" cap="flat" cmpd="sng" algn="ctr">
+                      <a:solidFill>
+                        <a:schemeClr val="tx1"/>
+                      </a:solidFill>
+                      <a:prstDash val="solid"/>
+                      <a:round/>
+                      <a:headEnd type="none" w="med" len="med"/>
+                      <a:tailEnd type="none" w="med" len="med"/>
+                    </a:lnT>
+                    <a:lnB w="12700" cap="flat" cmpd="sng" algn="ctr">
+                      <a:solidFill>
+                        <a:schemeClr val="tx1"/>
+                      </a:solidFill>
+                      <a:prstDash val="solid"/>
+                      <a:round/>
+                      <a:headEnd type="none" w="med" len="med"/>
+                      <a:tailEnd type="none" w="med" len="med"/>
+                    </a:lnB>
+                    <a:noFill/>
+                  </a:tcPr>
+                </a:tc>
+                <a:tc>
+                  <a:txBody>
+                    <a:bodyPr/>
+                    <a:lstStyle/>
+                    <a:p>
+                      <a:endParaRPr lang="en-US" dirty="0"/>
+                    </a:p>
+                  </a:txBody>
+                  <a:tcPr>
+                    <a:lnL w="12700" cap="flat" cmpd="sng" algn="ctr">
+                      <a:solidFill>
+                        <a:schemeClr val="tx1"/>
+                      </a:solidFill>
+                      <a:prstDash val="solid"/>
+                      <a:round/>
+                      <a:headEnd type="none" w="med" len="med"/>
+                      <a:tailEnd type="none" w="med" len="med"/>
+                    </a:lnL>
+                    <a:lnR w="12700" cap="flat" cmpd="sng" algn="ctr">
+                      <a:solidFill>
+                        <a:schemeClr val="tx1"/>
+                      </a:solidFill>
+                      <a:prstDash val="solid"/>
+                      <a:round/>
+                      <a:headEnd type="none" w="med" len="med"/>
+                      <a:tailEnd type="none" w="med" len="med"/>
+                    </a:lnR>
+                    <a:lnT w="12700" cap="flat" cmpd="sng" algn="ctr">
+                      <a:solidFill>
+                        <a:schemeClr val="tx1"/>
+                      </a:solidFill>
+                      <a:prstDash val="solid"/>
+                      <a:round/>
+                      <a:headEnd type="none" w="med" len="med"/>
+                      <a:tailEnd type="none" w="med" len="med"/>
+                    </a:lnT>
+                    <a:lnB w="12700" cap="flat" cmpd="sng" algn="ctr">
+                      <a:solidFill>
+                        <a:schemeClr val="tx1"/>
+                      </a:solidFill>
+                      <a:prstDash val="solid"/>
+                      <a:round/>
+                      <a:headEnd type="none" w="med" len="med"/>
+                      <a:tailEnd type="none" w="med" len="med"/>
+                    </a:lnB>
+                    <a:noFill/>
+                  </a:tcPr>
+                </a:tc>
+                <a:tc>
+                  <a:txBody>
+                    <a:bodyPr/>
+                    <a:lstStyle/>
+                    <a:p>
+                      <a:endParaRPr lang="en-US" dirty="0"/>
+                    </a:p>
+                  </a:txBody>
+                  <a:tcPr>
+                    <a:lnL w="12700" cap="flat" cmpd="sng" algn="ctr">
+                      <a:solidFill>
+                        <a:schemeClr val="tx1"/>
+                      </a:solidFill>
+                      <a:prstDash val="solid"/>
+                      <a:round/>
+                      <a:headEnd type="none" w="med" len="med"/>
+                      <a:tailEnd type="none" w="med" len="med"/>
+                    </a:lnL>
+                    <a:lnR w="12700" cap="flat" cmpd="sng" algn="ctr">
+                      <a:solidFill>
+                        <a:schemeClr val="tx1"/>
+                      </a:solidFill>
+                      <a:prstDash val="solid"/>
+                      <a:round/>
+                      <a:headEnd type="none" w="med" len="med"/>
+                      <a:tailEnd type="none" w="med" len="med"/>
+                    </a:lnR>
+                    <a:lnT w="12700" cap="flat" cmpd="sng" algn="ctr">
+                      <a:solidFill>
+                        <a:schemeClr val="tx1"/>
+                      </a:solidFill>
+                      <a:prstDash val="solid"/>
+                      <a:round/>
+                      <a:headEnd type="none" w="med" len="med"/>
+                      <a:tailEnd type="none" w="med" len="med"/>
+                    </a:lnT>
+                    <a:lnB w="12700" cap="flat" cmpd="sng" algn="ctr">
+                      <a:solidFill>
+                        <a:schemeClr val="tx1"/>
+                      </a:solidFill>
+                      <a:prstDash val="solid"/>
+                      <a:round/>
+                      <a:headEnd type="none" w="med" len="med"/>
+                      <a:tailEnd type="none" w="med" len="med"/>
+                    </a:lnB>
+                    <a:noFill/>
+                  </a:tcPr>
+                </a:tc>
+                <a:tc>
+                  <a:txBody>
+                    <a:bodyPr/>
+                    <a:lstStyle/>
+                    <a:p>
+                      <a:endParaRPr lang="en-US" dirty="0"/>
+                    </a:p>
+                  </a:txBody>
+                  <a:tcPr>
+                    <a:lnL w="12700" cap="flat" cmpd="sng" algn="ctr">
+                      <a:solidFill>
+                        <a:schemeClr val="tx1"/>
+                      </a:solidFill>
+                      <a:prstDash val="solid"/>
+                      <a:round/>
+                      <a:headEnd type="none" w="med" len="med"/>
+                      <a:tailEnd type="none" w="med" len="med"/>
+                    </a:lnL>
+                    <a:lnR w="12700" cap="flat" cmpd="sng" algn="ctr">
+                      <a:solidFill>
+                        <a:schemeClr val="tx1"/>
+                      </a:solidFill>
+                      <a:prstDash val="solid"/>
+                      <a:round/>
+                      <a:headEnd type="none" w="med" len="med"/>
+                      <a:tailEnd type="none" w="med" len="med"/>
+                    </a:lnR>
+                    <a:lnT w="12700" cap="flat" cmpd="sng" algn="ctr">
+                      <a:solidFill>
+                        <a:schemeClr val="tx1"/>
+                      </a:solidFill>
+                      <a:prstDash val="solid"/>
+                      <a:round/>
+                      <a:headEnd type="none" w="med" len="med"/>
+                      <a:tailEnd type="none" w="med" len="med"/>
+                    </a:lnT>
+                    <a:lnB w="12700" cap="flat" cmpd="sng" algn="ctr">
+                      <a:solidFill>
+                        <a:schemeClr val="tx1"/>
+                      </a:solidFill>
+                      <a:prstDash val="solid"/>
+                      <a:round/>
+                      <a:headEnd type="none" w="med" len="med"/>
+                      <a:tailEnd type="none" w="med" len="med"/>
+                    </a:lnB>
+                    <a:noFill/>
+                  </a:tcPr>
+                </a:tc>
+                <a:extLst>
+                  <a:ext uri="{0D108BD9-81ED-4DB2-BD59-A6C34878D82A}">
+                    <a16:rowId xmlns:a16="http://schemas.microsoft.com/office/drawing/2014/main" val="3252616606"/>
+                  </a:ext>
+                </a:extLst>
+              </a:tr>
+            </a:tbl>
+          </a:graphicData>
+        </a:graphic>
+      </p:graphicFrame>
+      <p:sp>
+        <p:nvSpPr>
+          <p:cNvPr id="21" name="TextBox 20">
+            <a:extLst>
+              <a:ext uri="{FF2B5EF4-FFF2-40B4-BE49-F238E27FC236}">
+                <a16:creationId xmlns:a16="http://schemas.microsoft.com/office/drawing/2014/main" id="{D2489775-C561-44E0-90B2-366A47BC7ED6}"/>
+              </a:ext>
+            </a:extLst>
+          </p:cNvPr>
+          <p:cNvSpPr txBox="1"/>
+          <p:nvPr/>
+        </p:nvSpPr>
+        <p:spPr>
+          <a:xfrm>
+            <a:off x="453467" y="5239114"/>
+            <a:ext cx="1665841" cy="584775"/>
+          </a:xfrm>
+          <a:prstGeom prst="rect">
+            <a:avLst/>
+          </a:prstGeom>
+          <a:noFill/>
+        </p:spPr>
+        <p:txBody>
+          <a:bodyPr wrap="none" rtlCol="0">
+            <a:spAutoFit/>
+          </a:bodyPr>
+          <a:lstStyle/>
+          <a:p>
+            <a:r>
+              <a:rPr lang="en-US" sz="3200" dirty="0">
+                <a:latin typeface="Courier New" panose="02070309020205020404" pitchFamily="49" charset="0"/>
+                <a:cs typeface="Courier New" panose="02070309020205020404" pitchFamily="49" charset="0"/>
+              </a:rPr>
+              <a:t>mutate</a:t>
+            </a:r>
+          </a:p>
+        </p:txBody>
+      </p:sp>
+      <p:graphicFrame>
+        <p:nvGraphicFramePr>
+          <p:cNvPr id="22" name="Table 2">
+            <a:extLst>
+              <a:ext uri="{FF2B5EF4-FFF2-40B4-BE49-F238E27FC236}">
+                <a16:creationId xmlns:a16="http://schemas.microsoft.com/office/drawing/2014/main" id="{7E951FFB-3165-4A72-8154-29B142FC4D50}"/>
+              </a:ext>
+            </a:extLst>
+          </p:cNvPr>
+          <p:cNvGraphicFramePr>
+            <a:graphicFrameLocks noGrp="1"/>
+          </p:cNvGraphicFramePr>
+          <p:nvPr>
+            <p:extLst>
+              <p:ext uri="{D42A27DB-BD31-4B8C-83A1-F6EECF244321}">
+                <p14:modId xmlns:p14="http://schemas.microsoft.com/office/powerpoint/2010/main" val="159391726"/>
+              </p:ext>
+            </p:extLst>
+          </p:nvPr>
+        </p:nvGraphicFramePr>
+        <p:xfrm>
+          <a:off x="4605310" y="4940147"/>
+          <a:ext cx="1565640" cy="1199075"/>
+        </p:xfrm>
+        <a:graphic>
+          <a:graphicData uri="http://schemas.openxmlformats.org/drawingml/2006/table">
+            <a:tbl>
+              <a:tblPr firstRow="1" bandRow="1">
+                <a:tableStyleId>{5C22544A-7EE6-4342-B048-85BDC9FD1C3A}</a:tableStyleId>
+              </a:tblPr>
+              <a:tblGrid>
+                <a:gridCol w="313128">
+                  <a:extLst>
+                    <a:ext uri="{9D8B030D-6E8A-4147-A177-3AD203B41FA5}">
+                      <a16:colId xmlns:a16="http://schemas.microsoft.com/office/drawing/2014/main" val="3333571149"/>
+                    </a:ext>
+                  </a:extLst>
+                </a:gridCol>
+                <a:gridCol w="313128">
+                  <a:extLst>
+                    <a:ext uri="{9D8B030D-6E8A-4147-A177-3AD203B41FA5}">
+                      <a16:colId xmlns:a16="http://schemas.microsoft.com/office/drawing/2014/main" val="1769296144"/>
+                    </a:ext>
+                  </a:extLst>
+                </a:gridCol>
+                <a:gridCol w="313128">
+                  <a:extLst>
+                    <a:ext uri="{9D8B030D-6E8A-4147-A177-3AD203B41FA5}">
+                      <a16:colId xmlns:a16="http://schemas.microsoft.com/office/drawing/2014/main" val="2391312541"/>
+                    </a:ext>
+                  </a:extLst>
+                </a:gridCol>
+                <a:gridCol w="313128">
+                  <a:extLst>
+                    <a:ext uri="{9D8B030D-6E8A-4147-A177-3AD203B41FA5}">
+                      <a16:colId xmlns:a16="http://schemas.microsoft.com/office/drawing/2014/main" val="3518580238"/>
+                    </a:ext>
+                  </a:extLst>
+                </a:gridCol>
+                <a:gridCol w="313128">
+                  <a:extLst>
+                    <a:ext uri="{9D8B030D-6E8A-4147-A177-3AD203B41FA5}">
+                      <a16:colId xmlns:a16="http://schemas.microsoft.com/office/drawing/2014/main" val="901743186"/>
+                    </a:ext>
+                  </a:extLst>
+                </a:gridCol>
+              </a:tblGrid>
+              <a:tr h="1199075">
+                <a:tc>
+                  <a:txBody>
+                    <a:bodyPr/>
+                    <a:lstStyle/>
+                    <a:p>
+                      <a:endParaRPr lang="en-US" dirty="0"/>
+                    </a:p>
+                  </a:txBody>
+                  <a:tcPr>
+                    <a:lnL w="12700" cap="flat" cmpd="sng" algn="ctr">
+                      <a:solidFill>
+                        <a:schemeClr val="tx1"/>
+                      </a:solidFill>
+                      <a:prstDash val="solid"/>
+                      <a:round/>
+                      <a:headEnd type="none" w="med" len="med"/>
+                      <a:tailEnd type="none" w="med" len="med"/>
+                    </a:lnL>
+                    <a:lnR w="12700" cap="flat" cmpd="sng" algn="ctr">
+                      <a:solidFill>
+                        <a:schemeClr val="tx1"/>
+                      </a:solidFill>
+                      <a:prstDash val="solid"/>
+                      <a:round/>
+                      <a:headEnd type="none" w="med" len="med"/>
+                      <a:tailEnd type="none" w="med" len="med"/>
+                    </a:lnR>
+                    <a:lnT w="12700" cap="flat" cmpd="sng" algn="ctr">
+                      <a:solidFill>
+                        <a:schemeClr val="tx1"/>
+                      </a:solidFill>
+                      <a:prstDash val="solid"/>
+                      <a:round/>
+                      <a:headEnd type="none" w="med" len="med"/>
+                      <a:tailEnd type="none" w="med" len="med"/>
+                    </a:lnT>
+                    <a:lnB w="12700" cap="flat" cmpd="sng" algn="ctr">
+                      <a:solidFill>
+                        <a:schemeClr val="tx1"/>
+                      </a:solidFill>
+                      <a:prstDash val="solid"/>
+                      <a:round/>
+                      <a:headEnd type="none" w="med" len="med"/>
+                      <a:tailEnd type="none" w="med" len="med"/>
+                    </a:lnB>
+                    <a:noFill/>
+                  </a:tcPr>
+                </a:tc>
+                <a:tc>
+                  <a:txBody>
+                    <a:bodyPr/>
+                    <a:lstStyle/>
+                    <a:p>
+                      <a:endParaRPr lang="en-US" dirty="0"/>
+                    </a:p>
+                  </a:txBody>
+                  <a:tcPr>
+                    <a:lnL w="12700" cap="flat" cmpd="sng" algn="ctr">
+                      <a:solidFill>
+                        <a:schemeClr val="tx1"/>
+                      </a:solidFill>
+                      <a:prstDash val="solid"/>
+                      <a:round/>
+                      <a:headEnd type="none" w="med" len="med"/>
+                      <a:tailEnd type="none" w="med" len="med"/>
+                    </a:lnL>
+                    <a:lnR w="12700" cap="flat" cmpd="sng" algn="ctr">
+                      <a:solidFill>
+                        <a:schemeClr val="tx1"/>
+                      </a:solidFill>
+                      <a:prstDash val="solid"/>
+                      <a:round/>
+                      <a:headEnd type="none" w="med" len="med"/>
+                      <a:tailEnd type="none" w="med" len="med"/>
+                    </a:lnR>
+                    <a:lnT w="12700" cap="flat" cmpd="sng" algn="ctr">
+                      <a:solidFill>
+                        <a:schemeClr val="tx1"/>
+                      </a:solidFill>
+                      <a:prstDash val="solid"/>
+                      <a:round/>
+                      <a:headEnd type="none" w="med" len="med"/>
+                      <a:tailEnd type="none" w="med" len="med"/>
+                    </a:lnT>
+                    <a:lnB w="12700" cap="flat" cmpd="sng" algn="ctr">
+                      <a:solidFill>
+                        <a:schemeClr val="tx1"/>
+                      </a:solidFill>
+                      <a:prstDash val="solid"/>
+                      <a:round/>
+                      <a:headEnd type="none" w="med" len="med"/>
+                      <a:tailEnd type="none" w="med" len="med"/>
+                    </a:lnB>
+                    <a:noFill/>
+                  </a:tcPr>
+                </a:tc>
+                <a:tc>
+                  <a:txBody>
+                    <a:bodyPr/>
+                    <a:lstStyle/>
+                    <a:p>
+                      <a:endParaRPr lang="en-US" dirty="0"/>
+                    </a:p>
+                  </a:txBody>
+                  <a:tcPr>
+                    <a:lnL w="12700" cap="flat" cmpd="sng" algn="ctr">
+                      <a:solidFill>
+                        <a:schemeClr val="tx1"/>
+                      </a:solidFill>
+                      <a:prstDash val="solid"/>
+                      <a:round/>
+                      <a:headEnd type="none" w="med" len="med"/>
+                      <a:tailEnd type="none" w="med" len="med"/>
+                    </a:lnL>
+                    <a:lnR w="12700" cap="flat" cmpd="sng" algn="ctr">
+                      <a:solidFill>
+                        <a:schemeClr val="tx1"/>
+                      </a:solidFill>
+                      <a:prstDash val="solid"/>
+                      <a:round/>
+                      <a:headEnd type="none" w="med" len="med"/>
+                      <a:tailEnd type="none" w="med" len="med"/>
+                    </a:lnR>
+                    <a:lnT w="12700" cap="flat" cmpd="sng" algn="ctr">
+                      <a:solidFill>
+                        <a:schemeClr val="tx1"/>
+                      </a:solidFill>
+                      <a:prstDash val="solid"/>
+                      <a:round/>
+                      <a:headEnd type="none" w="med" len="med"/>
+                      <a:tailEnd type="none" w="med" len="med"/>
+                    </a:lnT>
+                    <a:lnB w="12700" cap="flat" cmpd="sng" algn="ctr">
+                      <a:solidFill>
+                        <a:schemeClr val="tx1"/>
+                      </a:solidFill>
+                      <a:prstDash val="solid"/>
+                      <a:round/>
+                      <a:headEnd type="none" w="med" len="med"/>
+                      <a:tailEnd type="none" w="med" len="med"/>
+                    </a:lnB>
+                    <a:solidFill>
+                      <a:srgbClr val="FFC000"/>
+                    </a:solidFill>
+                  </a:tcPr>
+                </a:tc>
+                <a:tc>
+                  <a:txBody>
+                    <a:bodyPr/>
+                    <a:lstStyle/>
+                    <a:p>
+                      <a:endParaRPr lang="en-US" dirty="0"/>
+                    </a:p>
+                  </a:txBody>
+                  <a:tcPr>
+                    <a:lnL w="12700" cap="flat" cmpd="sng" algn="ctr">
+                      <a:solidFill>
+                        <a:schemeClr val="tx1"/>
+                      </a:solidFill>
+                      <a:prstDash val="solid"/>
+                      <a:round/>
+                      <a:headEnd type="none" w="med" len="med"/>
+                      <a:tailEnd type="none" w="med" len="med"/>
+                    </a:lnL>
+                    <a:lnR w="12700" cap="flat" cmpd="sng" algn="ctr">
+                      <a:solidFill>
+                        <a:schemeClr val="tx1"/>
+                      </a:solidFill>
+                      <a:prstDash val="solid"/>
+                      <a:round/>
+                      <a:headEnd type="none" w="med" len="med"/>
+                      <a:tailEnd type="none" w="med" len="med"/>
+                    </a:lnR>
+                    <a:lnT w="12700" cap="flat" cmpd="sng" algn="ctr">
+                      <a:solidFill>
+                        <a:schemeClr val="tx1"/>
+                      </a:solidFill>
+                      <a:prstDash val="solid"/>
+                      <a:round/>
+                      <a:headEnd type="none" w="med" len="med"/>
+                      <a:tailEnd type="none" w="med" len="med"/>
+                    </a:lnT>
+                    <a:lnB w="12700" cap="flat" cmpd="sng" algn="ctr">
+                      <a:solidFill>
+                        <a:schemeClr val="tx1"/>
+                      </a:solidFill>
+                      <a:prstDash val="solid"/>
+                      <a:round/>
+                      <a:headEnd type="none" w="med" len="med"/>
+                      <a:tailEnd type="none" w="med" len="med"/>
+                    </a:lnB>
+                    <a:noFill/>
+                  </a:tcPr>
+                </a:tc>
+                <a:tc>
+                  <a:txBody>
+                    <a:bodyPr/>
+                    <a:lstStyle/>
+                    <a:p>
+                      <a:endParaRPr lang="en-US" dirty="0"/>
+                    </a:p>
+                  </a:txBody>
+                  <a:tcPr>
+                    <a:lnL w="12700" cap="flat" cmpd="sng" algn="ctr">
+                      <a:solidFill>
+                        <a:schemeClr val="tx1"/>
+                      </a:solidFill>
+                      <a:prstDash val="solid"/>
+                      <a:round/>
+                      <a:headEnd type="none" w="med" len="med"/>
+                      <a:tailEnd type="none" w="med" len="med"/>
+                    </a:lnL>
+                    <a:lnR w="12700" cap="flat" cmpd="sng" algn="ctr">
+                      <a:solidFill>
+                        <a:schemeClr val="tx1"/>
+                      </a:solidFill>
+                      <a:prstDash val="solid"/>
+                      <a:round/>
+                      <a:headEnd type="none" w="med" len="med"/>
+                      <a:tailEnd type="none" w="med" len="med"/>
+                    </a:lnR>
+                    <a:lnT w="12700" cap="flat" cmpd="sng" algn="ctr">
+                      <a:solidFill>
+                        <a:schemeClr val="tx1"/>
+                      </a:solidFill>
+                      <a:prstDash val="solid"/>
+                      <a:round/>
+                      <a:headEnd type="none" w="med" len="med"/>
+                      <a:tailEnd type="none" w="med" len="med"/>
+                    </a:lnT>
+                    <a:lnB w="12700" cap="flat" cmpd="sng" algn="ctr">
+                      <a:solidFill>
+                        <a:schemeClr val="tx1"/>
+                      </a:solidFill>
+                      <a:prstDash val="solid"/>
+                      <a:round/>
+                      <a:headEnd type="none" w="med" len="med"/>
+                      <a:tailEnd type="none" w="med" len="med"/>
+                    </a:lnB>
+                    <a:solidFill>
+                      <a:schemeClr val="accent1">
+                        <a:lumMod val="60000"/>
+                        <a:lumOff val="40000"/>
+                      </a:schemeClr>
+                    </a:solidFill>
+                  </a:tcPr>
+                </a:tc>
+                <a:extLst>
+                  <a:ext uri="{0D108BD9-81ED-4DB2-BD59-A6C34878D82A}">
+                    <a16:rowId xmlns:a16="http://schemas.microsoft.com/office/drawing/2014/main" val="3252616606"/>
+                  </a:ext>
+                </a:extLst>
+              </a:tr>
+            </a:tbl>
+          </a:graphicData>
+        </a:graphic>
+      </p:graphicFrame>
+      <p:graphicFrame>
+        <p:nvGraphicFramePr>
+          <p:cNvPr id="29" name="Table 29">
+            <a:extLst>
+              <a:ext uri="{FF2B5EF4-FFF2-40B4-BE49-F238E27FC236}">
+                <a16:creationId xmlns:a16="http://schemas.microsoft.com/office/drawing/2014/main" id="{3DB68B09-E56F-478F-B5E3-F80619A2BD3A}"/>
+              </a:ext>
+            </a:extLst>
+          </p:cNvPr>
+          <p:cNvGraphicFramePr>
+            <a:graphicFrameLocks noGrp="1"/>
+          </p:cNvGraphicFramePr>
+          <p:nvPr>
+            <p:extLst>
+              <p:ext uri="{D42A27DB-BD31-4B8C-83A1-F6EECF244321}">
+                <p14:modId xmlns:p14="http://schemas.microsoft.com/office/powerpoint/2010/main" val="509843776"/>
+              </p:ext>
+            </p:extLst>
+          </p:nvPr>
+        </p:nvGraphicFramePr>
+        <p:xfrm>
+          <a:off x="7757407" y="4926733"/>
+          <a:ext cx="1850454" cy="1190892"/>
+        </p:xfrm>
+        <a:graphic>
+          <a:graphicData uri="http://schemas.openxmlformats.org/drawingml/2006/table">
+            <a:tbl>
+              <a:tblPr firstRow="1" bandRow="1">
+                <a:tableStyleId>{5C22544A-7EE6-4342-B048-85BDC9FD1C3A}</a:tableStyleId>
+              </a:tblPr>
+              <a:tblGrid>
+                <a:gridCol w="308409">
+                  <a:extLst>
+                    <a:ext uri="{9D8B030D-6E8A-4147-A177-3AD203B41FA5}">
+                      <a16:colId xmlns:a16="http://schemas.microsoft.com/office/drawing/2014/main" val="1398984206"/>
+                    </a:ext>
+                  </a:extLst>
+                </a:gridCol>
+                <a:gridCol w="308409">
+                  <a:extLst>
+                    <a:ext uri="{9D8B030D-6E8A-4147-A177-3AD203B41FA5}">
+                      <a16:colId xmlns:a16="http://schemas.microsoft.com/office/drawing/2014/main" val="567893082"/>
+                    </a:ext>
+                  </a:extLst>
+                </a:gridCol>
+                <a:gridCol w="308409">
+                  <a:extLst>
+                    <a:ext uri="{9D8B030D-6E8A-4147-A177-3AD203B41FA5}">
+                      <a16:colId xmlns:a16="http://schemas.microsoft.com/office/drawing/2014/main" val="259241402"/>
+                    </a:ext>
+                  </a:extLst>
+                </a:gridCol>
+                <a:gridCol w="308409">
+                  <a:extLst>
+                    <a:ext uri="{9D8B030D-6E8A-4147-A177-3AD203B41FA5}">
+                      <a16:colId xmlns:a16="http://schemas.microsoft.com/office/drawing/2014/main" val="736356712"/>
+                    </a:ext>
+                  </a:extLst>
+                </a:gridCol>
+                <a:gridCol w="308409">
+                  <a:extLst>
+                    <a:ext uri="{9D8B030D-6E8A-4147-A177-3AD203B41FA5}">
+                      <a16:colId xmlns:a16="http://schemas.microsoft.com/office/drawing/2014/main" val="2499304932"/>
+                    </a:ext>
+                  </a:extLst>
+                </a:gridCol>
+                <a:gridCol w="308409">
+                  <a:extLst>
+                    <a:ext uri="{9D8B030D-6E8A-4147-A177-3AD203B41FA5}">
+                      <a16:colId xmlns:a16="http://schemas.microsoft.com/office/drawing/2014/main" val="1092899663"/>
+                    </a:ext>
+                  </a:extLst>
+                </a:gridCol>
+              </a:tblGrid>
+              <a:tr h="1190892">
+                <a:tc>
+                  <a:txBody>
+                    <a:bodyPr/>
+                    <a:lstStyle/>
+                    <a:p>
+                      <a:endParaRPr lang="en-US"/>
+                    </a:p>
+                  </a:txBody>
+                  <a:tcPr>
+                    <a:lnL w="12700" cap="flat" cmpd="sng" algn="ctr">
+                      <a:solidFill>
+                        <a:schemeClr val="tx1"/>
+                      </a:solidFill>
+                      <a:prstDash val="solid"/>
+                      <a:round/>
+                      <a:headEnd type="none" w="med" len="med"/>
+                      <a:tailEnd type="none" w="med" len="med"/>
+                    </a:lnL>
+                    <a:lnR w="12700" cap="flat" cmpd="sng" algn="ctr">
+                      <a:solidFill>
+                        <a:schemeClr val="tx1"/>
+                      </a:solidFill>
+                      <a:prstDash val="solid"/>
+                      <a:round/>
+                      <a:headEnd type="none" w="med" len="med"/>
+                      <a:tailEnd type="none" w="med" len="med"/>
+                    </a:lnR>
+                    <a:lnT w="12700" cap="flat" cmpd="sng" algn="ctr">
+                      <a:solidFill>
+                        <a:schemeClr val="tx1"/>
+                      </a:solidFill>
+                      <a:prstDash val="solid"/>
+                      <a:round/>
+                      <a:headEnd type="none" w="med" len="med"/>
+                      <a:tailEnd type="none" w="med" len="med"/>
+                    </a:lnT>
+                    <a:lnB w="12700" cap="flat" cmpd="sng" algn="ctr">
+                      <a:solidFill>
+                        <a:schemeClr val="tx1"/>
+                      </a:solidFill>
+                      <a:prstDash val="solid"/>
+                      <a:round/>
+                      <a:headEnd type="none" w="med" len="med"/>
+                      <a:tailEnd type="none" w="med" len="med"/>
+                    </a:lnB>
+                    <a:noFill/>
+                  </a:tcPr>
+                </a:tc>
+                <a:tc>
+                  <a:txBody>
+                    <a:bodyPr/>
+                    <a:lstStyle/>
+                    <a:p>
+                      <a:endParaRPr lang="en-US"/>
+                    </a:p>
+                  </a:txBody>
+                  <a:tcPr>
+                    <a:lnL w="12700" cap="flat" cmpd="sng" algn="ctr">
+                      <a:solidFill>
+                        <a:schemeClr val="tx1"/>
+                      </a:solidFill>
+                      <a:prstDash val="solid"/>
+                      <a:round/>
+                      <a:headEnd type="none" w="med" len="med"/>
+                      <a:tailEnd type="none" w="med" len="med"/>
+                    </a:lnL>
+                    <a:lnR w="12700" cap="flat" cmpd="sng" algn="ctr">
+                      <a:solidFill>
+                        <a:schemeClr val="tx1"/>
+                      </a:solidFill>
+                      <a:prstDash val="solid"/>
+                      <a:round/>
+                      <a:headEnd type="none" w="med" len="med"/>
+                      <a:tailEnd type="none" w="med" len="med"/>
+                    </a:lnR>
+                    <a:lnT w="12700" cap="flat" cmpd="sng" algn="ctr">
+                      <a:solidFill>
+                        <a:schemeClr val="tx1"/>
+                      </a:solidFill>
+                      <a:prstDash val="solid"/>
+                      <a:round/>
+                      <a:headEnd type="none" w="med" len="med"/>
+                      <a:tailEnd type="none" w="med" len="med"/>
+                    </a:lnT>
+                    <a:lnB w="12700" cap="flat" cmpd="sng" algn="ctr">
+                      <a:solidFill>
+                        <a:schemeClr val="tx1"/>
+                      </a:solidFill>
+                      <a:prstDash val="solid"/>
+                      <a:round/>
+                      <a:headEnd type="none" w="med" len="med"/>
+                      <a:tailEnd type="none" w="med" len="med"/>
+                    </a:lnB>
+                    <a:noFill/>
+                  </a:tcPr>
+                </a:tc>
+                <a:tc>
+                  <a:txBody>
+                    <a:bodyPr/>
+                    <a:lstStyle/>
+                    <a:p>
+                      <a:endParaRPr lang="en-US" dirty="0"/>
+                    </a:p>
+                  </a:txBody>
+                  <a:tcPr>
+                    <a:lnL w="12700" cap="flat" cmpd="sng" algn="ctr">
+                      <a:solidFill>
+                        <a:schemeClr val="tx1"/>
+                      </a:solidFill>
+                      <a:prstDash val="solid"/>
+                      <a:round/>
+                      <a:headEnd type="none" w="med" len="med"/>
+                      <a:tailEnd type="none" w="med" len="med"/>
+                    </a:lnL>
+                    <a:lnR w="12700" cap="flat" cmpd="sng" algn="ctr">
+                      <a:solidFill>
+                        <a:schemeClr val="tx1"/>
+                      </a:solidFill>
+                      <a:prstDash val="solid"/>
+                      <a:round/>
+                      <a:headEnd type="none" w="med" len="med"/>
+                      <a:tailEnd type="none" w="med" len="med"/>
+                    </a:lnR>
+                    <a:lnT w="12700" cap="flat" cmpd="sng" algn="ctr">
+                      <a:solidFill>
+                        <a:schemeClr val="tx1"/>
+                      </a:solidFill>
+                      <a:prstDash val="solid"/>
+                      <a:round/>
+                      <a:headEnd type="none" w="med" len="med"/>
+                      <a:tailEnd type="none" w="med" len="med"/>
+                    </a:lnT>
+                    <a:lnB w="12700" cap="flat" cmpd="sng" algn="ctr">
+                      <a:solidFill>
+                        <a:schemeClr val="tx1"/>
+                      </a:solidFill>
+                      <a:prstDash val="solid"/>
+                      <a:round/>
+                      <a:headEnd type="none" w="med" len="med"/>
+                      <a:tailEnd type="none" w="med" len="med"/>
+                    </a:lnB>
+                    <a:solidFill>
+                      <a:srgbClr val="FFC000"/>
+                    </a:solidFill>
+                  </a:tcPr>
+                </a:tc>
+                <a:tc>
+                  <a:txBody>
+                    <a:bodyPr/>
+                    <a:lstStyle/>
+                    <a:p>
+                      <a:endParaRPr lang="en-US" dirty="0"/>
+                    </a:p>
+                  </a:txBody>
+                  <a:tcPr>
+                    <a:lnL w="12700" cap="flat" cmpd="sng" algn="ctr">
+                      <a:solidFill>
+                        <a:schemeClr val="tx1"/>
+                      </a:solidFill>
+                      <a:prstDash val="solid"/>
+                      <a:round/>
+                      <a:headEnd type="none" w="med" len="med"/>
+                      <a:tailEnd type="none" w="med" len="med"/>
+                    </a:lnL>
+                    <a:lnR w="12700" cap="flat" cmpd="sng" algn="ctr">
+                      <a:solidFill>
+                        <a:schemeClr val="tx1"/>
+                      </a:solidFill>
+                      <a:prstDash val="solid"/>
+                      <a:round/>
+                      <a:headEnd type="none" w="med" len="med"/>
+                      <a:tailEnd type="none" w="med" len="med"/>
+                    </a:lnR>
+                    <a:lnT w="12700" cap="flat" cmpd="sng" algn="ctr">
+                      <a:solidFill>
+                        <a:schemeClr val="tx1"/>
+                      </a:solidFill>
+                      <a:prstDash val="solid"/>
+                      <a:round/>
+                      <a:headEnd type="none" w="med" len="med"/>
+                      <a:tailEnd type="none" w="med" len="med"/>
+                    </a:lnT>
+                    <a:lnB w="12700" cap="flat" cmpd="sng" algn="ctr">
+                      <a:solidFill>
+                        <a:schemeClr val="tx1"/>
+                      </a:solidFill>
+                      <a:prstDash val="solid"/>
+                      <a:round/>
+                      <a:headEnd type="none" w="med" len="med"/>
+                      <a:tailEnd type="none" w="med" len="med"/>
+                    </a:lnB>
+                    <a:noFill/>
+                  </a:tcPr>
+                </a:tc>
+                <a:tc>
+                  <a:txBody>
+                    <a:bodyPr/>
+                    <a:lstStyle/>
+                    <a:p>
+                      <a:endParaRPr lang="en-US" dirty="0"/>
+                    </a:p>
+                  </a:txBody>
+                  <a:tcPr>
+                    <a:lnL w="12700" cap="flat" cmpd="sng" algn="ctr">
+                      <a:solidFill>
+                        <a:schemeClr val="tx1"/>
+                      </a:solidFill>
+                      <a:prstDash val="solid"/>
+                      <a:round/>
+                      <a:headEnd type="none" w="med" len="med"/>
+                      <a:tailEnd type="none" w="med" len="med"/>
+                    </a:lnL>
+                    <a:lnR w="12700" cap="flat" cmpd="sng" algn="ctr">
+                      <a:solidFill>
+                        <a:schemeClr val="tx1"/>
+                      </a:solidFill>
+                      <a:prstDash val="solid"/>
+                      <a:round/>
+                      <a:headEnd type="none" w="med" len="med"/>
+                      <a:tailEnd type="none" w="med" len="med"/>
+                    </a:lnR>
+                    <a:lnT w="12700" cap="flat" cmpd="sng" algn="ctr">
+                      <a:solidFill>
+                        <a:schemeClr val="tx1"/>
+                      </a:solidFill>
+                      <a:prstDash val="solid"/>
+                      <a:round/>
+                      <a:headEnd type="none" w="med" len="med"/>
+                      <a:tailEnd type="none" w="med" len="med"/>
+                    </a:lnT>
+                    <a:lnB w="12700" cap="flat" cmpd="sng" algn="ctr">
+                      <a:solidFill>
+                        <a:schemeClr val="tx1"/>
+                      </a:solidFill>
+                      <a:prstDash val="solid"/>
+                      <a:round/>
+                      <a:headEnd type="none" w="med" len="med"/>
+                      <a:tailEnd type="none" w="med" len="med"/>
+                    </a:lnB>
+                    <a:solidFill>
+                      <a:schemeClr val="accent1">
+                        <a:lumMod val="60000"/>
+                        <a:lumOff val="40000"/>
+                      </a:schemeClr>
+                    </a:solidFill>
+                  </a:tcPr>
+                </a:tc>
+                <a:tc>
+                  <a:txBody>
+                    <a:bodyPr/>
+                    <a:lstStyle/>
+                    <a:p>
+                      <a:endParaRPr lang="en-US" dirty="0"/>
+                    </a:p>
+                  </a:txBody>
+                  <a:tcPr>
+                    <a:lnL w="12700" cap="flat" cmpd="sng" algn="ctr">
+                      <a:solidFill>
+                        <a:schemeClr val="tx1"/>
+                      </a:solidFill>
+                      <a:prstDash val="solid"/>
+                      <a:round/>
+                      <a:headEnd type="none" w="med" len="med"/>
+                      <a:tailEnd type="none" w="med" len="med"/>
+                    </a:lnL>
+                    <a:lnR w="12700" cap="flat" cmpd="sng" algn="ctr">
+                      <a:solidFill>
+                        <a:schemeClr val="tx1"/>
+                      </a:solidFill>
+                      <a:prstDash val="solid"/>
+                      <a:round/>
+                      <a:headEnd type="none" w="med" len="med"/>
+                      <a:tailEnd type="none" w="med" len="med"/>
+                    </a:lnR>
+                    <a:lnT w="12700" cap="flat" cmpd="sng" algn="ctr">
+                      <a:solidFill>
+                        <a:schemeClr val="tx1"/>
+                      </a:solidFill>
+                      <a:prstDash val="solid"/>
+                      <a:round/>
+                      <a:headEnd type="none" w="med" len="med"/>
+                      <a:tailEnd type="none" w="med" len="med"/>
+                    </a:lnT>
+                    <a:lnB w="12700" cap="flat" cmpd="sng" algn="ctr">
+                      <a:solidFill>
+                        <a:schemeClr val="tx1"/>
+                      </a:solidFill>
+                      <a:prstDash val="solid"/>
+                      <a:round/>
+                      <a:headEnd type="none" w="med" len="med"/>
+                      <a:tailEnd type="none" w="med" len="med"/>
+                    </a:lnB>
+                    <a:solidFill>
+                      <a:srgbClr val="00B050"/>
+                    </a:solidFill>
+                  </a:tcPr>
+                </a:tc>
+                <a:extLst>
+                  <a:ext uri="{0D108BD9-81ED-4DB2-BD59-A6C34878D82A}">
+                    <a16:rowId xmlns:a16="http://schemas.microsoft.com/office/drawing/2014/main" val="3819574984"/>
+                  </a:ext>
+                </a:extLst>
+              </a:tr>
+            </a:tbl>
+          </a:graphicData>
+        </a:graphic>
+      </p:graphicFrame>
+    </p:spTree>
+    <p:extLst>
+      <p:ext uri="{BB962C8B-B14F-4D97-AF65-F5344CB8AC3E}">
+        <p14:creationId xmlns:p14="http://schemas.microsoft.com/office/powerpoint/2010/main" val="3949954360"/>
+      </p:ext>
+    </p:extLst>
+  </p:cSld>
+  <p:clrMapOvr>
+    <a:masterClrMapping/>
+  </p:clrMapOvr>
+</p:sld>
+</file>
+
+<file path=ppt/slides/slide4.xml><?xml version="1.0" encoding="utf-8"?>
+<p:sld xmlns:a="http://schemas.openxmlformats.org/drawingml/2006/main" xmlns:r="http://schemas.openxmlformats.org/officeDocument/2006/relationships" xmlns:p="http://schemas.openxmlformats.org/presentationml/2006/main">
+  <p:cSld>
+    <p:spTree>
+      <p:nvGrpSpPr>
+        <p:cNvPr id="1" name=""/>
+        <p:cNvGrpSpPr/>
+        <p:nvPr/>
+      </p:nvGrpSpPr>
+      <p:grpSpPr>
+        <a:xfrm>
+          <a:off x="0" y="0"/>
+          <a:ext cx="0" cy="0"/>
+          <a:chOff x="0" y="0"/>
+          <a:chExt cx="0" cy="0"/>
+        </a:xfrm>
+      </p:grpSpPr>
+      <p:graphicFrame>
+        <p:nvGraphicFramePr>
+          <p:cNvPr id="5" name="Table 4">
+            <a:extLst>
+              <a:ext uri="{FF2B5EF4-FFF2-40B4-BE49-F238E27FC236}">
+                <a16:creationId xmlns:a16="http://schemas.microsoft.com/office/drawing/2014/main" id="{265BD55A-FA04-459D-8CBA-769F0C42D5AF}"/>
+              </a:ext>
+            </a:extLst>
+          </p:cNvPr>
+          <p:cNvGraphicFramePr>
+            <a:graphicFrameLocks noGrp="1"/>
+          </p:cNvGraphicFramePr>
+          <p:nvPr>
+            <p:extLst>
+              <p:ext uri="{D42A27DB-BD31-4B8C-83A1-F6EECF244321}">
+                <p14:modId xmlns:p14="http://schemas.microsoft.com/office/powerpoint/2010/main" val="179431976"/>
+              </p:ext>
+            </p:extLst>
+          </p:nvPr>
+        </p:nvGraphicFramePr>
+        <p:xfrm>
+          <a:off x="4792688" y="453716"/>
+          <a:ext cx="1190886" cy="1828800"/>
+        </p:xfrm>
+        <a:graphic>
+          <a:graphicData uri="http://schemas.openxmlformats.org/drawingml/2006/table">
+            <a:tbl>
+              <a:tblPr firstRow="1" bandRow="1">
+                <a:tableStyleId>{5C22544A-7EE6-4342-B048-85BDC9FD1C3A}</a:tableStyleId>
+              </a:tblPr>
+              <a:tblGrid>
+                <a:gridCol w="1190886">
+                  <a:extLst>
+                    <a:ext uri="{9D8B030D-6E8A-4147-A177-3AD203B41FA5}">
+                      <a16:colId xmlns:a16="http://schemas.microsoft.com/office/drawing/2014/main" val="1786286647"/>
+                    </a:ext>
+                  </a:extLst>
+                </a:gridCol>
+              </a:tblGrid>
+              <a:tr h="145947">
+                <a:tc>
+                  <a:txBody>
+                    <a:bodyPr/>
+                    <a:lstStyle/>
+                    <a:p>
+                      <a:endParaRPr lang="en-US" dirty="0"/>
+                    </a:p>
+                  </a:txBody>
+                  <a:tcPr>
+                    <a:lnL w="12700" cap="flat" cmpd="sng" algn="ctr">
+                      <a:solidFill>
+                        <a:schemeClr val="tx1"/>
+                      </a:solidFill>
+                      <a:prstDash val="solid"/>
+                      <a:round/>
+                      <a:headEnd type="none" w="med" len="med"/>
+                      <a:tailEnd type="none" w="med" len="med"/>
+                    </a:lnL>
+                    <a:lnR w="12700" cap="flat" cmpd="sng" algn="ctr">
+                      <a:solidFill>
+                        <a:schemeClr val="tx1"/>
+                      </a:solidFill>
+                      <a:prstDash val="solid"/>
+                      <a:round/>
+                      <a:headEnd type="none" w="med" len="med"/>
+                      <a:tailEnd type="none" w="med" len="med"/>
+                    </a:lnR>
+                    <a:lnT w="12700" cap="flat" cmpd="sng" algn="ctr">
+                      <a:solidFill>
+                        <a:schemeClr val="tx1"/>
+                      </a:solidFill>
+                      <a:prstDash val="solid"/>
+                      <a:round/>
+                      <a:headEnd type="none" w="med" len="med"/>
+                      <a:tailEnd type="none" w="med" len="med"/>
+                    </a:lnT>
+                    <a:lnB w="12700" cap="flat" cmpd="sng" algn="ctr">
+                      <a:solidFill>
+                        <a:schemeClr val="tx1"/>
+                      </a:solidFill>
+                      <a:prstDash val="solid"/>
+                      <a:round/>
+                      <a:headEnd type="none" w="med" len="med"/>
+                      <a:tailEnd type="none" w="med" len="med"/>
+                    </a:lnB>
+                    <a:solidFill>
+                      <a:schemeClr val="accent2">
+                        <a:lumMod val="40000"/>
+                        <a:lumOff val="60000"/>
+                      </a:schemeClr>
+                    </a:solidFill>
+                  </a:tcPr>
+                </a:tc>
+                <a:extLst>
+                  <a:ext uri="{0D108BD9-81ED-4DB2-BD59-A6C34878D82A}">
+                    <a16:rowId xmlns:a16="http://schemas.microsoft.com/office/drawing/2014/main" val="2023011616"/>
+                  </a:ext>
+                </a:extLst>
+              </a:tr>
+              <a:tr h="145947">
+                <a:tc>
+                  <a:txBody>
+                    <a:bodyPr/>
+                    <a:lstStyle/>
+                    <a:p>
+                      <a:endParaRPr lang="en-US" dirty="0"/>
+                    </a:p>
+                  </a:txBody>
+                  <a:tcPr>
+                    <a:lnL w="12700" cap="flat" cmpd="sng" algn="ctr">
+                      <a:solidFill>
+                        <a:schemeClr val="tx1"/>
+                      </a:solidFill>
+                      <a:prstDash val="solid"/>
+                      <a:round/>
+                      <a:headEnd type="none" w="med" len="med"/>
+                      <a:tailEnd type="none" w="med" len="med"/>
+                    </a:lnL>
+                    <a:lnR w="12700" cap="flat" cmpd="sng" algn="ctr">
+                      <a:solidFill>
+                        <a:schemeClr val="tx1"/>
+                      </a:solidFill>
+                      <a:prstDash val="solid"/>
+                      <a:round/>
+                      <a:headEnd type="none" w="med" len="med"/>
+                      <a:tailEnd type="none" w="med" len="med"/>
+                    </a:lnR>
+                    <a:lnT w="12700" cap="flat" cmpd="sng" algn="ctr">
+                      <a:solidFill>
+                        <a:schemeClr val="tx1"/>
+                      </a:solidFill>
+                      <a:prstDash val="solid"/>
+                      <a:round/>
+                      <a:headEnd type="none" w="med" len="med"/>
+                      <a:tailEnd type="none" w="med" len="med"/>
+                    </a:lnT>
+                    <a:lnB w="12700" cap="flat" cmpd="sng" algn="ctr">
+                      <a:solidFill>
+                        <a:schemeClr val="tx1"/>
+                      </a:solidFill>
+                      <a:prstDash val="solid"/>
+                      <a:round/>
+                      <a:headEnd type="none" w="med" len="med"/>
+                      <a:tailEnd type="none" w="med" len="med"/>
+                    </a:lnB>
+                    <a:solidFill>
+                      <a:schemeClr val="accent5">
+                        <a:lumMod val="40000"/>
+                        <a:lumOff val="60000"/>
+                      </a:schemeClr>
+                    </a:solidFill>
+                  </a:tcPr>
+                </a:tc>
+                <a:extLst>
+                  <a:ext uri="{0D108BD9-81ED-4DB2-BD59-A6C34878D82A}">
+                    <a16:rowId xmlns:a16="http://schemas.microsoft.com/office/drawing/2014/main" val="2180935315"/>
+                  </a:ext>
+                </a:extLst>
+              </a:tr>
+              <a:tr h="145947">
+                <a:tc>
+                  <a:txBody>
+                    <a:bodyPr/>
+                    <a:lstStyle/>
+                    <a:p>
+                      <a:endParaRPr lang="en-US" dirty="0"/>
+                    </a:p>
+                  </a:txBody>
+                  <a:tcPr>
+                    <a:lnL w="12700" cap="flat" cmpd="sng" algn="ctr">
+                      <a:solidFill>
+                        <a:schemeClr val="tx1"/>
+                      </a:solidFill>
+                      <a:prstDash val="solid"/>
+                      <a:round/>
+                      <a:headEnd type="none" w="med" len="med"/>
+                      <a:tailEnd type="none" w="med" len="med"/>
+                    </a:lnL>
+                    <a:lnR w="12700" cap="flat" cmpd="sng" algn="ctr">
+                      <a:solidFill>
+                        <a:schemeClr val="tx1"/>
+                      </a:solidFill>
+                      <a:prstDash val="solid"/>
+                      <a:round/>
+                      <a:headEnd type="none" w="med" len="med"/>
+                      <a:tailEnd type="none" w="med" len="med"/>
+                    </a:lnR>
+                    <a:lnT w="12700" cap="flat" cmpd="sng" algn="ctr">
+                      <a:solidFill>
+                        <a:schemeClr val="tx1"/>
+                      </a:solidFill>
+                      <a:prstDash val="solid"/>
+                      <a:round/>
+                      <a:headEnd type="none" w="med" len="med"/>
+                      <a:tailEnd type="none" w="med" len="med"/>
+                    </a:lnT>
+                    <a:lnB w="12700" cap="flat" cmpd="sng" algn="ctr">
+                      <a:solidFill>
+                        <a:schemeClr val="tx1"/>
+                      </a:solidFill>
+                      <a:prstDash val="solid"/>
+                      <a:round/>
+                      <a:headEnd type="none" w="med" len="med"/>
+                      <a:tailEnd type="none" w="med" len="med"/>
+                    </a:lnB>
+                    <a:solidFill>
+                      <a:schemeClr val="accent2">
+                        <a:lumMod val="40000"/>
+                        <a:lumOff val="60000"/>
+                      </a:schemeClr>
+                    </a:solidFill>
+                  </a:tcPr>
+                </a:tc>
+                <a:extLst>
+                  <a:ext uri="{0D108BD9-81ED-4DB2-BD59-A6C34878D82A}">
+                    <a16:rowId xmlns:a16="http://schemas.microsoft.com/office/drawing/2014/main" val="2615780617"/>
+                  </a:ext>
+                </a:extLst>
+              </a:tr>
+              <a:tr h="145947">
+                <a:tc>
+                  <a:txBody>
+                    <a:bodyPr/>
+                    <a:lstStyle/>
+                    <a:p>
+                      <a:endParaRPr lang="en-US" dirty="0"/>
+                    </a:p>
+                  </a:txBody>
+                  <a:tcPr>
+                    <a:lnL w="12700" cap="flat" cmpd="sng" algn="ctr">
+                      <a:solidFill>
+                        <a:schemeClr val="tx1"/>
+                      </a:solidFill>
+                      <a:prstDash val="solid"/>
+                      <a:round/>
+                      <a:headEnd type="none" w="med" len="med"/>
+                      <a:tailEnd type="none" w="med" len="med"/>
+                    </a:lnL>
+                    <a:lnR w="12700" cap="flat" cmpd="sng" algn="ctr">
+                      <a:solidFill>
+                        <a:schemeClr val="tx1"/>
+                      </a:solidFill>
+                      <a:prstDash val="solid"/>
+                      <a:round/>
+                      <a:headEnd type="none" w="med" len="med"/>
+                      <a:tailEnd type="none" w="med" len="med"/>
+                    </a:lnR>
+                    <a:lnT w="12700" cap="flat" cmpd="sng" algn="ctr">
+                      <a:solidFill>
+                        <a:schemeClr val="tx1"/>
+                      </a:solidFill>
+                      <a:prstDash val="solid"/>
+                      <a:round/>
+                      <a:headEnd type="none" w="med" len="med"/>
+                      <a:tailEnd type="none" w="med" len="med"/>
+                    </a:lnT>
+                    <a:lnB w="12700" cap="flat" cmpd="sng" algn="ctr">
+                      <a:solidFill>
+                        <a:schemeClr val="tx1"/>
+                      </a:solidFill>
+                      <a:prstDash val="solid"/>
+                      <a:round/>
+                      <a:headEnd type="none" w="med" len="med"/>
+                      <a:tailEnd type="none" w="med" len="med"/>
+                    </a:lnB>
+                    <a:solidFill>
+                      <a:schemeClr val="accent2">
+                        <a:lumMod val="40000"/>
+                        <a:lumOff val="60000"/>
+                      </a:schemeClr>
+                    </a:solidFill>
+                  </a:tcPr>
+                </a:tc>
+                <a:extLst>
+                  <a:ext uri="{0D108BD9-81ED-4DB2-BD59-A6C34878D82A}">
+                    <a16:rowId xmlns:a16="http://schemas.microsoft.com/office/drawing/2014/main" val="719889441"/>
+                  </a:ext>
+                </a:extLst>
+              </a:tr>
+              <a:tr h="145947">
+                <a:tc>
+                  <a:txBody>
+                    <a:bodyPr/>
+                    <a:lstStyle/>
+                    <a:p>
+                      <a:endParaRPr lang="en-US" dirty="0"/>
+                    </a:p>
+                  </a:txBody>
+                  <a:tcPr>
+                    <a:lnL w="12700" cap="flat" cmpd="sng" algn="ctr">
+                      <a:solidFill>
+                        <a:schemeClr val="tx1"/>
+                      </a:solidFill>
+                      <a:prstDash val="solid"/>
+                      <a:round/>
+                      <a:headEnd type="none" w="med" len="med"/>
+                      <a:tailEnd type="none" w="med" len="med"/>
+                    </a:lnL>
+                    <a:lnR w="12700" cap="flat" cmpd="sng" algn="ctr">
+                      <a:solidFill>
+                        <a:schemeClr val="tx1"/>
+                      </a:solidFill>
+                      <a:prstDash val="solid"/>
+                      <a:round/>
+                      <a:headEnd type="none" w="med" len="med"/>
+                      <a:tailEnd type="none" w="med" len="med"/>
+                    </a:lnR>
+                    <a:lnT w="12700" cap="flat" cmpd="sng" algn="ctr">
+                      <a:solidFill>
+                        <a:schemeClr val="tx1"/>
+                      </a:solidFill>
+                      <a:prstDash val="solid"/>
+                      <a:round/>
+                      <a:headEnd type="none" w="med" len="med"/>
+                      <a:tailEnd type="none" w="med" len="med"/>
+                    </a:lnT>
+                    <a:lnB w="12700" cap="flat" cmpd="sng" algn="ctr">
+                      <a:solidFill>
+                        <a:schemeClr val="tx1"/>
+                      </a:solidFill>
+                      <a:prstDash val="solid"/>
+                      <a:round/>
+                      <a:headEnd type="none" w="med" len="med"/>
+                      <a:tailEnd type="none" w="med" len="med"/>
+                    </a:lnB>
+                    <a:solidFill>
+                      <a:schemeClr val="accent5">
+                        <a:lumMod val="40000"/>
+                        <a:lumOff val="60000"/>
+                      </a:schemeClr>
+                    </a:solidFill>
+                  </a:tcPr>
+                </a:tc>
+                <a:extLst>
+                  <a:ext uri="{0D108BD9-81ED-4DB2-BD59-A6C34878D82A}">
+                    <a16:rowId xmlns:a16="http://schemas.microsoft.com/office/drawing/2014/main" val="546262901"/>
+                  </a:ext>
+                </a:extLst>
+              </a:tr>
+            </a:tbl>
+          </a:graphicData>
+        </a:graphic>
+      </p:graphicFrame>
+      <p:sp>
+        <p:nvSpPr>
+          <p:cNvPr id="3" name="TextBox 2">
+            <a:extLst>
+              <a:ext uri="{FF2B5EF4-FFF2-40B4-BE49-F238E27FC236}">
+                <a16:creationId xmlns:a16="http://schemas.microsoft.com/office/drawing/2014/main" id="{A21C02EE-5A9B-4F98-905B-C445B66B446F}"/>
+              </a:ext>
+            </a:extLst>
+          </p:cNvPr>
+          <p:cNvSpPr txBox="1"/>
+          <p:nvPr/>
+        </p:nvSpPr>
+        <p:spPr>
+          <a:xfrm>
+            <a:off x="0" y="1304142"/>
+            <a:ext cx="2117887" cy="523220"/>
+          </a:xfrm>
+          <a:prstGeom prst="rect">
+            <a:avLst/>
+          </a:prstGeom>
+          <a:noFill/>
+        </p:spPr>
+        <p:txBody>
+          <a:bodyPr wrap="none" rtlCol="0">
+            <a:spAutoFit/>
+          </a:bodyPr>
+          <a:lstStyle/>
+          <a:p>
+            <a:r>
+              <a:rPr lang="en-US" sz="2800" dirty="0" err="1">
+                <a:latin typeface="Courier New" panose="02070309020205020404" pitchFamily="49" charset="0"/>
+                <a:cs typeface="Courier New" panose="02070309020205020404" pitchFamily="49" charset="0"/>
+              </a:rPr>
+              <a:t>summarise</a:t>
+            </a:r>
+            <a:endParaRPr lang="en-US" sz="2800" dirty="0">
+              <a:latin typeface="Courier New" panose="02070309020205020404" pitchFamily="49" charset="0"/>
+              <a:cs typeface="Courier New" panose="02070309020205020404" pitchFamily="49" charset="0"/>
+            </a:endParaRPr>
+          </a:p>
+        </p:txBody>
+      </p:sp>
+      <p:graphicFrame>
+        <p:nvGraphicFramePr>
+          <p:cNvPr id="4" name="Table 4">
+            <a:extLst>
+              <a:ext uri="{FF2B5EF4-FFF2-40B4-BE49-F238E27FC236}">
+                <a16:creationId xmlns:a16="http://schemas.microsoft.com/office/drawing/2014/main" id="{9A099858-4B95-4DBC-93E2-4D07BBAAA88E}"/>
+              </a:ext>
+            </a:extLst>
+          </p:cNvPr>
+          <p:cNvGraphicFramePr>
+            <a:graphicFrameLocks noGrp="1"/>
+          </p:cNvGraphicFramePr>
+          <p:nvPr/>
+        </p:nvGraphicFramePr>
+        <p:xfrm>
+          <a:off x="2181901" y="514449"/>
+          <a:ext cx="1190886" cy="1828800"/>
+        </p:xfrm>
+        <a:graphic>
+          <a:graphicData uri="http://schemas.openxmlformats.org/drawingml/2006/table">
+            <a:tbl>
+              <a:tblPr firstRow="1" bandRow="1">
+                <a:tableStyleId>{5C22544A-7EE6-4342-B048-85BDC9FD1C3A}</a:tableStyleId>
+              </a:tblPr>
+              <a:tblGrid>
+                <a:gridCol w="1190886">
+                  <a:extLst>
+                    <a:ext uri="{9D8B030D-6E8A-4147-A177-3AD203B41FA5}">
+                      <a16:colId xmlns:a16="http://schemas.microsoft.com/office/drawing/2014/main" val="1786286647"/>
+                    </a:ext>
+                  </a:extLst>
+                </a:gridCol>
+              </a:tblGrid>
+              <a:tr h="145947">
+                <a:tc>
+                  <a:txBody>
+                    <a:bodyPr/>
+                    <a:lstStyle/>
+                    <a:p>
+                      <a:endParaRPr lang="en-US" dirty="0"/>
+                    </a:p>
+                  </a:txBody>
+                  <a:tcPr>
+                    <a:lnL w="12700" cap="flat" cmpd="sng" algn="ctr">
+                      <a:solidFill>
+                        <a:schemeClr val="tx1"/>
+                      </a:solidFill>
+                      <a:prstDash val="solid"/>
+                      <a:round/>
+                      <a:headEnd type="none" w="med" len="med"/>
+                      <a:tailEnd type="none" w="med" len="med"/>
+                    </a:lnL>
+                    <a:lnR w="12700" cap="flat" cmpd="sng" algn="ctr">
+                      <a:solidFill>
+                        <a:schemeClr val="tx1"/>
+                      </a:solidFill>
+                      <a:prstDash val="solid"/>
+                      <a:round/>
+                      <a:headEnd type="none" w="med" len="med"/>
+                      <a:tailEnd type="none" w="med" len="med"/>
+                    </a:lnR>
+                    <a:lnT w="12700" cap="flat" cmpd="sng" algn="ctr">
+                      <a:solidFill>
+                        <a:schemeClr val="tx1"/>
+                      </a:solidFill>
+                      <a:prstDash val="solid"/>
+                      <a:round/>
+                      <a:headEnd type="none" w="med" len="med"/>
+                      <a:tailEnd type="none" w="med" len="med"/>
+                    </a:lnT>
+                    <a:lnB w="12700" cap="flat" cmpd="sng" algn="ctr">
+                      <a:solidFill>
+                        <a:schemeClr val="tx1"/>
+                      </a:solidFill>
+                      <a:prstDash val="solid"/>
+                      <a:round/>
+                      <a:headEnd type="none" w="med" len="med"/>
+                      <a:tailEnd type="none" w="med" len="med"/>
+                    </a:lnB>
+                    <a:noFill/>
+                  </a:tcPr>
+                </a:tc>
+                <a:extLst>
+                  <a:ext uri="{0D108BD9-81ED-4DB2-BD59-A6C34878D82A}">
+                    <a16:rowId xmlns:a16="http://schemas.microsoft.com/office/drawing/2014/main" val="2023011616"/>
+                  </a:ext>
+                </a:extLst>
+              </a:tr>
+              <a:tr h="145947">
+                <a:tc>
+                  <a:txBody>
+                    <a:bodyPr/>
+                    <a:lstStyle/>
+                    <a:p>
+                      <a:endParaRPr lang="en-US" dirty="0"/>
+                    </a:p>
+                  </a:txBody>
+                  <a:tcPr>
+                    <a:lnL w="12700" cap="flat" cmpd="sng" algn="ctr">
+                      <a:solidFill>
+                        <a:schemeClr val="tx1"/>
+                      </a:solidFill>
+                      <a:prstDash val="solid"/>
+                      <a:round/>
+                      <a:headEnd type="none" w="med" len="med"/>
+                      <a:tailEnd type="none" w="med" len="med"/>
+                    </a:lnL>
+                    <a:lnR w="12700" cap="flat" cmpd="sng" algn="ctr">
+                      <a:solidFill>
+                        <a:schemeClr val="tx1"/>
+                      </a:solidFill>
+                      <a:prstDash val="solid"/>
+                      <a:round/>
+                      <a:headEnd type="none" w="med" len="med"/>
+                      <a:tailEnd type="none" w="med" len="med"/>
+                    </a:lnR>
+                    <a:lnT w="12700" cap="flat" cmpd="sng" algn="ctr">
+                      <a:solidFill>
+                        <a:schemeClr val="tx1"/>
+                      </a:solidFill>
+                      <a:prstDash val="solid"/>
+                      <a:round/>
+                      <a:headEnd type="none" w="med" len="med"/>
+                      <a:tailEnd type="none" w="med" len="med"/>
+                    </a:lnT>
+                    <a:lnB w="12700" cap="flat" cmpd="sng" algn="ctr">
+                      <a:solidFill>
+                        <a:schemeClr val="tx1"/>
+                      </a:solidFill>
+                      <a:prstDash val="solid"/>
+                      <a:round/>
+                      <a:headEnd type="none" w="med" len="med"/>
+                      <a:tailEnd type="none" w="med" len="med"/>
+                    </a:lnB>
+                    <a:noFill/>
+                  </a:tcPr>
+                </a:tc>
+                <a:extLst>
+                  <a:ext uri="{0D108BD9-81ED-4DB2-BD59-A6C34878D82A}">
+                    <a16:rowId xmlns:a16="http://schemas.microsoft.com/office/drawing/2014/main" val="2180935315"/>
+                  </a:ext>
+                </a:extLst>
+              </a:tr>
+              <a:tr h="145947">
+                <a:tc>
+                  <a:txBody>
+                    <a:bodyPr/>
+                    <a:lstStyle/>
+                    <a:p>
+                      <a:endParaRPr lang="en-US"/>
+                    </a:p>
+                  </a:txBody>
+                  <a:tcPr>
+                    <a:lnL w="12700" cap="flat" cmpd="sng" algn="ctr">
+                      <a:solidFill>
+                        <a:schemeClr val="tx1"/>
+                      </a:solidFill>
+                      <a:prstDash val="solid"/>
+                      <a:round/>
+                      <a:headEnd type="none" w="med" len="med"/>
+                      <a:tailEnd type="none" w="med" len="med"/>
+                    </a:lnL>
+                    <a:lnR w="12700" cap="flat" cmpd="sng" algn="ctr">
+                      <a:solidFill>
+                        <a:schemeClr val="tx1"/>
+                      </a:solidFill>
+                      <a:prstDash val="solid"/>
+                      <a:round/>
+                      <a:headEnd type="none" w="med" len="med"/>
+                      <a:tailEnd type="none" w="med" len="med"/>
+                    </a:lnR>
+                    <a:lnT w="12700" cap="flat" cmpd="sng" algn="ctr">
+                      <a:solidFill>
+                        <a:schemeClr val="tx1"/>
+                      </a:solidFill>
+                      <a:prstDash val="solid"/>
+                      <a:round/>
+                      <a:headEnd type="none" w="med" len="med"/>
+                      <a:tailEnd type="none" w="med" len="med"/>
+                    </a:lnT>
+                    <a:lnB w="12700" cap="flat" cmpd="sng" algn="ctr">
+                      <a:solidFill>
+                        <a:schemeClr val="tx1"/>
+                      </a:solidFill>
+                      <a:prstDash val="solid"/>
+                      <a:round/>
+                      <a:headEnd type="none" w="med" len="med"/>
+                      <a:tailEnd type="none" w="med" len="med"/>
+                    </a:lnB>
+                    <a:noFill/>
+                  </a:tcPr>
+                </a:tc>
+                <a:extLst>
+                  <a:ext uri="{0D108BD9-81ED-4DB2-BD59-A6C34878D82A}">
+                    <a16:rowId xmlns:a16="http://schemas.microsoft.com/office/drawing/2014/main" val="2615780617"/>
+                  </a:ext>
+                </a:extLst>
+              </a:tr>
+              <a:tr h="145947">
+                <a:tc>
+                  <a:txBody>
+                    <a:bodyPr/>
+                    <a:lstStyle/>
+                    <a:p>
+                      <a:endParaRPr lang="en-US" dirty="0"/>
+                    </a:p>
+                  </a:txBody>
+                  <a:tcPr>
+                    <a:lnL w="12700" cap="flat" cmpd="sng" algn="ctr">
+                      <a:solidFill>
+                        <a:schemeClr val="tx1"/>
+                      </a:solidFill>
+                      <a:prstDash val="solid"/>
+                      <a:round/>
+                      <a:headEnd type="none" w="med" len="med"/>
+                      <a:tailEnd type="none" w="med" len="med"/>
+                    </a:lnL>
+                    <a:lnR w="12700" cap="flat" cmpd="sng" algn="ctr">
+                      <a:solidFill>
+                        <a:schemeClr val="tx1"/>
+                      </a:solidFill>
+                      <a:prstDash val="solid"/>
+                      <a:round/>
+                      <a:headEnd type="none" w="med" len="med"/>
+                      <a:tailEnd type="none" w="med" len="med"/>
+                    </a:lnR>
+                    <a:lnT w="12700" cap="flat" cmpd="sng" algn="ctr">
+                      <a:solidFill>
+                        <a:schemeClr val="tx1"/>
+                      </a:solidFill>
+                      <a:prstDash val="solid"/>
+                      <a:round/>
+                      <a:headEnd type="none" w="med" len="med"/>
+                      <a:tailEnd type="none" w="med" len="med"/>
+                    </a:lnT>
+                    <a:lnB w="12700" cap="flat" cmpd="sng" algn="ctr">
+                      <a:solidFill>
+                        <a:schemeClr val="tx1"/>
+                      </a:solidFill>
+                      <a:prstDash val="solid"/>
+                      <a:round/>
+                      <a:headEnd type="none" w="med" len="med"/>
+                      <a:tailEnd type="none" w="med" len="med"/>
+                    </a:lnB>
+                    <a:noFill/>
+                  </a:tcPr>
+                </a:tc>
+                <a:extLst>
+                  <a:ext uri="{0D108BD9-81ED-4DB2-BD59-A6C34878D82A}">
+                    <a16:rowId xmlns:a16="http://schemas.microsoft.com/office/drawing/2014/main" val="719889441"/>
+                  </a:ext>
+                </a:extLst>
+              </a:tr>
+              <a:tr h="145947">
+                <a:tc>
+                  <a:txBody>
+                    <a:bodyPr/>
+                    <a:lstStyle/>
+                    <a:p>
+                      <a:endParaRPr lang="en-US" dirty="0"/>
+                    </a:p>
+                  </a:txBody>
+                  <a:tcPr>
+                    <a:lnL w="12700" cap="flat" cmpd="sng" algn="ctr">
+                      <a:solidFill>
+                        <a:schemeClr val="tx1"/>
+                      </a:solidFill>
+                      <a:prstDash val="solid"/>
+                      <a:round/>
+                      <a:headEnd type="none" w="med" len="med"/>
+                      <a:tailEnd type="none" w="med" len="med"/>
+                    </a:lnL>
+                    <a:lnR w="12700" cap="flat" cmpd="sng" algn="ctr">
+                      <a:solidFill>
+                        <a:schemeClr val="tx1"/>
+                      </a:solidFill>
+                      <a:prstDash val="solid"/>
+                      <a:round/>
+                      <a:headEnd type="none" w="med" len="med"/>
+                      <a:tailEnd type="none" w="med" len="med"/>
+                    </a:lnR>
+                    <a:lnT w="12700" cap="flat" cmpd="sng" algn="ctr">
+                      <a:solidFill>
+                        <a:schemeClr val="tx1"/>
+                      </a:solidFill>
+                      <a:prstDash val="solid"/>
+                      <a:round/>
+                      <a:headEnd type="none" w="med" len="med"/>
+                      <a:tailEnd type="none" w="med" len="med"/>
+                    </a:lnT>
+                    <a:lnB w="12700" cap="flat" cmpd="sng" algn="ctr">
+                      <a:solidFill>
+                        <a:schemeClr val="tx1"/>
+                      </a:solidFill>
+                      <a:prstDash val="solid"/>
+                      <a:round/>
+                      <a:headEnd type="none" w="med" len="med"/>
+                      <a:tailEnd type="none" w="med" len="med"/>
+                    </a:lnB>
+                    <a:noFill/>
+                  </a:tcPr>
+                </a:tc>
+                <a:extLst>
+                  <a:ext uri="{0D108BD9-81ED-4DB2-BD59-A6C34878D82A}">
+                    <a16:rowId xmlns:a16="http://schemas.microsoft.com/office/drawing/2014/main" val="546262901"/>
+                  </a:ext>
+                </a:extLst>
+              </a:tr>
+            </a:tbl>
+          </a:graphicData>
+        </a:graphic>
+      </p:graphicFrame>
+      <p:graphicFrame>
+        <p:nvGraphicFramePr>
+          <p:cNvPr id="6" name="Table 4">
+            <a:extLst>
+              <a:ext uri="{FF2B5EF4-FFF2-40B4-BE49-F238E27FC236}">
+                <a16:creationId xmlns:a16="http://schemas.microsoft.com/office/drawing/2014/main" id="{BFFE06A7-7663-4BFC-A931-3B4575DD4F7A}"/>
+              </a:ext>
+            </a:extLst>
+          </p:cNvPr>
+          <p:cNvGraphicFramePr>
+            <a:graphicFrameLocks noGrp="1"/>
+          </p:cNvGraphicFramePr>
+          <p:nvPr>
+            <p:extLst>
+              <p:ext uri="{D42A27DB-BD31-4B8C-83A1-F6EECF244321}">
+                <p14:modId xmlns:p14="http://schemas.microsoft.com/office/powerpoint/2010/main" val="1940558796"/>
+              </p:ext>
+            </p:extLst>
+          </p:nvPr>
+        </p:nvGraphicFramePr>
+        <p:xfrm>
+          <a:off x="7757407" y="884419"/>
+          <a:ext cx="1249182" cy="768255"/>
+        </p:xfrm>
+        <a:graphic>
+          <a:graphicData uri="http://schemas.openxmlformats.org/drawingml/2006/table">
+            <a:tbl>
+              <a:tblPr firstRow="1" bandRow="1">
+                <a:tableStyleId>{5C22544A-7EE6-4342-B048-85BDC9FD1C3A}</a:tableStyleId>
+              </a:tblPr>
+              <a:tblGrid>
+                <a:gridCol w="1249182">
+                  <a:extLst>
+                    <a:ext uri="{9D8B030D-6E8A-4147-A177-3AD203B41FA5}">
+                      <a16:colId xmlns:a16="http://schemas.microsoft.com/office/drawing/2014/main" val="1786286647"/>
+                    </a:ext>
+                  </a:extLst>
+                </a:gridCol>
+              </a:tblGrid>
+              <a:tr h="252175">
+                <a:tc>
+                  <a:txBody>
+                    <a:bodyPr/>
+                    <a:lstStyle/>
+                    <a:p>
+                      <a:endParaRPr lang="en-US" dirty="0"/>
+                    </a:p>
+                  </a:txBody>
+                  <a:tcPr>
+                    <a:lnL w="12700" cap="flat" cmpd="sng" algn="ctr">
+                      <a:solidFill>
+                        <a:schemeClr val="tx1"/>
+                      </a:solidFill>
+                      <a:prstDash val="solid"/>
+                      <a:round/>
+                      <a:headEnd type="none" w="med" len="med"/>
+                      <a:tailEnd type="none" w="med" len="med"/>
+                    </a:lnL>
+                    <a:lnR w="12700" cap="flat" cmpd="sng" algn="ctr">
+                      <a:solidFill>
+                        <a:schemeClr val="tx1"/>
+                      </a:solidFill>
+                      <a:prstDash val="solid"/>
+                      <a:round/>
+                      <a:headEnd type="none" w="med" len="med"/>
+                      <a:tailEnd type="none" w="med" len="med"/>
+                    </a:lnR>
+                    <a:lnT w="12700" cap="flat" cmpd="sng" algn="ctr">
+                      <a:solidFill>
+                        <a:schemeClr val="tx1"/>
+                      </a:solidFill>
+                      <a:prstDash val="solid"/>
+                      <a:round/>
+                      <a:headEnd type="none" w="med" len="med"/>
+                      <a:tailEnd type="none" w="med" len="med"/>
+                    </a:lnT>
+                    <a:lnB w="12700" cap="flat" cmpd="sng" algn="ctr">
+                      <a:solidFill>
+                        <a:schemeClr val="tx1"/>
+                      </a:solidFill>
+                      <a:prstDash val="solid"/>
+                      <a:round/>
+                      <a:headEnd type="none" w="med" len="med"/>
+                      <a:tailEnd type="none" w="med" len="med"/>
+                    </a:lnB>
+                    <a:solidFill>
+                      <a:schemeClr val="accent2">
+                        <a:lumMod val="75000"/>
+                      </a:schemeClr>
+                    </a:solidFill>
+                  </a:tcPr>
+                </a:tc>
+                <a:extLst>
+                  <a:ext uri="{0D108BD9-81ED-4DB2-BD59-A6C34878D82A}">
+                    <a16:rowId xmlns:a16="http://schemas.microsoft.com/office/drawing/2014/main" val="2023011616"/>
+                  </a:ext>
+                </a:extLst>
+              </a:tr>
+              <a:tr h="402495">
+                <a:tc>
+                  <a:txBody>
+                    <a:bodyPr/>
+                    <a:lstStyle/>
+                    <a:p>
+                      <a:endParaRPr lang="en-US" dirty="0"/>
+                    </a:p>
+                  </a:txBody>
+                  <a:tcPr>
+                    <a:lnL w="12700" cap="flat" cmpd="sng" algn="ctr">
+                      <a:solidFill>
+                        <a:schemeClr val="tx1"/>
+                      </a:solidFill>
+                      <a:prstDash val="solid"/>
+                      <a:round/>
+                      <a:headEnd type="none" w="med" len="med"/>
+                      <a:tailEnd type="none" w="med" len="med"/>
+                    </a:lnL>
+                    <a:lnR w="12700" cap="flat" cmpd="sng" algn="ctr">
+                      <a:solidFill>
+                        <a:schemeClr val="tx1"/>
+                      </a:solidFill>
+                      <a:prstDash val="solid"/>
+                      <a:round/>
+                      <a:headEnd type="none" w="med" len="med"/>
+                      <a:tailEnd type="none" w="med" len="med"/>
+                    </a:lnR>
+                    <a:lnT w="12700" cap="flat" cmpd="sng" algn="ctr">
+                      <a:solidFill>
+                        <a:schemeClr val="tx1"/>
+                      </a:solidFill>
+                      <a:prstDash val="solid"/>
+                      <a:round/>
+                      <a:headEnd type="none" w="med" len="med"/>
+                      <a:tailEnd type="none" w="med" len="med"/>
+                    </a:lnT>
+                    <a:lnB w="12700" cap="flat" cmpd="sng" algn="ctr">
+                      <a:solidFill>
+                        <a:schemeClr val="tx1"/>
+                      </a:solidFill>
+                      <a:prstDash val="solid"/>
+                      <a:round/>
+                      <a:headEnd type="none" w="med" len="med"/>
+                      <a:tailEnd type="none" w="med" len="med"/>
+                    </a:lnB>
+                    <a:solidFill>
+                      <a:schemeClr val="accent1">
+                        <a:lumMod val="75000"/>
+                      </a:schemeClr>
+                    </a:solidFill>
+                  </a:tcPr>
+                </a:tc>
+                <a:extLst>
+                  <a:ext uri="{0D108BD9-81ED-4DB2-BD59-A6C34878D82A}">
+                    <a16:rowId xmlns:a16="http://schemas.microsoft.com/office/drawing/2014/main" val="2180935315"/>
+                  </a:ext>
+                </a:extLst>
+              </a:tr>
+            </a:tbl>
+          </a:graphicData>
+        </a:graphic>
+      </p:graphicFrame>
+      <p:sp>
+        <p:nvSpPr>
+          <p:cNvPr id="7" name="Arrow: Right 6">
+            <a:extLst>
+              <a:ext uri="{FF2B5EF4-FFF2-40B4-BE49-F238E27FC236}">
+                <a16:creationId xmlns:a16="http://schemas.microsoft.com/office/drawing/2014/main" id="{E51E1A50-BC56-4481-BA94-ABFC0AF22673}"/>
+              </a:ext>
+            </a:extLst>
+          </p:cNvPr>
+          <p:cNvSpPr/>
+          <p:nvPr/>
+        </p:nvSpPr>
+        <p:spPr>
+          <a:xfrm>
+            <a:off x="3460496" y="1428849"/>
+            <a:ext cx="1190886" cy="235059"/>
+          </a:xfrm>
+          <a:prstGeom prst="rightArrow">
+            <a:avLst/>
+          </a:prstGeom>
+        </p:spPr>
+        <p:style>
+          <a:lnRef idx="2">
+            <a:schemeClr val="accent1">
+              <a:shade val="50000"/>
+            </a:schemeClr>
+          </a:lnRef>
+          <a:fillRef idx="1">
+            <a:schemeClr val="accent1"/>
+          </a:fillRef>
+          <a:effectRef idx="0">
+            <a:schemeClr val="accent1"/>
+          </a:effectRef>
+          <a:fontRef idx="minor">
+            <a:schemeClr val="lt1"/>
+          </a:fontRef>
+        </p:style>
+        <p:txBody>
+          <a:bodyPr rtlCol="0" anchor="ctr"/>
+          <a:lstStyle/>
+          <a:p>
+            <a:pPr algn="ctr"/>
+            <a:endParaRPr lang="en-US"/>
+          </a:p>
+        </p:txBody>
+      </p:sp>
+      <p:sp>
+        <p:nvSpPr>
+          <p:cNvPr id="8" name="Arrow: Right 7">
+            <a:extLst>
+              <a:ext uri="{FF2B5EF4-FFF2-40B4-BE49-F238E27FC236}">
+                <a16:creationId xmlns:a16="http://schemas.microsoft.com/office/drawing/2014/main" id="{47941FF4-097C-4A78-9405-DA9A77277AB9}"/>
+              </a:ext>
+            </a:extLst>
+          </p:cNvPr>
+          <p:cNvSpPr/>
+          <p:nvPr/>
+        </p:nvSpPr>
+        <p:spPr>
+          <a:xfrm>
+            <a:off x="6223683" y="1479001"/>
+            <a:ext cx="1190886" cy="235059"/>
+          </a:xfrm>
+          <a:prstGeom prst="rightArrow">
+            <a:avLst/>
+          </a:prstGeom>
+        </p:spPr>
+        <p:style>
+          <a:lnRef idx="2">
+            <a:schemeClr val="accent1">
+              <a:shade val="50000"/>
+            </a:schemeClr>
+          </a:lnRef>
+          <a:fillRef idx="1">
+            <a:schemeClr val="accent1"/>
+          </a:fillRef>
+          <a:effectRef idx="0">
+            <a:schemeClr val="accent1"/>
+          </a:effectRef>
+          <a:fontRef idx="minor">
+            <a:schemeClr val="lt1"/>
+          </a:fontRef>
+        </p:style>
+        <p:txBody>
+          <a:bodyPr rtlCol="0" anchor="ctr"/>
+          <a:lstStyle/>
+          <a:p>
+            <a:pPr algn="ctr"/>
+            <a:endParaRPr lang="en-US" dirty="0">
+              <a:highlight>
+                <a:srgbClr val="FFFF00"/>
+              </a:highlight>
+            </a:endParaRPr>
+          </a:p>
+        </p:txBody>
+      </p:sp>
+      <p:sp>
+        <p:nvSpPr>
+          <p:cNvPr id="11" name="TextBox 10">
+            <a:extLst>
+              <a:ext uri="{FF2B5EF4-FFF2-40B4-BE49-F238E27FC236}">
+                <a16:creationId xmlns:a16="http://schemas.microsoft.com/office/drawing/2014/main" id="{3FAFD5E1-6CD7-4F10-B7BA-33F59462FE4F}"/>
+              </a:ext>
+            </a:extLst>
+          </p:cNvPr>
+          <p:cNvSpPr txBox="1"/>
+          <p:nvPr/>
+        </p:nvSpPr>
+        <p:spPr>
+          <a:xfrm>
+            <a:off x="102591" y="3305318"/>
+            <a:ext cx="1912703" cy="584775"/>
+          </a:xfrm>
+          <a:prstGeom prst="rect">
+            <a:avLst/>
+          </a:prstGeom>
+          <a:noFill/>
+        </p:spPr>
+        <p:txBody>
+          <a:bodyPr wrap="none" rtlCol="0">
+            <a:spAutoFit/>
+          </a:bodyPr>
+          <a:lstStyle/>
+          <a:p>
+            <a:r>
+              <a:rPr lang="en-US" sz="3200" dirty="0">
+                <a:latin typeface="Courier New" panose="02070309020205020404" pitchFamily="49" charset="0"/>
+                <a:cs typeface="Courier New" panose="02070309020205020404" pitchFamily="49" charset="0"/>
+              </a:rPr>
+              <a:t>arrange</a:t>
+            </a:r>
+          </a:p>
+        </p:txBody>
+      </p:sp>
+      <p:graphicFrame>
+        <p:nvGraphicFramePr>
+          <p:cNvPr id="20" name="Table 2">
+            <a:extLst>
+              <a:ext uri="{FF2B5EF4-FFF2-40B4-BE49-F238E27FC236}">
+                <a16:creationId xmlns:a16="http://schemas.microsoft.com/office/drawing/2014/main" id="{0D7B4ABD-0F3C-4417-8C2A-70CF5AD5C0F3}"/>
+              </a:ext>
+            </a:extLst>
+          </p:cNvPr>
+          <p:cNvGraphicFramePr>
+            <a:graphicFrameLocks noGrp="1"/>
+          </p:cNvGraphicFramePr>
+          <p:nvPr/>
+        </p:nvGraphicFramePr>
+        <p:xfrm>
+          <a:off x="2256850" y="4931965"/>
+          <a:ext cx="1565640" cy="1199075"/>
+        </p:xfrm>
+        <a:graphic>
+          <a:graphicData uri="http://schemas.openxmlformats.org/drawingml/2006/table">
+            <a:tbl>
+              <a:tblPr firstRow="1" bandRow="1">
+                <a:tableStyleId>{5C22544A-7EE6-4342-B048-85BDC9FD1C3A}</a:tableStyleId>
+              </a:tblPr>
+              <a:tblGrid>
+                <a:gridCol w="313128">
+                  <a:extLst>
+                    <a:ext uri="{9D8B030D-6E8A-4147-A177-3AD203B41FA5}">
+                      <a16:colId xmlns:a16="http://schemas.microsoft.com/office/drawing/2014/main" val="3333571149"/>
+                    </a:ext>
+                  </a:extLst>
+                </a:gridCol>
+                <a:gridCol w="313128">
+                  <a:extLst>
+                    <a:ext uri="{9D8B030D-6E8A-4147-A177-3AD203B41FA5}">
+                      <a16:colId xmlns:a16="http://schemas.microsoft.com/office/drawing/2014/main" val="1769296144"/>
+                    </a:ext>
+                  </a:extLst>
+                </a:gridCol>
+                <a:gridCol w="313128">
+                  <a:extLst>
+                    <a:ext uri="{9D8B030D-6E8A-4147-A177-3AD203B41FA5}">
+                      <a16:colId xmlns:a16="http://schemas.microsoft.com/office/drawing/2014/main" val="2391312541"/>
+                    </a:ext>
+                  </a:extLst>
+                </a:gridCol>
+                <a:gridCol w="313128">
+                  <a:extLst>
+                    <a:ext uri="{9D8B030D-6E8A-4147-A177-3AD203B41FA5}">
+                      <a16:colId xmlns:a16="http://schemas.microsoft.com/office/drawing/2014/main" val="3518580238"/>
+                    </a:ext>
+                  </a:extLst>
+                </a:gridCol>
+                <a:gridCol w="313128">
+                  <a:extLst>
+                    <a:ext uri="{9D8B030D-6E8A-4147-A177-3AD203B41FA5}">
+                      <a16:colId xmlns:a16="http://schemas.microsoft.com/office/drawing/2014/main" val="901743186"/>
+                    </a:ext>
+                  </a:extLst>
+                </a:gridCol>
+              </a:tblGrid>
+              <a:tr h="1199075">
+                <a:tc>
+                  <a:txBody>
+                    <a:bodyPr/>
+                    <a:lstStyle/>
+                    <a:p>
+                      <a:endParaRPr lang="en-US" dirty="0"/>
+                    </a:p>
+                  </a:txBody>
+                  <a:tcPr>
+                    <a:lnL w="12700" cap="flat" cmpd="sng" algn="ctr">
+                      <a:solidFill>
+                        <a:schemeClr val="tx1"/>
+                      </a:solidFill>
+                      <a:prstDash val="solid"/>
+                      <a:round/>
+                      <a:headEnd type="none" w="med" len="med"/>
+                      <a:tailEnd type="none" w="med" len="med"/>
+                    </a:lnL>
+                    <a:lnR w="12700" cap="flat" cmpd="sng" algn="ctr">
+                      <a:solidFill>
+                        <a:schemeClr val="tx1"/>
+                      </a:solidFill>
+                      <a:prstDash val="solid"/>
+                      <a:round/>
+                      <a:headEnd type="none" w="med" len="med"/>
+                      <a:tailEnd type="none" w="med" len="med"/>
+                    </a:lnR>
+                    <a:lnT w="12700" cap="flat" cmpd="sng" algn="ctr">
+                      <a:solidFill>
+                        <a:schemeClr val="tx1"/>
+                      </a:solidFill>
+                      <a:prstDash val="solid"/>
+                      <a:round/>
+                      <a:headEnd type="none" w="med" len="med"/>
+                      <a:tailEnd type="none" w="med" len="med"/>
+                    </a:lnT>
+                    <a:lnB w="12700" cap="flat" cmpd="sng" algn="ctr">
+                      <a:solidFill>
+                        <a:schemeClr val="tx1"/>
+                      </a:solidFill>
+                      <a:prstDash val="solid"/>
+                      <a:round/>
+                      <a:headEnd type="none" w="med" len="med"/>
+                      <a:tailEnd type="none" w="med" len="med"/>
+                    </a:lnB>
+                    <a:noFill/>
+                  </a:tcPr>
+                </a:tc>
+                <a:tc>
+                  <a:txBody>
+                    <a:bodyPr/>
+                    <a:lstStyle/>
+                    <a:p>
+                      <a:endParaRPr lang="en-US" dirty="0"/>
+                    </a:p>
+                  </a:txBody>
+                  <a:tcPr>
+                    <a:lnL w="12700" cap="flat" cmpd="sng" algn="ctr">
+                      <a:solidFill>
+                        <a:schemeClr val="tx1"/>
+                      </a:solidFill>
+                      <a:prstDash val="solid"/>
+                      <a:round/>
+                      <a:headEnd type="none" w="med" len="med"/>
+                      <a:tailEnd type="none" w="med" len="med"/>
+                    </a:lnL>
+                    <a:lnR w="12700" cap="flat" cmpd="sng" algn="ctr">
+                      <a:solidFill>
+                        <a:schemeClr val="tx1"/>
+                      </a:solidFill>
+                      <a:prstDash val="solid"/>
+                      <a:round/>
+                      <a:headEnd type="none" w="med" len="med"/>
+                      <a:tailEnd type="none" w="med" len="med"/>
+                    </a:lnR>
+                    <a:lnT w="12700" cap="flat" cmpd="sng" algn="ctr">
+                      <a:solidFill>
+                        <a:schemeClr val="tx1"/>
+                      </a:solidFill>
+                      <a:prstDash val="solid"/>
+                      <a:round/>
+                      <a:headEnd type="none" w="med" len="med"/>
+                      <a:tailEnd type="none" w="med" len="med"/>
+                    </a:lnT>
+                    <a:lnB w="12700" cap="flat" cmpd="sng" algn="ctr">
+                      <a:solidFill>
+                        <a:schemeClr val="tx1"/>
+                      </a:solidFill>
+                      <a:prstDash val="solid"/>
+                      <a:round/>
+                      <a:headEnd type="none" w="med" len="med"/>
+                      <a:tailEnd type="none" w="med" len="med"/>
+                    </a:lnB>
+                    <a:noFill/>
+                  </a:tcPr>
+                </a:tc>
+                <a:tc>
+                  <a:txBody>
+                    <a:bodyPr/>
+                    <a:lstStyle/>
+                    <a:p>
+                      <a:endParaRPr lang="en-US" dirty="0"/>
+                    </a:p>
+                  </a:txBody>
+                  <a:tcPr>
+                    <a:lnL w="12700" cap="flat" cmpd="sng" algn="ctr">
+                      <a:solidFill>
+                        <a:schemeClr val="tx1"/>
+                      </a:solidFill>
+                      <a:prstDash val="solid"/>
+                      <a:round/>
+                      <a:headEnd type="none" w="med" len="med"/>
+                      <a:tailEnd type="none" w="med" len="med"/>
+                    </a:lnL>
+                    <a:lnR w="12700" cap="flat" cmpd="sng" algn="ctr">
+                      <a:solidFill>
+                        <a:schemeClr val="tx1"/>
+                      </a:solidFill>
+                      <a:prstDash val="solid"/>
+                      <a:round/>
+                      <a:headEnd type="none" w="med" len="med"/>
+                      <a:tailEnd type="none" w="med" len="med"/>
+                    </a:lnR>
+                    <a:lnT w="12700" cap="flat" cmpd="sng" algn="ctr">
+                      <a:solidFill>
+                        <a:schemeClr val="tx1"/>
+                      </a:solidFill>
+                      <a:prstDash val="solid"/>
+                      <a:round/>
+                      <a:headEnd type="none" w="med" len="med"/>
+                      <a:tailEnd type="none" w="med" len="med"/>
+                    </a:lnT>
+                    <a:lnB w="12700" cap="flat" cmpd="sng" algn="ctr">
+                      <a:solidFill>
+                        <a:schemeClr val="tx1"/>
+                      </a:solidFill>
+                      <a:prstDash val="solid"/>
+                      <a:round/>
+                      <a:headEnd type="none" w="med" len="med"/>
+                      <a:tailEnd type="none" w="med" len="med"/>
+                    </a:lnB>
+                    <a:noFill/>
+                  </a:tcPr>
+                </a:tc>
+                <a:tc>
+                  <a:txBody>
+                    <a:bodyPr/>
+                    <a:lstStyle/>
+                    <a:p>
+                      <a:endParaRPr lang="en-US" dirty="0"/>
+                    </a:p>
+                  </a:txBody>
+                  <a:tcPr>
+                    <a:lnL w="12700" cap="flat" cmpd="sng" algn="ctr">
+                      <a:solidFill>
+                        <a:schemeClr val="tx1"/>
+                      </a:solidFill>
+                      <a:prstDash val="solid"/>
+                      <a:round/>
+                      <a:headEnd type="none" w="med" len="med"/>
+                      <a:tailEnd type="none" w="med" len="med"/>
+                    </a:lnL>
+                    <a:lnR w="12700" cap="flat" cmpd="sng" algn="ctr">
+                      <a:solidFill>
+                        <a:schemeClr val="tx1"/>
+                      </a:solidFill>
+                      <a:prstDash val="solid"/>
+                      <a:round/>
+                      <a:headEnd type="none" w="med" len="med"/>
+                      <a:tailEnd type="none" w="med" len="med"/>
+                    </a:lnR>
+                    <a:lnT w="12700" cap="flat" cmpd="sng" algn="ctr">
+                      <a:solidFill>
+                        <a:schemeClr val="tx1"/>
+                      </a:solidFill>
+                      <a:prstDash val="solid"/>
+                      <a:round/>
+                      <a:headEnd type="none" w="med" len="med"/>
+                      <a:tailEnd type="none" w="med" len="med"/>
+                    </a:lnT>
+                    <a:lnB w="12700" cap="flat" cmpd="sng" algn="ctr">
+                      <a:solidFill>
+                        <a:schemeClr val="tx1"/>
+                      </a:solidFill>
+                      <a:prstDash val="solid"/>
+                      <a:round/>
+                      <a:headEnd type="none" w="med" len="med"/>
+                      <a:tailEnd type="none" w="med" len="med"/>
+                    </a:lnB>
+                    <a:noFill/>
+                  </a:tcPr>
+                </a:tc>
+                <a:tc>
+                  <a:txBody>
+                    <a:bodyPr/>
+                    <a:lstStyle/>
+                    <a:p>
+                      <a:endParaRPr lang="en-US" dirty="0"/>
+                    </a:p>
+                  </a:txBody>
+                  <a:tcPr>
+                    <a:lnL w="12700" cap="flat" cmpd="sng" algn="ctr">
+                      <a:solidFill>
+                        <a:schemeClr val="tx1"/>
+                      </a:solidFill>
+                      <a:prstDash val="solid"/>
+                      <a:round/>
+                      <a:headEnd type="none" w="med" len="med"/>
+                      <a:tailEnd type="none" w="med" len="med"/>
+                    </a:lnL>
+                    <a:lnR w="12700" cap="flat" cmpd="sng" algn="ctr">
+                      <a:solidFill>
+                        <a:schemeClr val="tx1"/>
+                      </a:solidFill>
+                      <a:prstDash val="solid"/>
+                      <a:round/>
+                      <a:headEnd type="none" w="med" len="med"/>
+                      <a:tailEnd type="none" w="med" len="med"/>
+                    </a:lnR>
+                    <a:lnT w="12700" cap="flat" cmpd="sng" algn="ctr">
+                      <a:solidFill>
+                        <a:schemeClr val="tx1"/>
+                      </a:solidFill>
+                      <a:prstDash val="solid"/>
+                      <a:round/>
+                      <a:headEnd type="none" w="med" len="med"/>
+                      <a:tailEnd type="none" w="med" len="med"/>
+                    </a:lnT>
+                    <a:lnB w="12700" cap="flat" cmpd="sng" algn="ctr">
+                      <a:solidFill>
+                        <a:schemeClr val="tx1"/>
+                      </a:solidFill>
+                      <a:prstDash val="solid"/>
+                      <a:round/>
+                      <a:headEnd type="none" w="med" len="med"/>
+                      <a:tailEnd type="none" w="med" len="med"/>
+                    </a:lnB>
+                    <a:noFill/>
+                  </a:tcPr>
+                </a:tc>
+                <a:extLst>
+                  <a:ext uri="{0D108BD9-81ED-4DB2-BD59-A6C34878D82A}">
+                    <a16:rowId xmlns:a16="http://schemas.microsoft.com/office/drawing/2014/main" val="3252616606"/>
+                  </a:ext>
+                </a:extLst>
+              </a:tr>
+            </a:tbl>
+          </a:graphicData>
+        </a:graphic>
+      </p:graphicFrame>
+      <p:sp>
+        <p:nvSpPr>
+          <p:cNvPr id="21" name="TextBox 20">
+            <a:extLst>
+              <a:ext uri="{FF2B5EF4-FFF2-40B4-BE49-F238E27FC236}">
+                <a16:creationId xmlns:a16="http://schemas.microsoft.com/office/drawing/2014/main" id="{D2489775-C561-44E0-90B2-366A47BC7ED6}"/>
+              </a:ext>
+            </a:extLst>
+          </p:cNvPr>
+          <p:cNvSpPr txBox="1"/>
+          <p:nvPr/>
+        </p:nvSpPr>
+        <p:spPr>
+          <a:xfrm>
+            <a:off x="22335" y="5187134"/>
+            <a:ext cx="2159566" cy="584775"/>
+          </a:xfrm>
+          <a:prstGeom prst="rect">
+            <a:avLst/>
+          </a:prstGeom>
+          <a:noFill/>
+        </p:spPr>
+        <p:txBody>
+          <a:bodyPr wrap="none" rtlCol="0">
+            <a:spAutoFit/>
+          </a:bodyPr>
+          <a:lstStyle/>
+          <a:p>
+            <a:r>
+              <a:rPr lang="en-US" sz="3200" dirty="0" err="1">
+                <a:latin typeface="Courier New" panose="02070309020205020404" pitchFamily="49" charset="0"/>
+                <a:cs typeface="Courier New" panose="02070309020205020404" pitchFamily="49" charset="0"/>
+              </a:rPr>
+              <a:t>group_by</a:t>
+            </a:r>
+            <a:endParaRPr lang="en-US" sz="3200" dirty="0">
+              <a:latin typeface="Courier New" panose="02070309020205020404" pitchFamily="49" charset="0"/>
+              <a:cs typeface="Courier New" panose="02070309020205020404" pitchFamily="49" charset="0"/>
+            </a:endParaRPr>
+          </a:p>
+        </p:txBody>
+      </p:sp>
+      <p:sp>
+        <p:nvSpPr>
+          <p:cNvPr id="24" name="Rectangle 23">
+            <a:extLst>
+              <a:ext uri="{FF2B5EF4-FFF2-40B4-BE49-F238E27FC236}">
+                <a16:creationId xmlns:a16="http://schemas.microsoft.com/office/drawing/2014/main" id="{4C0ABE71-2CA8-462A-9D20-27922C10D010}"/>
+              </a:ext>
+            </a:extLst>
+          </p:cNvPr>
+          <p:cNvSpPr/>
+          <p:nvPr/>
+        </p:nvSpPr>
+        <p:spPr>
+          <a:xfrm>
+            <a:off x="5268209" y="4946817"/>
+            <a:ext cx="329784" cy="1154520"/>
+          </a:xfrm>
+          <a:prstGeom prst="rect">
+            <a:avLst/>
+          </a:prstGeom>
+          <a:solidFill>
+            <a:srgbClr val="FFC000"/>
+          </a:solidFill>
+        </p:spPr>
+        <p:style>
+          <a:lnRef idx="2">
+            <a:schemeClr val="accent1">
+              <a:shade val="50000"/>
+            </a:schemeClr>
+          </a:lnRef>
+          <a:fillRef idx="1">
+            <a:schemeClr val="accent1"/>
+          </a:fillRef>
+          <a:effectRef idx="0">
+            <a:schemeClr val="accent1"/>
+          </a:effectRef>
+          <a:fontRef idx="minor">
+            <a:schemeClr val="lt1"/>
+          </a:fontRef>
+        </p:style>
+        <p:txBody>
+          <a:bodyPr rtlCol="0" anchor="ctr"/>
+          <a:lstStyle/>
+          <a:p>
+            <a:pPr algn="ctr"/>
+            <a:endParaRPr lang="en-US"/>
+          </a:p>
+        </p:txBody>
+      </p:sp>
+      <p:sp>
+        <p:nvSpPr>
+          <p:cNvPr id="25" name="Rectangle 24">
+            <a:extLst>
+              <a:ext uri="{FF2B5EF4-FFF2-40B4-BE49-F238E27FC236}">
+                <a16:creationId xmlns:a16="http://schemas.microsoft.com/office/drawing/2014/main" id="{4BE44D60-5F4E-4082-966C-C81796BBB7A6}"/>
+              </a:ext>
+            </a:extLst>
+          </p:cNvPr>
+          <p:cNvSpPr/>
+          <p:nvPr/>
+        </p:nvSpPr>
+        <p:spPr>
+          <a:xfrm>
+            <a:off x="5893899" y="4946817"/>
+            <a:ext cx="329784" cy="1154520"/>
+          </a:xfrm>
+          <a:prstGeom prst="rect">
+            <a:avLst/>
+          </a:prstGeom>
+        </p:spPr>
+        <p:style>
+          <a:lnRef idx="2">
+            <a:schemeClr val="accent1">
+              <a:shade val="50000"/>
+            </a:schemeClr>
+          </a:lnRef>
+          <a:fillRef idx="1">
+            <a:schemeClr val="accent1"/>
+          </a:fillRef>
+          <a:effectRef idx="0">
+            <a:schemeClr val="accent1"/>
+          </a:effectRef>
+          <a:fontRef idx="minor">
+            <a:schemeClr val="lt1"/>
+          </a:fontRef>
+        </p:style>
+        <p:txBody>
+          <a:bodyPr rtlCol="0" anchor="ctr"/>
+          <a:lstStyle/>
+          <a:p>
+            <a:pPr algn="ctr"/>
+            <a:endParaRPr lang="en-US"/>
+          </a:p>
+        </p:txBody>
+      </p:sp>
+      <p:sp>
+        <p:nvSpPr>
+          <p:cNvPr id="26" name="Rectangle 25">
+            <a:extLst>
+              <a:ext uri="{FF2B5EF4-FFF2-40B4-BE49-F238E27FC236}">
+                <a16:creationId xmlns:a16="http://schemas.microsoft.com/office/drawing/2014/main" id="{9872042E-2194-4C6E-BD41-11F7D136BF36}"/>
+              </a:ext>
+            </a:extLst>
+          </p:cNvPr>
+          <p:cNvSpPr/>
+          <p:nvPr/>
+        </p:nvSpPr>
+        <p:spPr>
+          <a:xfrm>
+            <a:off x="8976040" y="4909549"/>
+            <a:ext cx="329784" cy="1154520"/>
+          </a:xfrm>
+          <a:prstGeom prst="rect">
+            <a:avLst/>
+          </a:prstGeom>
+        </p:spPr>
+        <p:style>
+          <a:lnRef idx="2">
+            <a:schemeClr val="accent1">
+              <a:shade val="50000"/>
+            </a:schemeClr>
+          </a:lnRef>
+          <a:fillRef idx="1">
+            <a:schemeClr val="accent1"/>
+          </a:fillRef>
+          <a:effectRef idx="0">
+            <a:schemeClr val="accent1"/>
+          </a:effectRef>
+          <a:fontRef idx="minor">
+            <a:schemeClr val="lt1"/>
+          </a:fontRef>
+        </p:style>
+        <p:txBody>
+          <a:bodyPr rtlCol="0" anchor="ctr"/>
+          <a:lstStyle/>
+          <a:p>
+            <a:pPr algn="ctr"/>
+            <a:endParaRPr lang="en-US"/>
+          </a:p>
+        </p:txBody>
+      </p:sp>
+      <p:sp>
+        <p:nvSpPr>
+          <p:cNvPr id="27" name="Rectangle 26">
+            <a:extLst>
+              <a:ext uri="{FF2B5EF4-FFF2-40B4-BE49-F238E27FC236}">
+                <a16:creationId xmlns:a16="http://schemas.microsoft.com/office/drawing/2014/main" id="{4837EA98-87A4-4FA2-8DCD-DCB7D5A429BE}"/>
+              </a:ext>
+            </a:extLst>
+          </p:cNvPr>
+          <p:cNvSpPr/>
+          <p:nvPr/>
+        </p:nvSpPr>
+        <p:spPr>
+          <a:xfrm>
+            <a:off x="8338444" y="4909549"/>
+            <a:ext cx="329784" cy="1154520"/>
+          </a:xfrm>
+          <a:prstGeom prst="rect">
+            <a:avLst/>
+          </a:prstGeom>
+          <a:solidFill>
+            <a:srgbClr val="FFC000"/>
+          </a:solidFill>
+        </p:spPr>
+        <p:style>
+          <a:lnRef idx="2">
+            <a:schemeClr val="accent1">
+              <a:shade val="50000"/>
+            </a:schemeClr>
+          </a:lnRef>
+          <a:fillRef idx="1">
+            <a:schemeClr val="accent1"/>
+          </a:fillRef>
+          <a:effectRef idx="0">
+            <a:schemeClr val="accent1"/>
+          </a:effectRef>
+          <a:fontRef idx="minor">
+            <a:schemeClr val="lt1"/>
+          </a:fontRef>
+        </p:style>
+        <p:txBody>
+          <a:bodyPr rtlCol="0" anchor="ctr"/>
+          <a:lstStyle/>
+          <a:p>
+            <a:pPr algn="ctr"/>
+            <a:endParaRPr lang="en-US"/>
+          </a:p>
+        </p:txBody>
+      </p:sp>
+      <p:graphicFrame>
+        <p:nvGraphicFramePr>
+          <p:cNvPr id="22" name="Table 2">
+            <a:extLst>
+              <a:ext uri="{FF2B5EF4-FFF2-40B4-BE49-F238E27FC236}">
+                <a16:creationId xmlns:a16="http://schemas.microsoft.com/office/drawing/2014/main" id="{7E951FFB-3165-4A72-8154-29B142FC4D50}"/>
+              </a:ext>
+            </a:extLst>
+          </p:cNvPr>
+          <p:cNvGraphicFramePr>
+            <a:graphicFrameLocks noGrp="1"/>
+          </p:cNvGraphicFramePr>
+          <p:nvPr/>
+        </p:nvGraphicFramePr>
+        <p:xfrm>
+          <a:off x="4658043" y="4931965"/>
+          <a:ext cx="1565640" cy="1199075"/>
+        </p:xfrm>
+        <a:graphic>
+          <a:graphicData uri="http://schemas.openxmlformats.org/drawingml/2006/table">
+            <a:tbl>
+              <a:tblPr firstRow="1" bandRow="1">
+                <a:tableStyleId>{5C22544A-7EE6-4342-B048-85BDC9FD1C3A}</a:tableStyleId>
+              </a:tblPr>
+              <a:tblGrid>
+                <a:gridCol w="313128">
+                  <a:extLst>
+                    <a:ext uri="{9D8B030D-6E8A-4147-A177-3AD203B41FA5}">
+                      <a16:colId xmlns:a16="http://schemas.microsoft.com/office/drawing/2014/main" val="3333571149"/>
+                    </a:ext>
+                  </a:extLst>
+                </a:gridCol>
+                <a:gridCol w="313128">
+                  <a:extLst>
+                    <a:ext uri="{9D8B030D-6E8A-4147-A177-3AD203B41FA5}">
+                      <a16:colId xmlns:a16="http://schemas.microsoft.com/office/drawing/2014/main" val="1769296144"/>
+                    </a:ext>
+                  </a:extLst>
+                </a:gridCol>
+                <a:gridCol w="313128">
+                  <a:extLst>
+                    <a:ext uri="{9D8B030D-6E8A-4147-A177-3AD203B41FA5}">
+                      <a16:colId xmlns:a16="http://schemas.microsoft.com/office/drawing/2014/main" val="2391312541"/>
+                    </a:ext>
+                  </a:extLst>
+                </a:gridCol>
+                <a:gridCol w="313128">
+                  <a:extLst>
+                    <a:ext uri="{9D8B030D-6E8A-4147-A177-3AD203B41FA5}">
+                      <a16:colId xmlns:a16="http://schemas.microsoft.com/office/drawing/2014/main" val="3518580238"/>
+                    </a:ext>
+                  </a:extLst>
+                </a:gridCol>
+                <a:gridCol w="313128">
+                  <a:extLst>
+                    <a:ext uri="{9D8B030D-6E8A-4147-A177-3AD203B41FA5}">
+                      <a16:colId xmlns:a16="http://schemas.microsoft.com/office/drawing/2014/main" val="901743186"/>
+                    </a:ext>
+                  </a:extLst>
+                </a:gridCol>
+              </a:tblGrid>
+              <a:tr h="1199075">
+                <a:tc>
+                  <a:txBody>
+                    <a:bodyPr/>
+                    <a:lstStyle/>
+                    <a:p>
+                      <a:endParaRPr lang="en-US" dirty="0"/>
+                    </a:p>
+                  </a:txBody>
+                  <a:tcPr>
+                    <a:lnL w="12700" cap="flat" cmpd="sng" algn="ctr">
+                      <a:solidFill>
+                        <a:schemeClr val="tx1"/>
+                      </a:solidFill>
+                      <a:prstDash val="solid"/>
+                      <a:round/>
+                      <a:headEnd type="none" w="med" len="med"/>
+                      <a:tailEnd type="none" w="med" len="med"/>
+                    </a:lnL>
+                    <a:lnR w="12700" cap="flat" cmpd="sng" algn="ctr">
+                      <a:solidFill>
+                        <a:schemeClr val="tx1"/>
+                      </a:solidFill>
+                      <a:prstDash val="solid"/>
+                      <a:round/>
+                      <a:headEnd type="none" w="med" len="med"/>
+                      <a:tailEnd type="none" w="med" len="med"/>
+                    </a:lnR>
+                    <a:lnT w="12700" cap="flat" cmpd="sng" algn="ctr">
+                      <a:solidFill>
+                        <a:schemeClr val="tx1"/>
+                      </a:solidFill>
+                      <a:prstDash val="solid"/>
+                      <a:round/>
+                      <a:headEnd type="none" w="med" len="med"/>
+                      <a:tailEnd type="none" w="med" len="med"/>
+                    </a:lnT>
+                    <a:lnB w="12700" cap="flat" cmpd="sng" algn="ctr">
+                      <a:solidFill>
+                        <a:schemeClr val="tx1"/>
+                      </a:solidFill>
+                      <a:prstDash val="solid"/>
+                      <a:round/>
+                      <a:headEnd type="none" w="med" len="med"/>
+                      <a:tailEnd type="none" w="med" len="med"/>
+                    </a:lnB>
+                    <a:noFill/>
+                  </a:tcPr>
+                </a:tc>
+                <a:tc>
+                  <a:txBody>
+                    <a:bodyPr/>
+                    <a:lstStyle/>
+                    <a:p>
+                      <a:endParaRPr lang="en-US" dirty="0"/>
+                    </a:p>
+                  </a:txBody>
+                  <a:tcPr>
+                    <a:lnL w="12700" cap="flat" cmpd="sng" algn="ctr">
+                      <a:solidFill>
+                        <a:schemeClr val="tx1"/>
+                      </a:solidFill>
+                      <a:prstDash val="solid"/>
+                      <a:round/>
+                      <a:headEnd type="none" w="med" len="med"/>
+                      <a:tailEnd type="none" w="med" len="med"/>
+                    </a:lnL>
+                    <a:lnR w="12700" cap="flat" cmpd="sng" algn="ctr">
+                      <a:solidFill>
+                        <a:schemeClr val="tx1"/>
+                      </a:solidFill>
+                      <a:prstDash val="solid"/>
+                      <a:round/>
+                      <a:headEnd type="none" w="med" len="med"/>
+                      <a:tailEnd type="none" w="med" len="med"/>
+                    </a:lnR>
+                    <a:lnT w="12700" cap="flat" cmpd="sng" algn="ctr">
+                      <a:solidFill>
+                        <a:schemeClr val="tx1"/>
+                      </a:solidFill>
+                      <a:prstDash val="solid"/>
+                      <a:round/>
+                      <a:headEnd type="none" w="med" len="med"/>
+                      <a:tailEnd type="none" w="med" len="med"/>
+                    </a:lnT>
+                    <a:lnB w="12700" cap="flat" cmpd="sng" algn="ctr">
+                      <a:solidFill>
+                        <a:schemeClr val="tx1"/>
+                      </a:solidFill>
+                      <a:prstDash val="solid"/>
+                      <a:round/>
+                      <a:headEnd type="none" w="med" len="med"/>
+                      <a:tailEnd type="none" w="med" len="med"/>
+                    </a:lnB>
+                    <a:noFill/>
+                  </a:tcPr>
+                </a:tc>
+                <a:tc>
+                  <a:txBody>
+                    <a:bodyPr/>
+                    <a:lstStyle/>
+                    <a:p>
+                      <a:endParaRPr lang="en-US" dirty="0"/>
+                    </a:p>
+                  </a:txBody>
+                  <a:tcPr>
+                    <a:lnL w="12700" cap="flat" cmpd="sng" algn="ctr">
+                      <a:solidFill>
+                        <a:schemeClr val="tx1"/>
+                      </a:solidFill>
+                      <a:prstDash val="solid"/>
+                      <a:round/>
+                      <a:headEnd type="none" w="med" len="med"/>
+                      <a:tailEnd type="none" w="med" len="med"/>
+                    </a:lnL>
+                    <a:lnR w="12700" cap="flat" cmpd="sng" algn="ctr">
+                      <a:solidFill>
+                        <a:schemeClr val="tx1"/>
+                      </a:solidFill>
+                      <a:prstDash val="solid"/>
+                      <a:round/>
+                      <a:headEnd type="none" w="med" len="med"/>
+                      <a:tailEnd type="none" w="med" len="med"/>
+                    </a:lnR>
+                    <a:lnT w="12700" cap="flat" cmpd="sng" algn="ctr">
+                      <a:solidFill>
+                        <a:schemeClr val="tx1"/>
+                      </a:solidFill>
+                      <a:prstDash val="solid"/>
+                      <a:round/>
+                      <a:headEnd type="none" w="med" len="med"/>
+                      <a:tailEnd type="none" w="med" len="med"/>
+                    </a:lnT>
+                    <a:lnB w="12700" cap="flat" cmpd="sng" algn="ctr">
+                      <a:solidFill>
+                        <a:schemeClr val="tx1"/>
+                      </a:solidFill>
+                      <a:prstDash val="solid"/>
+                      <a:round/>
+                      <a:headEnd type="none" w="med" len="med"/>
+                      <a:tailEnd type="none" w="med" len="med"/>
+                    </a:lnB>
+                    <a:noFill/>
+                  </a:tcPr>
+                </a:tc>
+                <a:tc>
+                  <a:txBody>
+                    <a:bodyPr/>
+                    <a:lstStyle/>
+                    <a:p>
+                      <a:endParaRPr lang="en-US" dirty="0"/>
+                    </a:p>
+                  </a:txBody>
+                  <a:tcPr>
+                    <a:lnL w="12700" cap="flat" cmpd="sng" algn="ctr">
+                      <a:solidFill>
+                        <a:schemeClr val="tx1"/>
+                      </a:solidFill>
+                      <a:prstDash val="solid"/>
+                      <a:round/>
+                      <a:headEnd type="none" w="med" len="med"/>
+                      <a:tailEnd type="none" w="med" len="med"/>
+                    </a:lnL>
+                    <a:lnR w="12700" cap="flat" cmpd="sng" algn="ctr">
+                      <a:solidFill>
+                        <a:schemeClr val="tx1"/>
+                      </a:solidFill>
+                      <a:prstDash val="solid"/>
+                      <a:round/>
+                      <a:headEnd type="none" w="med" len="med"/>
+                      <a:tailEnd type="none" w="med" len="med"/>
+                    </a:lnR>
+                    <a:lnT w="12700" cap="flat" cmpd="sng" algn="ctr">
+                      <a:solidFill>
+                        <a:schemeClr val="tx1"/>
+                      </a:solidFill>
+                      <a:prstDash val="solid"/>
+                      <a:round/>
+                      <a:headEnd type="none" w="med" len="med"/>
+                      <a:tailEnd type="none" w="med" len="med"/>
+                    </a:lnT>
+                    <a:lnB w="12700" cap="flat" cmpd="sng" algn="ctr">
+                      <a:solidFill>
+                        <a:schemeClr val="tx1"/>
+                      </a:solidFill>
+                      <a:prstDash val="solid"/>
+                      <a:round/>
+                      <a:headEnd type="none" w="med" len="med"/>
+                      <a:tailEnd type="none" w="med" len="med"/>
+                    </a:lnB>
+                    <a:noFill/>
+                  </a:tcPr>
+                </a:tc>
+                <a:tc>
+                  <a:txBody>
+                    <a:bodyPr/>
+                    <a:lstStyle/>
+                    <a:p>
+                      <a:endParaRPr lang="en-US" dirty="0"/>
+                    </a:p>
+                  </a:txBody>
+                  <a:tcPr>
+                    <a:lnL w="12700" cap="flat" cmpd="sng" algn="ctr">
+                      <a:solidFill>
+                        <a:schemeClr val="tx1"/>
+                      </a:solidFill>
+                      <a:prstDash val="solid"/>
+                      <a:round/>
+                      <a:headEnd type="none" w="med" len="med"/>
+                      <a:tailEnd type="none" w="med" len="med"/>
+                    </a:lnL>
+                    <a:lnR w="12700" cap="flat" cmpd="sng" algn="ctr">
+                      <a:solidFill>
+                        <a:schemeClr val="tx1"/>
+                      </a:solidFill>
+                      <a:prstDash val="solid"/>
+                      <a:round/>
+                      <a:headEnd type="none" w="med" len="med"/>
+                      <a:tailEnd type="none" w="med" len="med"/>
+                    </a:lnR>
+                    <a:lnT w="12700" cap="flat" cmpd="sng" algn="ctr">
+                      <a:solidFill>
+                        <a:schemeClr val="tx1"/>
+                      </a:solidFill>
+                      <a:prstDash val="solid"/>
+                      <a:round/>
+                      <a:headEnd type="none" w="med" len="med"/>
+                      <a:tailEnd type="none" w="med" len="med"/>
+                    </a:lnT>
+                    <a:lnB w="12700" cap="flat" cmpd="sng" algn="ctr">
+                      <a:solidFill>
+                        <a:schemeClr val="tx1"/>
+                      </a:solidFill>
+                      <a:prstDash val="solid"/>
+                      <a:round/>
+                      <a:headEnd type="none" w="med" len="med"/>
+                      <a:tailEnd type="none" w="med" len="med"/>
+                    </a:lnB>
+                    <a:noFill/>
+                  </a:tcPr>
+                </a:tc>
+                <a:extLst>
+                  <a:ext uri="{0D108BD9-81ED-4DB2-BD59-A6C34878D82A}">
+                    <a16:rowId xmlns:a16="http://schemas.microsoft.com/office/drawing/2014/main" val="3252616606"/>
+                  </a:ext>
+                </a:extLst>
+              </a:tr>
+            </a:tbl>
+          </a:graphicData>
+        </a:graphic>
+      </p:graphicFrame>
+      <p:sp>
+        <p:nvSpPr>
+          <p:cNvPr id="28" name="Rectangle 27">
+            <a:extLst>
+              <a:ext uri="{FF2B5EF4-FFF2-40B4-BE49-F238E27FC236}">
+                <a16:creationId xmlns:a16="http://schemas.microsoft.com/office/drawing/2014/main" id="{B08A3036-98A7-4224-987A-5E7C4CE3955E}"/>
+              </a:ext>
+            </a:extLst>
+          </p:cNvPr>
+          <p:cNvSpPr/>
+          <p:nvPr/>
+        </p:nvSpPr>
+        <p:spPr>
+          <a:xfrm>
+            <a:off x="9303059" y="4879985"/>
+            <a:ext cx="307812" cy="1199074"/>
+          </a:xfrm>
+          <a:prstGeom prst="rect">
+            <a:avLst/>
+          </a:prstGeom>
+          <a:solidFill>
+            <a:srgbClr val="00B050"/>
+          </a:solidFill>
+        </p:spPr>
+        <p:style>
+          <a:lnRef idx="2">
+            <a:schemeClr val="accent1">
+              <a:shade val="50000"/>
+            </a:schemeClr>
+          </a:lnRef>
+          <a:fillRef idx="1">
+            <a:schemeClr val="accent1"/>
+          </a:fillRef>
+          <a:effectRef idx="0">
+            <a:schemeClr val="accent1"/>
+          </a:effectRef>
+          <a:fontRef idx="minor">
+            <a:schemeClr val="lt1"/>
+          </a:fontRef>
+        </p:style>
+        <p:txBody>
+          <a:bodyPr rtlCol="0" anchor="ctr"/>
+          <a:lstStyle/>
+          <a:p>
+            <a:pPr algn="ctr"/>
+            <a:endParaRPr lang="en-US"/>
+          </a:p>
+        </p:txBody>
+      </p:sp>
+      <p:graphicFrame>
+        <p:nvGraphicFramePr>
+          <p:cNvPr id="23" name="Table 2">
+            <a:extLst>
+              <a:ext uri="{FF2B5EF4-FFF2-40B4-BE49-F238E27FC236}">
+                <a16:creationId xmlns:a16="http://schemas.microsoft.com/office/drawing/2014/main" id="{D50B6F44-1B37-456F-844E-67B734E51545}"/>
+              </a:ext>
+            </a:extLst>
+          </p:cNvPr>
+          <p:cNvGraphicFramePr>
+            <a:graphicFrameLocks noGrp="1"/>
+          </p:cNvGraphicFramePr>
+          <p:nvPr/>
+        </p:nvGraphicFramePr>
+        <p:xfrm>
+          <a:off x="7737419" y="4902262"/>
+          <a:ext cx="1565640" cy="1199075"/>
+        </p:xfrm>
+        <a:graphic>
+          <a:graphicData uri="http://schemas.openxmlformats.org/drawingml/2006/table">
+            <a:tbl>
+              <a:tblPr firstRow="1" bandRow="1">
+                <a:tableStyleId>{5C22544A-7EE6-4342-B048-85BDC9FD1C3A}</a:tableStyleId>
+              </a:tblPr>
+              <a:tblGrid>
+                <a:gridCol w="313128">
+                  <a:extLst>
+                    <a:ext uri="{9D8B030D-6E8A-4147-A177-3AD203B41FA5}">
+                      <a16:colId xmlns:a16="http://schemas.microsoft.com/office/drawing/2014/main" val="3333571149"/>
+                    </a:ext>
+                  </a:extLst>
+                </a:gridCol>
+                <a:gridCol w="313128">
+                  <a:extLst>
+                    <a:ext uri="{9D8B030D-6E8A-4147-A177-3AD203B41FA5}">
+                      <a16:colId xmlns:a16="http://schemas.microsoft.com/office/drawing/2014/main" val="1769296144"/>
+                    </a:ext>
+                  </a:extLst>
+                </a:gridCol>
+                <a:gridCol w="313128">
+                  <a:extLst>
+                    <a:ext uri="{9D8B030D-6E8A-4147-A177-3AD203B41FA5}">
+                      <a16:colId xmlns:a16="http://schemas.microsoft.com/office/drawing/2014/main" val="2391312541"/>
+                    </a:ext>
+                  </a:extLst>
+                </a:gridCol>
+                <a:gridCol w="313128">
+                  <a:extLst>
+                    <a:ext uri="{9D8B030D-6E8A-4147-A177-3AD203B41FA5}">
+                      <a16:colId xmlns:a16="http://schemas.microsoft.com/office/drawing/2014/main" val="3518580238"/>
+                    </a:ext>
+                  </a:extLst>
+                </a:gridCol>
+                <a:gridCol w="313128">
+                  <a:extLst>
+                    <a:ext uri="{9D8B030D-6E8A-4147-A177-3AD203B41FA5}">
+                      <a16:colId xmlns:a16="http://schemas.microsoft.com/office/drawing/2014/main" val="901743186"/>
+                    </a:ext>
+                  </a:extLst>
+                </a:gridCol>
+              </a:tblGrid>
+              <a:tr h="1199075">
+                <a:tc>
+                  <a:txBody>
+                    <a:bodyPr/>
+                    <a:lstStyle/>
+                    <a:p>
+                      <a:endParaRPr lang="en-US" dirty="0"/>
+                    </a:p>
+                  </a:txBody>
+                  <a:tcPr>
+                    <a:lnL w="12700" cap="flat" cmpd="sng" algn="ctr">
+                      <a:solidFill>
+                        <a:schemeClr val="tx1"/>
+                      </a:solidFill>
+                      <a:prstDash val="solid"/>
+                      <a:round/>
+                      <a:headEnd type="none" w="med" len="med"/>
+                      <a:tailEnd type="none" w="med" len="med"/>
+                    </a:lnL>
+                    <a:lnR w="12700" cap="flat" cmpd="sng" algn="ctr">
+                      <a:solidFill>
+                        <a:schemeClr val="tx1"/>
+                      </a:solidFill>
+                      <a:prstDash val="solid"/>
+                      <a:round/>
+                      <a:headEnd type="none" w="med" len="med"/>
+                      <a:tailEnd type="none" w="med" len="med"/>
+                    </a:lnR>
+                    <a:lnT w="12700" cap="flat" cmpd="sng" algn="ctr">
+                      <a:solidFill>
+                        <a:schemeClr val="tx1"/>
+                      </a:solidFill>
+                      <a:prstDash val="solid"/>
+                      <a:round/>
+                      <a:headEnd type="none" w="med" len="med"/>
+                      <a:tailEnd type="none" w="med" len="med"/>
+                    </a:lnT>
+                    <a:lnB w="12700" cap="flat" cmpd="sng" algn="ctr">
+                      <a:solidFill>
+                        <a:schemeClr val="tx1"/>
+                      </a:solidFill>
+                      <a:prstDash val="solid"/>
+                      <a:round/>
+                      <a:headEnd type="none" w="med" len="med"/>
+                      <a:tailEnd type="none" w="med" len="med"/>
+                    </a:lnB>
+                    <a:noFill/>
+                  </a:tcPr>
+                </a:tc>
+                <a:tc>
+                  <a:txBody>
+                    <a:bodyPr/>
+                    <a:lstStyle/>
+                    <a:p>
+                      <a:endParaRPr lang="en-US" dirty="0"/>
+                    </a:p>
+                  </a:txBody>
+                  <a:tcPr>
+                    <a:lnL w="12700" cap="flat" cmpd="sng" algn="ctr">
+                      <a:solidFill>
+                        <a:schemeClr val="tx1"/>
+                      </a:solidFill>
+                      <a:prstDash val="solid"/>
+                      <a:round/>
+                      <a:headEnd type="none" w="med" len="med"/>
+                      <a:tailEnd type="none" w="med" len="med"/>
+                    </a:lnL>
+                    <a:lnR w="12700" cap="flat" cmpd="sng" algn="ctr">
+                      <a:solidFill>
+                        <a:schemeClr val="tx1"/>
+                      </a:solidFill>
+                      <a:prstDash val="solid"/>
+                      <a:round/>
+                      <a:headEnd type="none" w="med" len="med"/>
+                      <a:tailEnd type="none" w="med" len="med"/>
+                    </a:lnR>
+                    <a:lnT w="12700" cap="flat" cmpd="sng" algn="ctr">
+                      <a:solidFill>
+                        <a:schemeClr val="tx1"/>
+                      </a:solidFill>
+                      <a:prstDash val="solid"/>
+                      <a:round/>
+                      <a:headEnd type="none" w="med" len="med"/>
+                      <a:tailEnd type="none" w="med" len="med"/>
+                    </a:lnT>
+                    <a:lnB w="12700" cap="flat" cmpd="sng" algn="ctr">
+                      <a:solidFill>
+                        <a:schemeClr val="tx1"/>
+                      </a:solidFill>
+                      <a:prstDash val="solid"/>
+                      <a:round/>
+                      <a:headEnd type="none" w="med" len="med"/>
+                      <a:tailEnd type="none" w="med" len="med"/>
+                    </a:lnB>
+                    <a:noFill/>
+                  </a:tcPr>
+                </a:tc>
+                <a:tc>
+                  <a:txBody>
+                    <a:bodyPr/>
+                    <a:lstStyle/>
+                    <a:p>
+                      <a:endParaRPr lang="en-US" dirty="0"/>
+                    </a:p>
+                  </a:txBody>
+                  <a:tcPr>
+                    <a:lnL w="12700" cap="flat" cmpd="sng" algn="ctr">
+                      <a:solidFill>
+                        <a:schemeClr val="tx1"/>
+                      </a:solidFill>
+                      <a:prstDash val="solid"/>
+                      <a:round/>
+                      <a:headEnd type="none" w="med" len="med"/>
+                      <a:tailEnd type="none" w="med" len="med"/>
+                    </a:lnL>
+                    <a:lnR w="12700" cap="flat" cmpd="sng" algn="ctr">
+                      <a:solidFill>
+                        <a:schemeClr val="tx1"/>
+                      </a:solidFill>
+                      <a:prstDash val="solid"/>
+                      <a:round/>
+                      <a:headEnd type="none" w="med" len="med"/>
+                      <a:tailEnd type="none" w="med" len="med"/>
+                    </a:lnR>
+                    <a:lnT w="12700" cap="flat" cmpd="sng" algn="ctr">
+                      <a:solidFill>
+                        <a:schemeClr val="tx1"/>
+                      </a:solidFill>
+                      <a:prstDash val="solid"/>
+                      <a:round/>
+                      <a:headEnd type="none" w="med" len="med"/>
+                      <a:tailEnd type="none" w="med" len="med"/>
+                    </a:lnT>
+                    <a:lnB w="12700" cap="flat" cmpd="sng" algn="ctr">
+                      <a:solidFill>
+                        <a:schemeClr val="tx1"/>
+                      </a:solidFill>
+                      <a:prstDash val="solid"/>
+                      <a:round/>
+                      <a:headEnd type="none" w="med" len="med"/>
+                      <a:tailEnd type="none" w="med" len="med"/>
+                    </a:lnB>
+                    <a:noFill/>
+                  </a:tcPr>
+                </a:tc>
+                <a:tc>
+                  <a:txBody>
+                    <a:bodyPr/>
+                    <a:lstStyle/>
+                    <a:p>
+                      <a:endParaRPr lang="en-US" dirty="0"/>
+                    </a:p>
+                  </a:txBody>
+                  <a:tcPr>
+                    <a:lnL w="12700" cap="flat" cmpd="sng" algn="ctr">
+                      <a:solidFill>
+                        <a:schemeClr val="tx1"/>
+                      </a:solidFill>
+                      <a:prstDash val="solid"/>
+                      <a:round/>
+                      <a:headEnd type="none" w="med" len="med"/>
+                      <a:tailEnd type="none" w="med" len="med"/>
+                    </a:lnL>
+                    <a:lnR w="12700" cap="flat" cmpd="sng" algn="ctr">
+                      <a:solidFill>
+                        <a:schemeClr val="tx1"/>
+                      </a:solidFill>
+                      <a:prstDash val="solid"/>
+                      <a:round/>
+                      <a:headEnd type="none" w="med" len="med"/>
+                      <a:tailEnd type="none" w="med" len="med"/>
+                    </a:lnR>
+                    <a:lnT w="12700" cap="flat" cmpd="sng" algn="ctr">
+                      <a:solidFill>
+                        <a:schemeClr val="tx1"/>
+                      </a:solidFill>
+                      <a:prstDash val="solid"/>
+                      <a:round/>
+                      <a:headEnd type="none" w="med" len="med"/>
+                      <a:tailEnd type="none" w="med" len="med"/>
+                    </a:lnT>
+                    <a:lnB w="12700" cap="flat" cmpd="sng" algn="ctr">
+                      <a:solidFill>
+                        <a:schemeClr val="tx1"/>
+                      </a:solidFill>
+                      <a:prstDash val="solid"/>
+                      <a:round/>
+                      <a:headEnd type="none" w="med" len="med"/>
+                      <a:tailEnd type="none" w="med" len="med"/>
+                    </a:lnB>
+                    <a:noFill/>
+                  </a:tcPr>
+                </a:tc>
+                <a:tc>
+                  <a:txBody>
+                    <a:bodyPr/>
+                    <a:lstStyle/>
+                    <a:p>
+                      <a:endParaRPr lang="en-US" dirty="0"/>
+                    </a:p>
+                  </a:txBody>
+                  <a:tcPr>
+                    <a:lnL w="12700" cap="flat" cmpd="sng" algn="ctr">
+                      <a:solidFill>
+                        <a:schemeClr val="tx1"/>
+                      </a:solidFill>
+                      <a:prstDash val="solid"/>
+                      <a:round/>
+                      <a:headEnd type="none" w="med" len="med"/>
+                      <a:tailEnd type="none" w="med" len="med"/>
+                    </a:lnL>
+                    <a:lnR w="12700" cap="flat" cmpd="sng" algn="ctr">
+                      <a:solidFill>
+                        <a:schemeClr val="tx1"/>
+                      </a:solidFill>
+                      <a:prstDash val="solid"/>
+                      <a:round/>
+                      <a:headEnd type="none" w="med" len="med"/>
+                      <a:tailEnd type="none" w="med" len="med"/>
+                    </a:lnR>
+                    <a:lnT w="12700" cap="flat" cmpd="sng" algn="ctr">
+                      <a:solidFill>
+                        <a:schemeClr val="tx1"/>
+                      </a:solidFill>
+                      <a:prstDash val="solid"/>
+                      <a:round/>
+                      <a:headEnd type="none" w="med" len="med"/>
+                      <a:tailEnd type="none" w="med" len="med"/>
+                    </a:lnT>
+                    <a:lnB w="12700" cap="flat" cmpd="sng" algn="ctr">
+                      <a:solidFill>
+                        <a:schemeClr val="tx1"/>
+                      </a:solidFill>
+                      <a:prstDash val="solid"/>
+                      <a:round/>
+                      <a:headEnd type="none" w="med" len="med"/>
+                      <a:tailEnd type="none" w="med" len="med"/>
+                    </a:lnB>
+                    <a:noFill/>
+                  </a:tcPr>
+                </a:tc>
+                <a:extLst>
+                  <a:ext uri="{0D108BD9-81ED-4DB2-BD59-A6C34878D82A}">
+                    <a16:rowId xmlns:a16="http://schemas.microsoft.com/office/drawing/2014/main" val="3252616606"/>
+                  </a:ext>
+                </a:extLst>
+              </a:tr>
+            </a:tbl>
+          </a:graphicData>
+        </a:graphic>
+      </p:graphicFrame>
+      <p:graphicFrame>
+        <p:nvGraphicFramePr>
+          <p:cNvPr id="32" name="Table 4">
+            <a:extLst>
+              <a:ext uri="{FF2B5EF4-FFF2-40B4-BE49-F238E27FC236}">
+                <a16:creationId xmlns:a16="http://schemas.microsoft.com/office/drawing/2014/main" id="{9F45779C-D90A-403B-A6E9-B4A617D09FC6}"/>
+              </a:ext>
+            </a:extLst>
+          </p:cNvPr>
+          <p:cNvGraphicFramePr>
+            <a:graphicFrameLocks noGrp="1"/>
+          </p:cNvGraphicFramePr>
+          <p:nvPr>
+            <p:extLst>
+              <p:ext uri="{D42A27DB-BD31-4B8C-83A1-F6EECF244321}">
+                <p14:modId xmlns:p14="http://schemas.microsoft.com/office/powerpoint/2010/main" val="2411022804"/>
+              </p:ext>
+            </p:extLst>
+          </p:nvPr>
+        </p:nvGraphicFramePr>
+        <p:xfrm>
+          <a:off x="2181901" y="2683306"/>
+          <a:ext cx="1190886" cy="1828800"/>
+        </p:xfrm>
+        <a:graphic>
+          <a:graphicData uri="http://schemas.openxmlformats.org/drawingml/2006/table">
+            <a:tbl>
+              <a:tblPr firstRow="1" bandRow="1">
+                <a:tableStyleId>{5C22544A-7EE6-4342-B048-85BDC9FD1C3A}</a:tableStyleId>
+              </a:tblPr>
+              <a:tblGrid>
+                <a:gridCol w="1190886">
+                  <a:extLst>
+                    <a:ext uri="{9D8B030D-6E8A-4147-A177-3AD203B41FA5}">
+                      <a16:colId xmlns:a16="http://schemas.microsoft.com/office/drawing/2014/main" val="1786286647"/>
+                    </a:ext>
+                  </a:extLst>
+                </a:gridCol>
+              </a:tblGrid>
+              <a:tr h="145947">
+                <a:tc>
+                  <a:txBody>
+                    <a:bodyPr/>
+                    <a:lstStyle/>
+                    <a:p>
+                      <a:endParaRPr lang="en-US" dirty="0"/>
+                    </a:p>
+                  </a:txBody>
+                  <a:tcPr>
+                    <a:lnL w="12700" cap="flat" cmpd="sng" algn="ctr">
+                      <a:solidFill>
+                        <a:schemeClr val="tx1"/>
+                      </a:solidFill>
+                      <a:prstDash val="solid"/>
+                      <a:round/>
+                      <a:headEnd type="none" w="med" len="med"/>
+                      <a:tailEnd type="none" w="med" len="med"/>
+                    </a:lnL>
+                    <a:lnR w="12700" cap="flat" cmpd="sng" algn="ctr">
+                      <a:solidFill>
+                        <a:schemeClr val="tx1"/>
+                      </a:solidFill>
+                      <a:prstDash val="solid"/>
+                      <a:round/>
+                      <a:headEnd type="none" w="med" len="med"/>
+                      <a:tailEnd type="none" w="med" len="med"/>
+                    </a:lnR>
+                    <a:lnT w="12700" cap="flat" cmpd="sng" algn="ctr">
+                      <a:solidFill>
+                        <a:schemeClr val="tx1"/>
+                      </a:solidFill>
+                      <a:prstDash val="solid"/>
+                      <a:round/>
+                      <a:headEnd type="none" w="med" len="med"/>
+                      <a:tailEnd type="none" w="med" len="med"/>
+                    </a:lnT>
+                    <a:lnB w="12700" cap="flat" cmpd="sng" algn="ctr">
+                      <a:solidFill>
+                        <a:schemeClr val="tx1"/>
+                      </a:solidFill>
+                      <a:prstDash val="solid"/>
+                      <a:round/>
+                      <a:headEnd type="none" w="med" len="med"/>
+                      <a:tailEnd type="none" w="med" len="med"/>
+                    </a:lnB>
+                    <a:noFill/>
+                  </a:tcPr>
+                </a:tc>
+                <a:extLst>
+                  <a:ext uri="{0D108BD9-81ED-4DB2-BD59-A6C34878D82A}">
+                    <a16:rowId xmlns:a16="http://schemas.microsoft.com/office/drawing/2014/main" val="2023011616"/>
+                  </a:ext>
+                </a:extLst>
+              </a:tr>
+              <a:tr h="145947">
+                <a:tc>
+                  <a:txBody>
+                    <a:bodyPr/>
+                    <a:lstStyle/>
+                    <a:p>
+                      <a:endParaRPr lang="en-US" dirty="0"/>
+                    </a:p>
+                  </a:txBody>
+                  <a:tcPr>
+                    <a:lnL w="12700" cap="flat" cmpd="sng" algn="ctr">
+                      <a:solidFill>
+                        <a:schemeClr val="tx1"/>
+                      </a:solidFill>
+                      <a:prstDash val="solid"/>
+                      <a:round/>
+                      <a:headEnd type="none" w="med" len="med"/>
+                      <a:tailEnd type="none" w="med" len="med"/>
+                    </a:lnL>
+                    <a:lnR w="12700" cap="flat" cmpd="sng" algn="ctr">
+                      <a:solidFill>
+                        <a:schemeClr val="tx1"/>
+                      </a:solidFill>
+                      <a:prstDash val="solid"/>
+                      <a:round/>
+                      <a:headEnd type="none" w="med" len="med"/>
+                      <a:tailEnd type="none" w="med" len="med"/>
+                    </a:lnR>
+                    <a:lnT w="12700" cap="flat" cmpd="sng" algn="ctr">
+                      <a:solidFill>
+                        <a:schemeClr val="tx1"/>
+                      </a:solidFill>
+                      <a:prstDash val="solid"/>
+                      <a:round/>
+                      <a:headEnd type="none" w="med" len="med"/>
+                      <a:tailEnd type="none" w="med" len="med"/>
+                    </a:lnT>
+                    <a:lnB w="12700" cap="flat" cmpd="sng" algn="ctr">
+                      <a:solidFill>
+                        <a:schemeClr val="tx1"/>
+                      </a:solidFill>
+                      <a:prstDash val="solid"/>
+                      <a:round/>
+                      <a:headEnd type="none" w="med" len="med"/>
+                      <a:tailEnd type="none" w="med" len="med"/>
+                    </a:lnB>
+                    <a:noFill/>
+                  </a:tcPr>
+                </a:tc>
+                <a:extLst>
+                  <a:ext uri="{0D108BD9-81ED-4DB2-BD59-A6C34878D82A}">
+                    <a16:rowId xmlns:a16="http://schemas.microsoft.com/office/drawing/2014/main" val="2180935315"/>
+                  </a:ext>
+                </a:extLst>
+              </a:tr>
+              <a:tr h="145947">
+                <a:tc>
+                  <a:txBody>
+                    <a:bodyPr/>
+                    <a:lstStyle/>
+                    <a:p>
+                      <a:endParaRPr lang="en-US"/>
+                    </a:p>
+                  </a:txBody>
+                  <a:tcPr>
+                    <a:lnL w="12700" cap="flat" cmpd="sng" algn="ctr">
+                      <a:solidFill>
+                        <a:schemeClr val="tx1"/>
+                      </a:solidFill>
+                      <a:prstDash val="solid"/>
+                      <a:round/>
+                      <a:headEnd type="none" w="med" len="med"/>
+                      <a:tailEnd type="none" w="med" len="med"/>
+                    </a:lnL>
+                    <a:lnR w="12700" cap="flat" cmpd="sng" algn="ctr">
+                      <a:solidFill>
+                        <a:schemeClr val="tx1"/>
+                      </a:solidFill>
+                      <a:prstDash val="solid"/>
+                      <a:round/>
+                      <a:headEnd type="none" w="med" len="med"/>
+                      <a:tailEnd type="none" w="med" len="med"/>
+                    </a:lnR>
+                    <a:lnT w="12700" cap="flat" cmpd="sng" algn="ctr">
+                      <a:solidFill>
+                        <a:schemeClr val="tx1"/>
+                      </a:solidFill>
+                      <a:prstDash val="solid"/>
+                      <a:round/>
+                      <a:headEnd type="none" w="med" len="med"/>
+                      <a:tailEnd type="none" w="med" len="med"/>
+                    </a:lnT>
+                    <a:lnB w="12700" cap="flat" cmpd="sng" algn="ctr">
+                      <a:solidFill>
+                        <a:schemeClr val="tx1"/>
+                      </a:solidFill>
+                      <a:prstDash val="solid"/>
+                      <a:round/>
+                      <a:headEnd type="none" w="med" len="med"/>
+                      <a:tailEnd type="none" w="med" len="med"/>
+                    </a:lnB>
+                    <a:noFill/>
+                  </a:tcPr>
+                </a:tc>
+                <a:extLst>
+                  <a:ext uri="{0D108BD9-81ED-4DB2-BD59-A6C34878D82A}">
+                    <a16:rowId xmlns:a16="http://schemas.microsoft.com/office/drawing/2014/main" val="2615780617"/>
+                  </a:ext>
+                </a:extLst>
+              </a:tr>
+              <a:tr h="145947">
+                <a:tc>
+                  <a:txBody>
+                    <a:bodyPr/>
+                    <a:lstStyle/>
+                    <a:p>
+                      <a:endParaRPr lang="en-US" dirty="0"/>
+                    </a:p>
+                  </a:txBody>
+                  <a:tcPr>
+                    <a:lnL w="12700" cap="flat" cmpd="sng" algn="ctr">
+                      <a:solidFill>
+                        <a:schemeClr val="tx1"/>
+                      </a:solidFill>
+                      <a:prstDash val="solid"/>
+                      <a:round/>
+                      <a:headEnd type="none" w="med" len="med"/>
+                      <a:tailEnd type="none" w="med" len="med"/>
+                    </a:lnL>
+                    <a:lnR w="12700" cap="flat" cmpd="sng" algn="ctr">
+                      <a:solidFill>
+                        <a:schemeClr val="tx1"/>
+                      </a:solidFill>
+                      <a:prstDash val="solid"/>
+                      <a:round/>
+                      <a:headEnd type="none" w="med" len="med"/>
+                      <a:tailEnd type="none" w="med" len="med"/>
+                    </a:lnR>
+                    <a:lnT w="12700" cap="flat" cmpd="sng" algn="ctr">
+                      <a:solidFill>
+                        <a:schemeClr val="tx1"/>
+                      </a:solidFill>
+                      <a:prstDash val="solid"/>
+                      <a:round/>
+                      <a:headEnd type="none" w="med" len="med"/>
+                      <a:tailEnd type="none" w="med" len="med"/>
+                    </a:lnT>
+                    <a:lnB w="12700" cap="flat" cmpd="sng" algn="ctr">
+                      <a:solidFill>
+                        <a:schemeClr val="tx1"/>
+                      </a:solidFill>
+                      <a:prstDash val="solid"/>
+                      <a:round/>
+                      <a:headEnd type="none" w="med" len="med"/>
+                      <a:tailEnd type="none" w="med" len="med"/>
+                    </a:lnB>
+                    <a:noFill/>
+                  </a:tcPr>
+                </a:tc>
+                <a:extLst>
+                  <a:ext uri="{0D108BD9-81ED-4DB2-BD59-A6C34878D82A}">
+                    <a16:rowId xmlns:a16="http://schemas.microsoft.com/office/drawing/2014/main" val="719889441"/>
+                  </a:ext>
+                </a:extLst>
+              </a:tr>
+              <a:tr h="145947">
+                <a:tc>
+                  <a:txBody>
+                    <a:bodyPr/>
+                    <a:lstStyle/>
+                    <a:p>
+                      <a:endParaRPr lang="en-US" dirty="0"/>
+                    </a:p>
+                  </a:txBody>
+                  <a:tcPr>
+                    <a:lnL w="12700" cap="flat" cmpd="sng" algn="ctr">
+                      <a:solidFill>
+                        <a:schemeClr val="tx1"/>
+                      </a:solidFill>
+                      <a:prstDash val="solid"/>
+                      <a:round/>
+                      <a:headEnd type="none" w="med" len="med"/>
+                      <a:tailEnd type="none" w="med" len="med"/>
+                    </a:lnL>
+                    <a:lnR w="12700" cap="flat" cmpd="sng" algn="ctr">
+                      <a:solidFill>
+                        <a:schemeClr val="tx1"/>
+                      </a:solidFill>
+                      <a:prstDash val="solid"/>
+                      <a:round/>
+                      <a:headEnd type="none" w="med" len="med"/>
+                      <a:tailEnd type="none" w="med" len="med"/>
+                    </a:lnR>
+                    <a:lnT w="12700" cap="flat" cmpd="sng" algn="ctr">
+                      <a:solidFill>
+                        <a:schemeClr val="tx1"/>
+                      </a:solidFill>
+                      <a:prstDash val="solid"/>
+                      <a:round/>
+                      <a:headEnd type="none" w="med" len="med"/>
+                      <a:tailEnd type="none" w="med" len="med"/>
+                    </a:lnT>
+                    <a:lnB w="12700" cap="flat" cmpd="sng" algn="ctr">
+                      <a:solidFill>
+                        <a:schemeClr val="tx1"/>
+                      </a:solidFill>
+                      <a:prstDash val="solid"/>
+                      <a:round/>
+                      <a:headEnd type="none" w="med" len="med"/>
+                      <a:tailEnd type="none" w="med" len="med"/>
+                    </a:lnB>
+                    <a:noFill/>
+                  </a:tcPr>
+                </a:tc>
+                <a:extLst>
+                  <a:ext uri="{0D108BD9-81ED-4DB2-BD59-A6C34878D82A}">
+                    <a16:rowId xmlns:a16="http://schemas.microsoft.com/office/drawing/2014/main" val="546262901"/>
+                  </a:ext>
+                </a:extLst>
+              </a:tr>
+            </a:tbl>
+          </a:graphicData>
+        </a:graphic>
+      </p:graphicFrame>
+      <p:graphicFrame>
+        <p:nvGraphicFramePr>
+          <p:cNvPr id="18" name="Table 17">
+            <a:extLst>
+              <a:ext uri="{FF2B5EF4-FFF2-40B4-BE49-F238E27FC236}">
+                <a16:creationId xmlns:a16="http://schemas.microsoft.com/office/drawing/2014/main" id="{E6D280FC-BD8E-4386-9705-C55965C1F5D1}"/>
+              </a:ext>
+            </a:extLst>
+          </p:cNvPr>
+          <p:cNvGraphicFramePr>
+            <a:graphicFrameLocks noGrp="1"/>
+          </p:cNvGraphicFramePr>
+          <p:nvPr>
+            <p:extLst>
+              <p:ext uri="{D42A27DB-BD31-4B8C-83A1-F6EECF244321}">
+                <p14:modId xmlns:p14="http://schemas.microsoft.com/office/powerpoint/2010/main" val="2893335270"/>
+              </p:ext>
+            </p:extLst>
+          </p:nvPr>
+        </p:nvGraphicFramePr>
+        <p:xfrm>
+          <a:off x="4837658" y="2683305"/>
+          <a:ext cx="1190886" cy="1828800"/>
+        </p:xfrm>
+        <a:graphic>
+          <a:graphicData uri="http://schemas.openxmlformats.org/drawingml/2006/table">
+            <a:tbl>
+              <a:tblPr firstRow="1" bandRow="1">
+                <a:tableStyleId>{5C22544A-7EE6-4342-B048-85BDC9FD1C3A}</a:tableStyleId>
+              </a:tblPr>
+              <a:tblGrid>
+                <a:gridCol w="1190886">
+                  <a:extLst>
+                    <a:ext uri="{9D8B030D-6E8A-4147-A177-3AD203B41FA5}">
+                      <a16:colId xmlns:a16="http://schemas.microsoft.com/office/drawing/2014/main" val="3651792087"/>
+                    </a:ext>
+                  </a:extLst>
+                </a:gridCol>
+              </a:tblGrid>
+              <a:tr h="145947">
+                <a:tc>
+                  <a:txBody>
+                    <a:bodyPr/>
+                    <a:lstStyle/>
+                    <a:p>
+                      <a:endParaRPr lang="en-US" dirty="0"/>
+                    </a:p>
+                  </a:txBody>
+                  <a:tcPr>
+                    <a:lnL w="12700" cap="flat" cmpd="sng" algn="ctr">
+                      <a:solidFill>
+                        <a:schemeClr val="tx1"/>
+                      </a:solidFill>
+                      <a:prstDash val="solid"/>
+                      <a:round/>
+                      <a:headEnd type="none" w="med" len="med"/>
+                      <a:tailEnd type="none" w="med" len="med"/>
+                    </a:lnL>
+                    <a:lnR w="12700" cap="flat" cmpd="sng" algn="ctr">
+                      <a:solidFill>
+                        <a:schemeClr val="tx1"/>
+                      </a:solidFill>
+                      <a:prstDash val="solid"/>
+                      <a:round/>
+                      <a:headEnd type="none" w="med" len="med"/>
+                      <a:tailEnd type="none" w="med" len="med"/>
+                    </a:lnR>
+                    <a:lnT w="12700" cap="flat" cmpd="sng" algn="ctr">
+                      <a:solidFill>
+                        <a:schemeClr val="tx1"/>
+                      </a:solidFill>
+                      <a:prstDash val="solid"/>
+                      <a:round/>
+                      <a:headEnd type="none" w="med" len="med"/>
+                      <a:tailEnd type="none" w="med" len="med"/>
+                    </a:lnT>
+                    <a:lnB w="12700" cap="flat" cmpd="sng" algn="ctr">
+                      <a:solidFill>
+                        <a:schemeClr val="tx1"/>
+                      </a:solidFill>
+                      <a:prstDash val="solid"/>
+                      <a:round/>
+                      <a:headEnd type="none" w="med" len="med"/>
+                      <a:tailEnd type="none" w="med" len="med"/>
+                    </a:lnB>
+                    <a:solidFill>
+                      <a:schemeClr val="accent1">
+                        <a:lumMod val="20000"/>
+                        <a:lumOff val="80000"/>
+                      </a:schemeClr>
+                    </a:solidFill>
+                  </a:tcPr>
+                </a:tc>
+                <a:extLst>
+                  <a:ext uri="{0D108BD9-81ED-4DB2-BD59-A6C34878D82A}">
+                    <a16:rowId xmlns:a16="http://schemas.microsoft.com/office/drawing/2014/main" val="241188830"/>
+                  </a:ext>
+                </a:extLst>
+              </a:tr>
+              <a:tr h="145947">
+                <a:tc>
+                  <a:txBody>
+                    <a:bodyPr/>
+                    <a:lstStyle/>
+                    <a:p>
+                      <a:endParaRPr lang="en-US" dirty="0"/>
+                    </a:p>
+                  </a:txBody>
+                  <a:tcPr>
+                    <a:lnL w="12700" cap="flat" cmpd="sng" algn="ctr">
+                      <a:solidFill>
+                        <a:schemeClr val="tx1"/>
+                      </a:solidFill>
+                      <a:prstDash val="solid"/>
+                      <a:round/>
+                      <a:headEnd type="none" w="med" len="med"/>
+                      <a:tailEnd type="none" w="med" len="med"/>
+                    </a:lnL>
+                    <a:lnR w="12700" cap="flat" cmpd="sng" algn="ctr">
+                      <a:solidFill>
+                        <a:schemeClr val="tx1"/>
+                      </a:solidFill>
+                      <a:prstDash val="solid"/>
+                      <a:round/>
+                      <a:headEnd type="none" w="med" len="med"/>
+                      <a:tailEnd type="none" w="med" len="med"/>
+                    </a:lnR>
+                    <a:lnT w="12700" cap="flat" cmpd="sng" algn="ctr">
+                      <a:solidFill>
+                        <a:schemeClr val="tx1"/>
+                      </a:solidFill>
+                      <a:prstDash val="solid"/>
+                      <a:round/>
+                      <a:headEnd type="none" w="med" len="med"/>
+                      <a:tailEnd type="none" w="med" len="med"/>
+                    </a:lnT>
+                    <a:lnB w="12700" cap="flat" cmpd="sng" algn="ctr">
+                      <a:solidFill>
+                        <a:schemeClr val="tx1"/>
+                      </a:solidFill>
+                      <a:prstDash val="solid"/>
+                      <a:round/>
+                      <a:headEnd type="none" w="med" len="med"/>
+                      <a:tailEnd type="none" w="med" len="med"/>
+                    </a:lnB>
+                    <a:solidFill>
+                      <a:schemeClr val="accent1">
+                        <a:lumMod val="75000"/>
+                      </a:schemeClr>
+                    </a:solidFill>
+                  </a:tcPr>
+                </a:tc>
+                <a:extLst>
+                  <a:ext uri="{0D108BD9-81ED-4DB2-BD59-A6C34878D82A}">
+                    <a16:rowId xmlns:a16="http://schemas.microsoft.com/office/drawing/2014/main" val="3376876954"/>
+                  </a:ext>
+                </a:extLst>
+              </a:tr>
+              <a:tr h="145947">
+                <a:tc>
+                  <a:txBody>
+                    <a:bodyPr/>
+                    <a:lstStyle/>
+                    <a:p>
+                      <a:endParaRPr lang="en-US" dirty="0"/>
+                    </a:p>
+                  </a:txBody>
+                  <a:tcPr>
+                    <a:lnL w="12700" cap="flat" cmpd="sng" algn="ctr">
+                      <a:solidFill>
+                        <a:schemeClr val="tx1"/>
+                      </a:solidFill>
+                      <a:prstDash val="solid"/>
+                      <a:round/>
+                      <a:headEnd type="none" w="med" len="med"/>
+                      <a:tailEnd type="none" w="med" len="med"/>
+                    </a:lnL>
+                    <a:lnR w="12700" cap="flat" cmpd="sng" algn="ctr">
+                      <a:solidFill>
+                        <a:schemeClr val="tx1"/>
+                      </a:solidFill>
+                      <a:prstDash val="solid"/>
+                      <a:round/>
+                      <a:headEnd type="none" w="med" len="med"/>
+                      <a:tailEnd type="none" w="med" len="med"/>
+                    </a:lnR>
+                    <a:lnT w="12700" cap="flat" cmpd="sng" algn="ctr">
+                      <a:solidFill>
+                        <a:schemeClr val="tx1"/>
+                      </a:solidFill>
+                      <a:prstDash val="solid"/>
+                      <a:round/>
+                      <a:headEnd type="none" w="med" len="med"/>
+                      <a:tailEnd type="none" w="med" len="med"/>
+                    </a:lnT>
+                    <a:lnB w="12700" cap="flat" cmpd="sng" algn="ctr">
+                      <a:solidFill>
+                        <a:schemeClr val="tx1"/>
+                      </a:solidFill>
+                      <a:prstDash val="solid"/>
+                      <a:round/>
+                      <a:headEnd type="none" w="med" len="med"/>
+                      <a:tailEnd type="none" w="med" len="med"/>
+                    </a:lnB>
+                    <a:solidFill>
+                      <a:schemeClr val="accent1">
+                        <a:lumMod val="40000"/>
+                        <a:lumOff val="60000"/>
+                      </a:schemeClr>
+                    </a:solidFill>
+                  </a:tcPr>
+                </a:tc>
+                <a:extLst>
+                  <a:ext uri="{0D108BD9-81ED-4DB2-BD59-A6C34878D82A}">
+                    <a16:rowId xmlns:a16="http://schemas.microsoft.com/office/drawing/2014/main" val="1288455921"/>
+                  </a:ext>
+                </a:extLst>
+              </a:tr>
+              <a:tr h="145947">
+                <a:tc>
+                  <a:txBody>
+                    <a:bodyPr/>
+                    <a:lstStyle/>
+                    <a:p>
+                      <a:endParaRPr lang="en-US" dirty="0"/>
+                    </a:p>
+                  </a:txBody>
+                  <a:tcPr>
+                    <a:lnL w="12700" cap="flat" cmpd="sng" algn="ctr">
+                      <a:solidFill>
+                        <a:schemeClr val="tx1"/>
+                      </a:solidFill>
+                      <a:prstDash val="solid"/>
+                      <a:round/>
+                      <a:headEnd type="none" w="med" len="med"/>
+                      <a:tailEnd type="none" w="med" len="med"/>
+                    </a:lnL>
+                    <a:lnR w="12700" cap="flat" cmpd="sng" algn="ctr">
+                      <a:solidFill>
+                        <a:schemeClr val="tx1"/>
+                      </a:solidFill>
+                      <a:prstDash val="solid"/>
+                      <a:round/>
+                      <a:headEnd type="none" w="med" len="med"/>
+                      <a:tailEnd type="none" w="med" len="med"/>
+                    </a:lnR>
+                    <a:lnT w="12700" cap="flat" cmpd="sng" algn="ctr">
+                      <a:solidFill>
+                        <a:schemeClr val="tx1"/>
+                      </a:solidFill>
+                      <a:prstDash val="solid"/>
+                      <a:round/>
+                      <a:headEnd type="none" w="med" len="med"/>
+                      <a:tailEnd type="none" w="med" len="med"/>
+                    </a:lnT>
+                    <a:lnB w="12700" cap="flat" cmpd="sng" algn="ctr">
+                      <a:solidFill>
+                        <a:schemeClr val="tx1"/>
+                      </a:solidFill>
+                      <a:prstDash val="solid"/>
+                      <a:round/>
+                      <a:headEnd type="none" w="med" len="med"/>
+                      <a:tailEnd type="none" w="med" len="med"/>
+                    </a:lnB>
+                    <a:solidFill>
+                      <a:schemeClr val="accent1">
+                        <a:lumMod val="50000"/>
+                      </a:schemeClr>
+                    </a:solidFill>
+                  </a:tcPr>
+                </a:tc>
+                <a:extLst>
+                  <a:ext uri="{0D108BD9-81ED-4DB2-BD59-A6C34878D82A}">
+                    <a16:rowId xmlns:a16="http://schemas.microsoft.com/office/drawing/2014/main" val="893954230"/>
+                  </a:ext>
+                </a:extLst>
+              </a:tr>
+              <a:tr h="145947">
+                <a:tc>
+                  <a:txBody>
+                    <a:bodyPr/>
+                    <a:lstStyle/>
+                    <a:p>
+                      <a:endParaRPr lang="en-US" dirty="0"/>
+                    </a:p>
+                  </a:txBody>
+                  <a:tcPr>
+                    <a:lnL w="12700" cap="flat" cmpd="sng" algn="ctr">
+                      <a:solidFill>
+                        <a:schemeClr val="tx1"/>
+                      </a:solidFill>
+                      <a:prstDash val="solid"/>
+                      <a:round/>
+                      <a:headEnd type="none" w="med" len="med"/>
+                      <a:tailEnd type="none" w="med" len="med"/>
+                    </a:lnL>
+                    <a:lnR w="12700" cap="flat" cmpd="sng" algn="ctr">
+                      <a:solidFill>
+                        <a:schemeClr val="tx1"/>
+                      </a:solidFill>
+                      <a:prstDash val="solid"/>
+                      <a:round/>
+                      <a:headEnd type="none" w="med" len="med"/>
+                      <a:tailEnd type="none" w="med" len="med"/>
+                    </a:lnR>
+                    <a:lnT w="12700" cap="flat" cmpd="sng" algn="ctr">
+                      <a:solidFill>
+                        <a:schemeClr val="tx1"/>
+                      </a:solidFill>
+                      <a:prstDash val="solid"/>
+                      <a:round/>
+                      <a:headEnd type="none" w="med" len="med"/>
+                      <a:tailEnd type="none" w="med" len="med"/>
+                    </a:lnT>
+                    <a:lnB w="12700" cap="flat" cmpd="sng" algn="ctr">
+                      <a:solidFill>
+                        <a:schemeClr val="tx1"/>
+                      </a:solidFill>
+                      <a:prstDash val="solid"/>
+                      <a:round/>
+                      <a:headEnd type="none" w="med" len="med"/>
+                      <a:tailEnd type="none" w="med" len="med"/>
+                    </a:lnB>
+                    <a:solidFill>
+                      <a:schemeClr val="accent1">
+                        <a:lumMod val="60000"/>
+                        <a:lumOff val="40000"/>
+                      </a:schemeClr>
+                    </a:solidFill>
+                  </a:tcPr>
+                </a:tc>
+                <a:extLst>
+                  <a:ext uri="{0D108BD9-81ED-4DB2-BD59-A6C34878D82A}">
+                    <a16:rowId xmlns:a16="http://schemas.microsoft.com/office/drawing/2014/main" val="3950577819"/>
+                  </a:ext>
+                </a:extLst>
+              </a:tr>
+            </a:tbl>
+          </a:graphicData>
+        </a:graphic>
+      </p:graphicFrame>
+      <p:graphicFrame>
+        <p:nvGraphicFramePr>
+          <p:cNvPr id="38" name="Table 37">
+            <a:extLst>
+              <a:ext uri="{FF2B5EF4-FFF2-40B4-BE49-F238E27FC236}">
+                <a16:creationId xmlns:a16="http://schemas.microsoft.com/office/drawing/2014/main" id="{96B61B16-C777-47AD-A2D2-FC0892B57C3F}"/>
+              </a:ext>
+            </a:extLst>
+          </p:cNvPr>
+          <p:cNvGraphicFramePr>
+            <a:graphicFrameLocks noGrp="1"/>
+          </p:cNvGraphicFramePr>
+          <p:nvPr>
+            <p:extLst>
+              <p:ext uri="{D42A27DB-BD31-4B8C-83A1-F6EECF244321}">
+                <p14:modId xmlns:p14="http://schemas.microsoft.com/office/powerpoint/2010/main" val="857643018"/>
+              </p:ext>
+            </p:extLst>
+          </p:nvPr>
+        </p:nvGraphicFramePr>
+        <p:xfrm>
+          <a:off x="7795715" y="2702758"/>
+          <a:ext cx="1190886" cy="1828800"/>
+        </p:xfrm>
+        <a:graphic>
+          <a:graphicData uri="http://schemas.openxmlformats.org/drawingml/2006/table">
+            <a:tbl>
+              <a:tblPr firstRow="1" bandRow="1">
+                <a:tableStyleId>{5C22544A-7EE6-4342-B048-85BDC9FD1C3A}</a:tableStyleId>
+              </a:tblPr>
+              <a:tblGrid>
+                <a:gridCol w="1190886">
+                  <a:extLst>
+                    <a:ext uri="{9D8B030D-6E8A-4147-A177-3AD203B41FA5}">
+                      <a16:colId xmlns:a16="http://schemas.microsoft.com/office/drawing/2014/main" val="3651792087"/>
+                    </a:ext>
+                  </a:extLst>
+                </a:gridCol>
+              </a:tblGrid>
+              <a:tr h="145947">
+                <a:tc>
+                  <a:txBody>
+                    <a:bodyPr/>
+                    <a:lstStyle/>
+                    <a:p>
+                      <a:endParaRPr lang="en-US" dirty="0"/>
+                    </a:p>
+                  </a:txBody>
+                  <a:tcPr>
+                    <a:lnL w="12700" cap="flat" cmpd="sng" algn="ctr">
+                      <a:solidFill>
+                        <a:schemeClr val="tx1"/>
+                      </a:solidFill>
+                      <a:prstDash val="solid"/>
+                      <a:round/>
+                      <a:headEnd type="none" w="med" len="med"/>
+                      <a:tailEnd type="none" w="med" len="med"/>
+                    </a:lnL>
+                    <a:lnR w="12700" cap="flat" cmpd="sng" algn="ctr">
+                      <a:solidFill>
+                        <a:schemeClr val="tx1"/>
+                      </a:solidFill>
+                      <a:prstDash val="solid"/>
+                      <a:round/>
+                      <a:headEnd type="none" w="med" len="med"/>
+                      <a:tailEnd type="none" w="med" len="med"/>
+                    </a:lnR>
+                    <a:lnT w="12700" cap="flat" cmpd="sng" algn="ctr">
+                      <a:solidFill>
+                        <a:schemeClr val="tx1"/>
+                      </a:solidFill>
+                      <a:prstDash val="solid"/>
+                      <a:round/>
+                      <a:headEnd type="none" w="med" len="med"/>
+                      <a:tailEnd type="none" w="med" len="med"/>
+                    </a:lnT>
+                    <a:lnB w="12700" cap="flat" cmpd="sng" algn="ctr">
+                      <a:solidFill>
+                        <a:schemeClr val="tx1"/>
+                      </a:solidFill>
+                      <a:prstDash val="solid"/>
+                      <a:round/>
+                      <a:headEnd type="none" w="med" len="med"/>
+                      <a:tailEnd type="none" w="med" len="med"/>
+                    </a:lnB>
+                    <a:solidFill>
+                      <a:schemeClr val="accent1">
+                        <a:lumMod val="20000"/>
+                        <a:lumOff val="80000"/>
+                      </a:schemeClr>
+                    </a:solidFill>
+                  </a:tcPr>
+                </a:tc>
+                <a:extLst>
+                  <a:ext uri="{0D108BD9-81ED-4DB2-BD59-A6C34878D82A}">
+                    <a16:rowId xmlns:a16="http://schemas.microsoft.com/office/drawing/2014/main" val="241188830"/>
+                  </a:ext>
+                </a:extLst>
+              </a:tr>
+              <a:tr h="145947">
+                <a:tc>
+                  <a:txBody>
+                    <a:bodyPr/>
+                    <a:lstStyle/>
+                    <a:p>
+                      <a:endParaRPr lang="en-US" dirty="0"/>
+                    </a:p>
+                  </a:txBody>
+                  <a:tcPr>
+                    <a:lnL w="12700" cap="flat" cmpd="sng" algn="ctr">
+                      <a:solidFill>
+                        <a:schemeClr val="tx1"/>
+                      </a:solidFill>
+                      <a:prstDash val="solid"/>
+                      <a:round/>
+                      <a:headEnd type="none" w="med" len="med"/>
+                      <a:tailEnd type="none" w="med" len="med"/>
+                    </a:lnL>
+                    <a:lnR w="12700" cap="flat" cmpd="sng" algn="ctr">
+                      <a:solidFill>
+                        <a:schemeClr val="tx1"/>
+                      </a:solidFill>
+                      <a:prstDash val="solid"/>
+                      <a:round/>
+                      <a:headEnd type="none" w="med" len="med"/>
+                      <a:tailEnd type="none" w="med" len="med"/>
+                    </a:lnR>
+                    <a:lnT w="12700" cap="flat" cmpd="sng" algn="ctr">
+                      <a:solidFill>
+                        <a:schemeClr val="tx1"/>
+                      </a:solidFill>
+                      <a:prstDash val="solid"/>
+                      <a:round/>
+                      <a:headEnd type="none" w="med" len="med"/>
+                      <a:tailEnd type="none" w="med" len="med"/>
+                    </a:lnT>
+                    <a:lnB w="12700" cap="flat" cmpd="sng" algn="ctr">
+                      <a:solidFill>
+                        <a:schemeClr val="tx1"/>
+                      </a:solidFill>
+                      <a:prstDash val="solid"/>
+                      <a:round/>
+                      <a:headEnd type="none" w="med" len="med"/>
+                      <a:tailEnd type="none" w="med" len="med"/>
+                    </a:lnB>
+                    <a:solidFill>
+                      <a:schemeClr val="accent1">
+                        <a:lumMod val="40000"/>
+                        <a:lumOff val="60000"/>
+                      </a:schemeClr>
+                    </a:solidFill>
+                  </a:tcPr>
+                </a:tc>
+                <a:extLst>
+                  <a:ext uri="{0D108BD9-81ED-4DB2-BD59-A6C34878D82A}">
+                    <a16:rowId xmlns:a16="http://schemas.microsoft.com/office/drawing/2014/main" val="3376876954"/>
+                  </a:ext>
+                </a:extLst>
+              </a:tr>
+              <a:tr h="145947">
+                <a:tc>
+                  <a:txBody>
+                    <a:bodyPr/>
+                    <a:lstStyle/>
+                    <a:p>
+                      <a:endParaRPr lang="en-US" dirty="0"/>
+                    </a:p>
+                  </a:txBody>
+                  <a:tcPr>
+                    <a:lnL w="12700" cap="flat" cmpd="sng" algn="ctr">
+                      <a:solidFill>
+                        <a:schemeClr val="tx1"/>
+                      </a:solidFill>
+                      <a:prstDash val="solid"/>
+                      <a:round/>
+                      <a:headEnd type="none" w="med" len="med"/>
+                      <a:tailEnd type="none" w="med" len="med"/>
+                    </a:lnL>
+                    <a:lnR w="12700" cap="flat" cmpd="sng" algn="ctr">
+                      <a:solidFill>
+                        <a:schemeClr val="tx1"/>
+                      </a:solidFill>
+                      <a:prstDash val="solid"/>
+                      <a:round/>
+                      <a:headEnd type="none" w="med" len="med"/>
+                      <a:tailEnd type="none" w="med" len="med"/>
+                    </a:lnR>
+                    <a:lnT w="12700" cap="flat" cmpd="sng" algn="ctr">
+                      <a:solidFill>
+                        <a:schemeClr val="tx1"/>
+                      </a:solidFill>
+                      <a:prstDash val="solid"/>
+                      <a:round/>
+                      <a:headEnd type="none" w="med" len="med"/>
+                      <a:tailEnd type="none" w="med" len="med"/>
+                    </a:lnT>
+                    <a:lnB w="12700" cap="flat" cmpd="sng" algn="ctr">
+                      <a:solidFill>
+                        <a:schemeClr val="tx1"/>
+                      </a:solidFill>
+                      <a:prstDash val="solid"/>
+                      <a:round/>
+                      <a:headEnd type="none" w="med" len="med"/>
+                      <a:tailEnd type="none" w="med" len="med"/>
+                    </a:lnB>
+                    <a:solidFill>
+                      <a:schemeClr val="accent1">
+                        <a:lumMod val="60000"/>
+                        <a:lumOff val="40000"/>
+                      </a:schemeClr>
+                    </a:solidFill>
+                  </a:tcPr>
+                </a:tc>
+                <a:extLst>
+                  <a:ext uri="{0D108BD9-81ED-4DB2-BD59-A6C34878D82A}">
+                    <a16:rowId xmlns:a16="http://schemas.microsoft.com/office/drawing/2014/main" val="1288455921"/>
+                  </a:ext>
+                </a:extLst>
+              </a:tr>
+              <a:tr h="145947">
+                <a:tc>
+                  <a:txBody>
+                    <a:bodyPr/>
+                    <a:lstStyle/>
+                    <a:p>
+                      <a:endParaRPr lang="en-US" dirty="0"/>
+                    </a:p>
+                  </a:txBody>
+                  <a:tcPr>
+                    <a:lnL w="12700" cap="flat" cmpd="sng" algn="ctr">
+                      <a:solidFill>
+                        <a:schemeClr val="tx1"/>
+                      </a:solidFill>
+                      <a:prstDash val="solid"/>
+                      <a:round/>
+                      <a:headEnd type="none" w="med" len="med"/>
+                      <a:tailEnd type="none" w="med" len="med"/>
+                    </a:lnL>
+                    <a:lnR w="12700" cap="flat" cmpd="sng" algn="ctr">
+                      <a:solidFill>
+                        <a:schemeClr val="tx1"/>
+                      </a:solidFill>
+                      <a:prstDash val="solid"/>
+                      <a:round/>
+                      <a:headEnd type="none" w="med" len="med"/>
+                      <a:tailEnd type="none" w="med" len="med"/>
+                    </a:lnR>
+                    <a:lnT w="12700" cap="flat" cmpd="sng" algn="ctr">
+                      <a:solidFill>
+                        <a:schemeClr val="tx1"/>
+                      </a:solidFill>
+                      <a:prstDash val="solid"/>
+                      <a:round/>
+                      <a:headEnd type="none" w="med" len="med"/>
+                      <a:tailEnd type="none" w="med" len="med"/>
+                    </a:lnT>
+                    <a:lnB w="12700" cap="flat" cmpd="sng" algn="ctr">
+                      <a:solidFill>
+                        <a:schemeClr val="tx1"/>
+                      </a:solidFill>
+                      <a:prstDash val="solid"/>
+                      <a:round/>
+                      <a:headEnd type="none" w="med" len="med"/>
+                      <a:tailEnd type="none" w="med" len="med"/>
+                    </a:lnB>
+                    <a:solidFill>
+                      <a:schemeClr val="accent1">
+                        <a:lumMod val="75000"/>
+                      </a:schemeClr>
+                    </a:solidFill>
+                  </a:tcPr>
+                </a:tc>
+                <a:extLst>
+                  <a:ext uri="{0D108BD9-81ED-4DB2-BD59-A6C34878D82A}">
+                    <a16:rowId xmlns:a16="http://schemas.microsoft.com/office/drawing/2014/main" val="893954230"/>
+                  </a:ext>
+                </a:extLst>
+              </a:tr>
+              <a:tr h="145947">
+                <a:tc>
+                  <a:txBody>
+                    <a:bodyPr/>
+                    <a:lstStyle/>
+                    <a:p>
+                      <a:endParaRPr lang="en-US" dirty="0"/>
+                    </a:p>
+                  </a:txBody>
+                  <a:tcPr>
+                    <a:lnL w="12700" cap="flat" cmpd="sng" algn="ctr">
+                      <a:solidFill>
+                        <a:schemeClr val="tx1"/>
+                      </a:solidFill>
+                      <a:prstDash val="solid"/>
+                      <a:round/>
+                      <a:headEnd type="none" w="med" len="med"/>
+                      <a:tailEnd type="none" w="med" len="med"/>
+                    </a:lnL>
+                    <a:lnR w="12700" cap="flat" cmpd="sng" algn="ctr">
+                      <a:solidFill>
+                        <a:schemeClr val="tx1"/>
+                      </a:solidFill>
+                      <a:prstDash val="solid"/>
+                      <a:round/>
+                      <a:headEnd type="none" w="med" len="med"/>
+                      <a:tailEnd type="none" w="med" len="med"/>
+                    </a:lnR>
+                    <a:lnT w="12700" cap="flat" cmpd="sng" algn="ctr">
+                      <a:solidFill>
+                        <a:schemeClr val="tx1"/>
+                      </a:solidFill>
+                      <a:prstDash val="solid"/>
+                      <a:round/>
+                      <a:headEnd type="none" w="med" len="med"/>
+                      <a:tailEnd type="none" w="med" len="med"/>
+                    </a:lnT>
+                    <a:lnB w="12700" cap="flat" cmpd="sng" algn="ctr">
+                      <a:solidFill>
+                        <a:schemeClr val="tx1"/>
+                      </a:solidFill>
+                      <a:prstDash val="solid"/>
+                      <a:round/>
+                      <a:headEnd type="none" w="med" len="med"/>
+                      <a:tailEnd type="none" w="med" len="med"/>
+                    </a:lnB>
+                    <a:solidFill>
+                      <a:schemeClr val="accent1">
+                        <a:lumMod val="50000"/>
+                      </a:schemeClr>
+                    </a:solidFill>
+                  </a:tcPr>
+                </a:tc>
+                <a:extLst>
+                  <a:ext uri="{0D108BD9-81ED-4DB2-BD59-A6C34878D82A}">
+                    <a16:rowId xmlns:a16="http://schemas.microsoft.com/office/drawing/2014/main" val="3950577819"/>
+                  </a:ext>
+                </a:extLst>
+              </a:tr>
+            </a:tbl>
+          </a:graphicData>
+        </a:graphic>
+      </p:graphicFrame>
+      <p:sp>
+        <p:nvSpPr>
+          <p:cNvPr id="39" name="Arrow: Right 38">
+            <a:extLst>
+              <a:ext uri="{FF2B5EF4-FFF2-40B4-BE49-F238E27FC236}">
+                <a16:creationId xmlns:a16="http://schemas.microsoft.com/office/drawing/2014/main" id="{3B7AC8CC-0B3F-4830-BC98-0ADE4FF72082}"/>
+              </a:ext>
+            </a:extLst>
+          </p:cNvPr>
+          <p:cNvSpPr/>
+          <p:nvPr/>
+        </p:nvSpPr>
+        <p:spPr>
+          <a:xfrm>
+            <a:off x="3461583" y="3555245"/>
+            <a:ext cx="1190886" cy="235059"/>
+          </a:xfrm>
+          <a:prstGeom prst="rightArrow">
+            <a:avLst/>
+          </a:prstGeom>
+        </p:spPr>
+        <p:style>
+          <a:lnRef idx="2">
+            <a:schemeClr val="accent1">
+              <a:shade val="50000"/>
+            </a:schemeClr>
+          </a:lnRef>
+          <a:fillRef idx="1">
+            <a:schemeClr val="accent1"/>
+          </a:fillRef>
+          <a:effectRef idx="0">
+            <a:schemeClr val="accent1"/>
+          </a:effectRef>
+          <a:fontRef idx="minor">
+            <a:schemeClr val="lt1"/>
+          </a:fontRef>
+        </p:style>
+        <p:txBody>
+          <a:bodyPr rtlCol="0" anchor="ctr"/>
+          <a:lstStyle/>
+          <a:p>
+            <a:pPr algn="ctr"/>
+            <a:endParaRPr lang="en-US"/>
+          </a:p>
+        </p:txBody>
+      </p:sp>
+      <p:sp>
+        <p:nvSpPr>
+          <p:cNvPr id="40" name="Arrow: Right 39">
+            <a:extLst>
+              <a:ext uri="{FF2B5EF4-FFF2-40B4-BE49-F238E27FC236}">
+                <a16:creationId xmlns:a16="http://schemas.microsoft.com/office/drawing/2014/main" id="{3FFB2272-0098-4A95-ABFE-940E68C2B18D}"/>
+              </a:ext>
+            </a:extLst>
+          </p:cNvPr>
+          <p:cNvSpPr/>
+          <p:nvPr/>
+        </p:nvSpPr>
+        <p:spPr>
+          <a:xfrm>
+            <a:off x="6182078" y="3597705"/>
+            <a:ext cx="1190886" cy="235059"/>
+          </a:xfrm>
+          <a:prstGeom prst="rightArrow">
+            <a:avLst/>
+          </a:prstGeom>
+        </p:spPr>
+        <p:style>
+          <a:lnRef idx="2">
+            <a:schemeClr val="accent1">
+              <a:shade val="50000"/>
+            </a:schemeClr>
+          </a:lnRef>
+          <a:fillRef idx="1">
+            <a:schemeClr val="accent1"/>
+          </a:fillRef>
+          <a:effectRef idx="0">
+            <a:schemeClr val="accent1"/>
+          </a:effectRef>
+          <a:fontRef idx="minor">
+            <a:schemeClr val="lt1"/>
+          </a:fontRef>
+        </p:style>
+        <p:txBody>
+          <a:bodyPr rtlCol="0" anchor="ctr"/>
+          <a:lstStyle/>
+          <a:p>
+            <a:pPr algn="ctr"/>
+            <a:endParaRPr lang="en-US" dirty="0">
+              <a:highlight>
+                <a:srgbClr val="FFFF00"/>
+              </a:highlight>
+            </a:endParaRPr>
+          </a:p>
+        </p:txBody>
+      </p:sp>
+    </p:spTree>
+    <p:extLst>
+      <p:ext uri="{BB962C8B-B14F-4D97-AF65-F5344CB8AC3E}">
+        <p14:creationId xmlns:p14="http://schemas.microsoft.com/office/powerpoint/2010/main" val="456186878"/>
+      </p:ext>
+    </p:extLst>
+  </p:cSld>
+  <p:clrMapOvr>
+    <a:masterClrMapping/>
+  </p:clrMapOvr>
+</p:sld>
+</file>
+
 <file path=ppt/theme/theme1.xml><?xml version="1.0" encoding="utf-8"?>
 <a:theme xmlns:a="http://schemas.openxmlformats.org/drawingml/2006/main" name="Office Theme">
   <a:themeElements>
